--- a/PythonBasics/PythonGenesis.pptx
+++ b/PythonBasics/PythonGenesis.pptx
@@ -5591,642 +5591,6 @@
       <dsp:cNvGrpSpPr/>
     </dsp:nvGrpSpPr>
     <dsp:grpSpPr/>
-    <dsp:sp modelId="{42088DFD-6090-4685-B7AE-DFF8CABA46AE}">
-      <dsp:nvSpPr>
-        <dsp:cNvPr id="0" name=""/>
-        <dsp:cNvSpPr/>
-      </dsp:nvSpPr>
-      <dsp:spPr>
-        <a:xfrm>
-          <a:off x="308218" y="51138"/>
-          <a:ext cx="2127715" cy="450614"/>
-        </a:xfrm>
-        <a:prstGeom prst="roundRect">
-          <a:avLst/>
-        </a:prstGeom>
-        <a:solidFill>
-          <a:schemeClr val="accent1">
-            <a:hueOff val="0"/>
-            <a:satOff val="0"/>
-            <a:lumOff val="0"/>
-            <a:alphaOff val="0"/>
-          </a:schemeClr>
-        </a:solidFill>
-        <a:ln w="19050" cap="rnd" cmpd="sng" algn="ctr">
-          <a:solidFill>
-            <a:schemeClr val="lt1">
-              <a:hueOff val="0"/>
-              <a:satOff val="0"/>
-              <a:lumOff val="0"/>
-              <a:alphaOff val="0"/>
-            </a:schemeClr>
-          </a:solidFill>
-          <a:prstDash val="solid"/>
-        </a:ln>
-        <a:effectLst/>
-      </dsp:spPr>
-      <dsp:style>
-        <a:lnRef idx="2">
-          <a:scrgbClr r="0" g="0" b="0"/>
-        </a:lnRef>
-        <a:fillRef idx="1">
-          <a:scrgbClr r="0" g="0" b="0"/>
-        </a:fillRef>
-        <a:effectRef idx="0">
-          <a:scrgbClr r="0" g="0" b="0"/>
-        </a:effectRef>
-        <a:fontRef idx="minor">
-          <a:schemeClr val="lt1"/>
-        </a:fontRef>
-      </dsp:style>
-      <dsp:txBody>
-        <a:bodyPr spcFirstLastPara="0" vert="horz" wrap="square" lIns="72390" tIns="72390" rIns="72390" bIns="72390" numCol="1" spcCol="1270" anchor="ctr" anchorCtr="0">
-          <a:noAutofit/>
-        </a:bodyPr>
-        <a:lstStyle/>
-        <a:p>
-          <a:pPr lvl="0" algn="l" defTabSz="844550">
-            <a:lnSpc>
-              <a:spcPct val="90000"/>
-            </a:lnSpc>
-            <a:spcBef>
-              <a:spcPct val="0"/>
-            </a:spcBef>
-            <a:spcAft>
-              <a:spcPct val="35000"/>
-            </a:spcAft>
-          </a:pPr>
-          <a:r>
-            <a:rPr lang="en-US" sz="1900" kern="1200" dirty="0" smtClean="0"/>
-            <a:t>Lists</a:t>
-          </a:r>
-          <a:endParaRPr lang="en-US" sz="1900" kern="1200" dirty="0"/>
-        </a:p>
-      </dsp:txBody>
-      <dsp:txXfrm>
-        <a:off x="330215" y="73135"/>
-        <a:ext cx="2083721" cy="406620"/>
-      </dsp:txXfrm>
-    </dsp:sp>
-    <dsp:sp modelId="{A6C87BEC-2A94-4607-8944-A58E05D9AFCB}">
-      <dsp:nvSpPr>
-        <dsp:cNvPr id="0" name=""/>
-        <dsp:cNvSpPr/>
-      </dsp:nvSpPr>
-      <dsp:spPr>
-        <a:xfrm>
-          <a:off x="0" y="482468"/>
-          <a:ext cx="9104086" cy="671525"/>
-        </a:xfrm>
-        <a:prstGeom prst="rect">
-          <a:avLst/>
-        </a:prstGeom>
-        <a:noFill/>
-        <a:ln>
-          <a:noFill/>
-        </a:ln>
-        <a:effectLst/>
-      </dsp:spPr>
-      <dsp:style>
-        <a:lnRef idx="0">
-          <a:scrgbClr r="0" g="0" b="0"/>
-        </a:lnRef>
-        <a:fillRef idx="0">
-          <a:scrgbClr r="0" g="0" b="0"/>
-        </a:fillRef>
-        <a:effectRef idx="0">
-          <a:scrgbClr r="0" g="0" b="0"/>
-        </a:effectRef>
-        <a:fontRef idx="minor"/>
-      </dsp:style>
-      <dsp:txBody>
-        <a:bodyPr spcFirstLastPara="0" vert="horz" wrap="square" lIns="289055" tIns="24130" rIns="135128" bIns="24130" numCol="1" spcCol="1270" anchor="t" anchorCtr="0">
-          <a:noAutofit/>
-        </a:bodyPr>
-        <a:lstStyle/>
-        <a:p>
-          <a:pPr marL="114300" lvl="1" indent="-114300" algn="l" defTabSz="666750">
-            <a:lnSpc>
-              <a:spcPct val="90000"/>
-            </a:lnSpc>
-            <a:spcBef>
-              <a:spcPct val="0"/>
-            </a:spcBef>
-            <a:spcAft>
-              <a:spcPct val="20000"/>
-            </a:spcAft>
-            <a:buChar char="••"/>
-          </a:pPr>
-          <a:r>
-            <a:rPr lang="en-US" sz="1500" kern="1200" dirty="0" smtClean="0"/>
-            <a:t>List is collection of elements of multiple data types</a:t>
-          </a:r>
-          <a:endParaRPr lang="en-US" sz="1500" kern="1200" dirty="0"/>
-        </a:p>
-        <a:p>
-          <a:pPr marL="114300" lvl="1" indent="-114300" algn="l" defTabSz="666750">
-            <a:lnSpc>
-              <a:spcPct val="90000"/>
-            </a:lnSpc>
-            <a:spcBef>
-              <a:spcPct val="0"/>
-            </a:spcBef>
-            <a:spcAft>
-              <a:spcPct val="20000"/>
-            </a:spcAft>
-            <a:buChar char="••"/>
-          </a:pPr>
-          <a:r>
-            <a:rPr lang="en-US" sz="1500" kern="1200" dirty="0" smtClean="0"/>
-            <a:t>They are ordered, changeable and allow duplicate data</a:t>
-          </a:r>
-          <a:endParaRPr lang="en-US" sz="1500" kern="1200" dirty="0"/>
-        </a:p>
-      </dsp:txBody>
-      <dsp:txXfrm>
-        <a:off x="0" y="482468"/>
-        <a:ext cx="9104086" cy="671525"/>
-      </dsp:txXfrm>
-    </dsp:sp>
-    <dsp:sp modelId="{2B7CC9F1-2236-4A70-90A5-DF4F4B2A7E32}">
-      <dsp:nvSpPr>
-        <dsp:cNvPr id="0" name=""/>
-        <dsp:cNvSpPr/>
-      </dsp:nvSpPr>
-      <dsp:spPr>
-        <a:xfrm>
-          <a:off x="267842" y="1360908"/>
-          <a:ext cx="2402022" cy="451938"/>
-        </a:xfrm>
-        <a:prstGeom prst="roundRect">
-          <a:avLst/>
-        </a:prstGeom>
-        <a:solidFill>
-          <a:schemeClr val="accent1">
-            <a:hueOff val="0"/>
-            <a:satOff val="0"/>
-            <a:lumOff val="0"/>
-            <a:alphaOff val="0"/>
-          </a:schemeClr>
-        </a:solidFill>
-        <a:ln w="19050" cap="rnd" cmpd="sng" algn="ctr">
-          <a:solidFill>
-            <a:schemeClr val="lt1">
-              <a:hueOff val="0"/>
-              <a:satOff val="0"/>
-              <a:lumOff val="0"/>
-              <a:alphaOff val="0"/>
-            </a:schemeClr>
-          </a:solidFill>
-          <a:prstDash val="solid"/>
-        </a:ln>
-        <a:effectLst/>
-      </dsp:spPr>
-      <dsp:style>
-        <a:lnRef idx="2">
-          <a:scrgbClr r="0" g="0" b="0"/>
-        </a:lnRef>
-        <a:fillRef idx="1">
-          <a:scrgbClr r="0" g="0" b="0"/>
-        </a:fillRef>
-        <a:effectRef idx="0">
-          <a:scrgbClr r="0" g="0" b="0"/>
-        </a:effectRef>
-        <a:fontRef idx="minor">
-          <a:schemeClr val="lt1"/>
-        </a:fontRef>
-      </dsp:style>
-      <dsp:txBody>
-        <a:bodyPr spcFirstLastPara="0" vert="horz" wrap="square" lIns="72390" tIns="72390" rIns="72390" bIns="72390" numCol="1" spcCol="1270" anchor="ctr" anchorCtr="0">
-          <a:noAutofit/>
-        </a:bodyPr>
-        <a:lstStyle/>
-        <a:p>
-          <a:pPr lvl="0" algn="l" defTabSz="844550">
-            <a:lnSpc>
-              <a:spcPct val="90000"/>
-            </a:lnSpc>
-            <a:spcBef>
-              <a:spcPct val="0"/>
-            </a:spcBef>
-            <a:spcAft>
-              <a:spcPct val="35000"/>
-            </a:spcAft>
-          </a:pPr>
-          <a:r>
-            <a:rPr lang="en-US" sz="1900" kern="1200" dirty="0" smtClean="0"/>
-            <a:t>Dictionary</a:t>
-          </a:r>
-          <a:endParaRPr lang="en-US" sz="1900" kern="1200" dirty="0"/>
-        </a:p>
-      </dsp:txBody>
-      <dsp:txXfrm>
-        <a:off x="289904" y="1382970"/>
-        <a:ext cx="2357898" cy="407814"/>
-      </dsp:txXfrm>
-    </dsp:sp>
-    <dsp:sp modelId="{6624F5A8-0EA7-42FE-BFE9-23511CB9C4FF}">
-      <dsp:nvSpPr>
-        <dsp:cNvPr id="0" name=""/>
-        <dsp:cNvSpPr/>
-      </dsp:nvSpPr>
-      <dsp:spPr>
-        <a:xfrm>
-          <a:off x="0" y="1787292"/>
-          <a:ext cx="9104086" cy="746746"/>
-        </a:xfrm>
-        <a:prstGeom prst="rect">
-          <a:avLst/>
-        </a:prstGeom>
-        <a:noFill/>
-        <a:ln>
-          <a:noFill/>
-        </a:ln>
-        <a:effectLst/>
-      </dsp:spPr>
-      <dsp:style>
-        <a:lnRef idx="0">
-          <a:scrgbClr r="0" g="0" b="0"/>
-        </a:lnRef>
-        <a:fillRef idx="0">
-          <a:scrgbClr r="0" g="0" b="0"/>
-        </a:fillRef>
-        <a:effectRef idx="0">
-          <a:scrgbClr r="0" g="0" b="0"/>
-        </a:effectRef>
-        <a:fontRef idx="minor"/>
-      </dsp:style>
-      <dsp:txBody>
-        <a:bodyPr spcFirstLastPara="0" vert="horz" wrap="square" lIns="289055" tIns="24130" rIns="135128" bIns="24130" numCol="1" spcCol="1270" anchor="t" anchorCtr="0">
-          <a:noAutofit/>
-        </a:bodyPr>
-        <a:lstStyle/>
-        <a:p>
-          <a:pPr marL="114300" lvl="1" indent="-114300" algn="l" defTabSz="666750">
-            <a:lnSpc>
-              <a:spcPct val="90000"/>
-            </a:lnSpc>
-            <a:spcBef>
-              <a:spcPct val="0"/>
-            </a:spcBef>
-            <a:spcAft>
-              <a:spcPct val="20000"/>
-            </a:spcAft>
-            <a:buChar char="••"/>
-          </a:pPr>
-          <a:r>
-            <a:rPr lang="en-US" sz="1500" kern="1200" dirty="0" smtClean="0"/>
-            <a:t>Dictionary is collection of key value pairs of multiple datatypes</a:t>
-          </a:r>
-          <a:endParaRPr lang="en-US" sz="1500" kern="1200" dirty="0"/>
-        </a:p>
-        <a:p>
-          <a:pPr marL="114300" lvl="1" indent="-114300" algn="l" defTabSz="666750">
-            <a:lnSpc>
-              <a:spcPct val="90000"/>
-            </a:lnSpc>
-            <a:spcBef>
-              <a:spcPct val="0"/>
-            </a:spcBef>
-            <a:spcAft>
-              <a:spcPct val="20000"/>
-            </a:spcAft>
-            <a:buChar char="••"/>
-          </a:pPr>
-          <a:r>
-            <a:rPr lang="en-US" sz="1500" kern="1200" dirty="0" smtClean="0"/>
-            <a:t>They are unordered, and do not allow duplication of data</a:t>
-          </a:r>
-          <a:endParaRPr lang="en-US" sz="1500" kern="1200" dirty="0"/>
-        </a:p>
-      </dsp:txBody>
-      <dsp:txXfrm>
-        <a:off x="0" y="1787292"/>
-        <a:ext cx="9104086" cy="746746"/>
-      </dsp:txXfrm>
-    </dsp:sp>
-    <dsp:sp modelId="{2392C761-2288-42F7-9971-A54F06445DD3}">
-      <dsp:nvSpPr>
-        <dsp:cNvPr id="0" name=""/>
-        <dsp:cNvSpPr/>
-      </dsp:nvSpPr>
-      <dsp:spPr>
-        <a:xfrm>
-          <a:off x="271074" y="2611282"/>
-          <a:ext cx="2373162" cy="537159"/>
-        </a:xfrm>
-        <a:prstGeom prst="roundRect">
-          <a:avLst/>
-        </a:prstGeom>
-        <a:solidFill>
-          <a:schemeClr val="accent1">
-            <a:hueOff val="0"/>
-            <a:satOff val="0"/>
-            <a:lumOff val="0"/>
-            <a:alphaOff val="0"/>
-          </a:schemeClr>
-        </a:solidFill>
-        <a:ln w="19050" cap="rnd" cmpd="sng" algn="ctr">
-          <a:solidFill>
-            <a:schemeClr val="lt1">
-              <a:hueOff val="0"/>
-              <a:satOff val="0"/>
-              <a:lumOff val="0"/>
-              <a:alphaOff val="0"/>
-            </a:schemeClr>
-          </a:solidFill>
-          <a:prstDash val="solid"/>
-        </a:ln>
-        <a:effectLst/>
-      </dsp:spPr>
-      <dsp:style>
-        <a:lnRef idx="2">
-          <a:scrgbClr r="0" g="0" b="0"/>
-        </a:lnRef>
-        <a:fillRef idx="1">
-          <a:scrgbClr r="0" g="0" b="0"/>
-        </a:fillRef>
-        <a:effectRef idx="0">
-          <a:scrgbClr r="0" g="0" b="0"/>
-        </a:effectRef>
-        <a:fontRef idx="minor">
-          <a:schemeClr val="lt1"/>
-        </a:fontRef>
-      </dsp:style>
-      <dsp:txBody>
-        <a:bodyPr spcFirstLastPara="0" vert="horz" wrap="square" lIns="72390" tIns="72390" rIns="72390" bIns="72390" numCol="1" spcCol="1270" anchor="ctr" anchorCtr="0">
-          <a:noAutofit/>
-        </a:bodyPr>
-        <a:lstStyle/>
-        <a:p>
-          <a:pPr lvl="0" algn="l" defTabSz="844550">
-            <a:lnSpc>
-              <a:spcPct val="90000"/>
-            </a:lnSpc>
-            <a:spcBef>
-              <a:spcPct val="0"/>
-            </a:spcBef>
-            <a:spcAft>
-              <a:spcPct val="35000"/>
-            </a:spcAft>
-          </a:pPr>
-          <a:r>
-            <a:rPr lang="en-US" sz="1900" kern="1200" dirty="0" smtClean="0"/>
-            <a:t>Set</a:t>
-          </a:r>
-          <a:endParaRPr lang="en-US" sz="1900" kern="1200" dirty="0"/>
-        </a:p>
-      </dsp:txBody>
-      <dsp:txXfrm>
-        <a:off x="297296" y="2637504"/>
-        <a:ext cx="2320718" cy="484715"/>
-      </dsp:txXfrm>
-    </dsp:sp>
-    <dsp:sp modelId="{1DE5BBB3-2273-4070-A0F7-4B026D925310}">
-      <dsp:nvSpPr>
-        <dsp:cNvPr id="0" name=""/>
-        <dsp:cNvSpPr/>
-      </dsp:nvSpPr>
-      <dsp:spPr>
-        <a:xfrm>
-          <a:off x="0" y="3136515"/>
-          <a:ext cx="9104086" cy="1340325"/>
-        </a:xfrm>
-        <a:prstGeom prst="rect">
-          <a:avLst/>
-        </a:prstGeom>
-        <a:noFill/>
-        <a:ln>
-          <a:noFill/>
-        </a:ln>
-        <a:effectLst/>
-      </dsp:spPr>
-      <dsp:style>
-        <a:lnRef idx="0">
-          <a:scrgbClr r="0" g="0" b="0"/>
-        </a:lnRef>
-        <a:fillRef idx="0">
-          <a:scrgbClr r="0" g="0" b="0"/>
-        </a:fillRef>
-        <a:effectRef idx="0">
-          <a:scrgbClr r="0" g="0" b="0"/>
-        </a:effectRef>
-        <a:fontRef idx="minor"/>
-      </dsp:style>
-      <dsp:txBody>
-        <a:bodyPr spcFirstLastPara="0" vert="horz" wrap="square" lIns="289055" tIns="24130" rIns="135128" bIns="24130" numCol="1" spcCol="1270" anchor="t" anchorCtr="0">
-          <a:noAutofit/>
-        </a:bodyPr>
-        <a:lstStyle/>
-        <a:p>
-          <a:pPr marL="114300" lvl="1" indent="-114300" algn="l" defTabSz="666750">
-            <a:lnSpc>
-              <a:spcPct val="90000"/>
-            </a:lnSpc>
-            <a:spcBef>
-              <a:spcPct val="0"/>
-            </a:spcBef>
-            <a:spcAft>
-              <a:spcPct val="20000"/>
-            </a:spcAft>
-            <a:buChar char="••"/>
-          </a:pPr>
-          <a:r>
-            <a:rPr lang="en-US" sz="1500" kern="1200" dirty="0" smtClean="0"/>
-            <a:t>Set is collection of unordered, unindexed elements</a:t>
-          </a:r>
-          <a:endParaRPr lang="en-US" sz="1500" kern="1200" dirty="0"/>
-        </a:p>
-        <a:p>
-          <a:pPr marL="114300" lvl="1" indent="-114300" algn="l" defTabSz="666750">
-            <a:lnSpc>
-              <a:spcPct val="90000"/>
-            </a:lnSpc>
-            <a:spcBef>
-              <a:spcPct val="0"/>
-            </a:spcBef>
-            <a:spcAft>
-              <a:spcPct val="20000"/>
-            </a:spcAft>
-            <a:buChar char="••"/>
-          </a:pPr>
-          <a:r>
-            <a:rPr lang="en-US" sz="1500" kern="1200" dirty="0" smtClean="0"/>
-            <a:t>It </a:t>
-          </a:r>
-          <a:r>
-            <a:rPr lang="en-US" sz="1500" kern="1200" dirty="0" err="1" smtClean="0"/>
-            <a:t>doesnot</a:t>
-          </a:r>
-          <a:r>
-            <a:rPr lang="en-US" sz="1500" kern="1200" dirty="0" smtClean="0"/>
-            <a:t> allow duplicate elements</a:t>
-          </a:r>
-          <a:endParaRPr lang="en-US" sz="1500" kern="1200" dirty="0"/>
-        </a:p>
-      </dsp:txBody>
-      <dsp:txXfrm>
-        <a:off x="0" y="3136515"/>
-        <a:ext cx="9104086" cy="1340325"/>
-      </dsp:txXfrm>
-    </dsp:sp>
-    <dsp:sp modelId="{C90E58D3-9CAD-4882-B1EA-B785BF6EF145}">
-      <dsp:nvSpPr>
-        <dsp:cNvPr id="0" name=""/>
-        <dsp:cNvSpPr/>
-      </dsp:nvSpPr>
-      <dsp:spPr>
-        <a:xfrm>
-          <a:off x="278129" y="4224870"/>
-          <a:ext cx="2055156" cy="478839"/>
-        </a:xfrm>
-        <a:prstGeom prst="roundRect">
-          <a:avLst/>
-        </a:prstGeom>
-        <a:solidFill>
-          <a:schemeClr val="accent1">
-            <a:hueOff val="0"/>
-            <a:satOff val="0"/>
-            <a:lumOff val="0"/>
-            <a:alphaOff val="0"/>
-          </a:schemeClr>
-        </a:solidFill>
-        <a:ln w="19050" cap="rnd" cmpd="sng" algn="ctr">
-          <a:solidFill>
-            <a:schemeClr val="lt1">
-              <a:hueOff val="0"/>
-              <a:satOff val="0"/>
-              <a:lumOff val="0"/>
-              <a:alphaOff val="0"/>
-            </a:schemeClr>
-          </a:solidFill>
-          <a:prstDash val="solid"/>
-        </a:ln>
-        <a:effectLst/>
-      </dsp:spPr>
-      <dsp:style>
-        <a:lnRef idx="2">
-          <a:scrgbClr r="0" g="0" b="0"/>
-        </a:lnRef>
-        <a:fillRef idx="1">
-          <a:scrgbClr r="0" g="0" b="0"/>
-        </a:fillRef>
-        <a:effectRef idx="0">
-          <a:scrgbClr r="0" g="0" b="0"/>
-        </a:effectRef>
-        <a:fontRef idx="minor">
-          <a:schemeClr val="lt1"/>
-        </a:fontRef>
-      </dsp:style>
-      <dsp:txBody>
-        <a:bodyPr spcFirstLastPara="0" vert="horz" wrap="square" lIns="72390" tIns="72390" rIns="72390" bIns="72390" numCol="1" spcCol="1270" anchor="ctr" anchorCtr="0">
-          <a:noAutofit/>
-        </a:bodyPr>
-        <a:lstStyle/>
-        <a:p>
-          <a:pPr lvl="0" algn="l" defTabSz="844550">
-            <a:lnSpc>
-              <a:spcPct val="90000"/>
-            </a:lnSpc>
-            <a:spcBef>
-              <a:spcPct val="0"/>
-            </a:spcBef>
-            <a:spcAft>
-              <a:spcPct val="35000"/>
-            </a:spcAft>
-          </a:pPr>
-          <a:r>
-            <a:rPr lang="en-US" sz="1900" kern="1200" dirty="0" smtClean="0"/>
-            <a:t>Tuple</a:t>
-          </a:r>
-          <a:endParaRPr lang="en-US" sz="1900" kern="1200" dirty="0"/>
-        </a:p>
-      </dsp:txBody>
-      <dsp:txXfrm>
-        <a:off x="301504" y="4248245"/>
-        <a:ext cx="2008406" cy="432089"/>
-      </dsp:txXfrm>
-    </dsp:sp>
-    <dsp:sp modelId="{9787CA5F-DD77-456B-B71C-5281F2ABC09F}">
-      <dsp:nvSpPr>
-        <dsp:cNvPr id="0" name=""/>
-        <dsp:cNvSpPr/>
-      </dsp:nvSpPr>
-      <dsp:spPr>
-        <a:xfrm>
-          <a:off x="0" y="4692372"/>
-          <a:ext cx="9104086" cy="1340325"/>
-        </a:xfrm>
-        <a:prstGeom prst="rect">
-          <a:avLst/>
-        </a:prstGeom>
-        <a:noFill/>
-        <a:ln>
-          <a:noFill/>
-        </a:ln>
-        <a:effectLst/>
-      </dsp:spPr>
-      <dsp:style>
-        <a:lnRef idx="0">
-          <a:scrgbClr r="0" g="0" b="0"/>
-        </a:lnRef>
-        <a:fillRef idx="0">
-          <a:scrgbClr r="0" g="0" b="0"/>
-        </a:fillRef>
-        <a:effectRef idx="0">
-          <a:scrgbClr r="0" g="0" b="0"/>
-        </a:effectRef>
-        <a:fontRef idx="minor"/>
-      </dsp:style>
-      <dsp:txBody>
-        <a:bodyPr spcFirstLastPara="0" vert="horz" wrap="square" lIns="289055" tIns="24130" rIns="135128" bIns="24130" numCol="1" spcCol="1270" anchor="t" anchorCtr="0">
-          <a:noAutofit/>
-        </a:bodyPr>
-        <a:lstStyle/>
-        <a:p>
-          <a:pPr marL="114300" lvl="1" indent="-114300" algn="l" defTabSz="666750">
-            <a:lnSpc>
-              <a:spcPct val="90000"/>
-            </a:lnSpc>
-            <a:spcBef>
-              <a:spcPct val="0"/>
-            </a:spcBef>
-            <a:spcAft>
-              <a:spcPct val="20000"/>
-            </a:spcAft>
-            <a:buChar char="••"/>
-          </a:pPr>
-          <a:r>
-            <a:rPr lang="en-US" sz="1500" kern="1200" dirty="0" smtClean="0"/>
-            <a:t>A tuple is ordered, allows duplicate members</a:t>
-          </a:r>
-          <a:endParaRPr lang="en-US" sz="1500" kern="1200" dirty="0"/>
-        </a:p>
-        <a:p>
-          <a:pPr marL="114300" lvl="1" indent="-114300" algn="l" defTabSz="666750">
-            <a:lnSpc>
-              <a:spcPct val="90000"/>
-            </a:lnSpc>
-            <a:spcBef>
-              <a:spcPct val="0"/>
-            </a:spcBef>
-            <a:spcAft>
-              <a:spcPct val="20000"/>
-            </a:spcAft>
-            <a:buChar char="••"/>
-          </a:pPr>
-          <a:r>
-            <a:rPr lang="en-US" sz="1500" kern="1200" dirty="0" smtClean="0"/>
-            <a:t>It is immutable, no elements can be added or modified</a:t>
-          </a:r>
-          <a:endParaRPr lang="en-US" sz="1500" kern="1200" dirty="0"/>
-        </a:p>
-      </dsp:txBody>
-      <dsp:txXfrm>
-        <a:off x="0" y="4692372"/>
-        <a:ext cx="9104086" cy="1340325"/>
-      </dsp:txXfrm>
-    </dsp:sp>
   </dsp:spTree>
 </dsp:drawing>
 </file>
@@ -6239,338 +5603,6 @@
       <dsp:cNvGrpSpPr/>
     </dsp:nvGrpSpPr>
     <dsp:grpSpPr/>
-    <dsp:sp modelId="{99462403-13B0-4D1A-A93C-F3E334087172}">
-      <dsp:nvSpPr>
-        <dsp:cNvPr id="0" name=""/>
-        <dsp:cNvSpPr/>
-      </dsp:nvSpPr>
-      <dsp:spPr>
-        <a:xfrm>
-          <a:off x="992171" y="194"/>
-          <a:ext cx="4167905" cy="2500743"/>
-        </a:xfrm>
-        <a:prstGeom prst="rect">
-          <a:avLst/>
-        </a:prstGeom>
-        <a:solidFill>
-          <a:schemeClr val="accent1">
-            <a:hueOff val="0"/>
-            <a:satOff val="0"/>
-            <a:lumOff val="0"/>
-            <a:alphaOff val="0"/>
-          </a:schemeClr>
-        </a:solidFill>
-        <a:ln w="19050" cap="rnd" cmpd="sng" algn="ctr">
-          <a:solidFill>
-            <a:schemeClr val="lt1">
-              <a:hueOff val="0"/>
-              <a:satOff val="0"/>
-              <a:lumOff val="0"/>
-              <a:alphaOff val="0"/>
-            </a:schemeClr>
-          </a:solidFill>
-          <a:prstDash val="solid"/>
-        </a:ln>
-        <a:effectLst/>
-      </dsp:spPr>
-      <dsp:style>
-        <a:lnRef idx="2">
-          <a:scrgbClr r="0" g="0" b="0"/>
-        </a:lnRef>
-        <a:fillRef idx="1">
-          <a:scrgbClr r="0" g="0" b="0"/>
-        </a:fillRef>
-        <a:effectRef idx="0">
-          <a:scrgbClr r="0" g="0" b="0"/>
-        </a:effectRef>
-        <a:fontRef idx="minor">
-          <a:schemeClr val="lt1"/>
-        </a:fontRef>
-      </dsp:style>
-      <dsp:txBody>
-        <a:bodyPr spcFirstLastPara="0" vert="horz" wrap="square" lIns="137160" tIns="137160" rIns="137160" bIns="137160" numCol="1" spcCol="1270" anchor="ctr" anchorCtr="0">
-          <a:noAutofit/>
-        </a:bodyPr>
-        <a:lstStyle/>
-        <a:p>
-          <a:pPr lvl="0" algn="ctr" defTabSz="1600200">
-            <a:lnSpc>
-              <a:spcPct val="90000"/>
-            </a:lnSpc>
-            <a:spcBef>
-              <a:spcPct val="0"/>
-            </a:spcBef>
-            <a:spcAft>
-              <a:spcPct val="35000"/>
-            </a:spcAft>
-          </a:pPr>
-          <a:r>
-            <a:rPr lang="en-US" sz="3600" kern="1200" dirty="0" smtClean="0"/>
-            <a:t>Continue:</a:t>
-          </a:r>
-        </a:p>
-        <a:p>
-          <a:pPr lvl="0" algn="ctr" defTabSz="1600200">
-            <a:lnSpc>
-              <a:spcPct val="90000"/>
-            </a:lnSpc>
-            <a:spcBef>
-              <a:spcPct val="0"/>
-            </a:spcBef>
-            <a:spcAft>
-              <a:spcPct val="35000"/>
-            </a:spcAft>
-          </a:pPr>
-          <a:r>
-            <a:rPr lang="en-US" sz="1800" b="1" kern="1200" dirty="0" smtClean="0"/>
-            <a:t>The execution continues from next iteration of outer most loop</a:t>
-          </a:r>
-        </a:p>
-        <a:p>
-          <a:pPr lvl="0" algn="ctr" defTabSz="1600200">
-            <a:lnSpc>
-              <a:spcPct val="90000"/>
-            </a:lnSpc>
-            <a:spcBef>
-              <a:spcPct val="0"/>
-            </a:spcBef>
-            <a:spcAft>
-              <a:spcPct val="35000"/>
-            </a:spcAft>
-          </a:pPr>
-          <a:r>
-            <a:rPr lang="en-US" sz="1800" b="1" kern="1200" dirty="0" smtClean="0"/>
-            <a:t>Statements below continue are not executed</a:t>
-          </a:r>
-          <a:endParaRPr lang="en-US" sz="1800" b="1" kern="1200" dirty="0"/>
-        </a:p>
-      </dsp:txBody>
-      <dsp:txXfrm>
-        <a:off x="992171" y="194"/>
-        <a:ext cx="4167905" cy="2500743"/>
-      </dsp:txXfrm>
-    </dsp:sp>
-    <dsp:sp modelId="{54815A2C-EA9A-454E-A84F-E7AF58879A02}">
-      <dsp:nvSpPr>
-        <dsp:cNvPr id="0" name=""/>
-        <dsp:cNvSpPr/>
-      </dsp:nvSpPr>
-      <dsp:spPr>
-        <a:xfrm>
-          <a:off x="6359099" y="70515"/>
-          <a:ext cx="4167905" cy="2500743"/>
-        </a:xfrm>
-        <a:prstGeom prst="rect">
-          <a:avLst/>
-        </a:prstGeom>
-        <a:solidFill>
-          <a:schemeClr val="accent1">
-            <a:hueOff val="0"/>
-            <a:satOff val="0"/>
-            <a:lumOff val="0"/>
-            <a:alphaOff val="0"/>
-          </a:schemeClr>
-        </a:solidFill>
-        <a:ln w="19050" cap="rnd" cmpd="sng" algn="ctr">
-          <a:solidFill>
-            <a:schemeClr val="lt1">
-              <a:hueOff val="0"/>
-              <a:satOff val="0"/>
-              <a:lumOff val="0"/>
-              <a:alphaOff val="0"/>
-            </a:schemeClr>
-          </a:solidFill>
-          <a:prstDash val="solid"/>
-        </a:ln>
-        <a:effectLst/>
-      </dsp:spPr>
-      <dsp:style>
-        <a:lnRef idx="2">
-          <a:scrgbClr r="0" g="0" b="0"/>
-        </a:lnRef>
-        <a:fillRef idx="1">
-          <a:scrgbClr r="0" g="0" b="0"/>
-        </a:fillRef>
-        <a:effectRef idx="0">
-          <a:scrgbClr r="0" g="0" b="0"/>
-        </a:effectRef>
-        <a:fontRef idx="minor">
-          <a:schemeClr val="lt1"/>
-        </a:fontRef>
-      </dsp:style>
-      <dsp:txBody>
-        <a:bodyPr spcFirstLastPara="0" vert="horz" wrap="square" lIns="137160" tIns="137160" rIns="137160" bIns="137160" numCol="1" spcCol="1270" anchor="ctr" anchorCtr="0">
-          <a:noAutofit/>
-        </a:bodyPr>
-        <a:lstStyle/>
-        <a:p>
-          <a:pPr lvl="0" algn="ctr" defTabSz="1600200">
-            <a:lnSpc>
-              <a:spcPct val="90000"/>
-            </a:lnSpc>
-            <a:spcBef>
-              <a:spcPct val="0"/>
-            </a:spcBef>
-            <a:spcAft>
-              <a:spcPct val="35000"/>
-            </a:spcAft>
-          </a:pPr>
-          <a:r>
-            <a:rPr lang="en-US" sz="3600" kern="1200" dirty="0" smtClean="0"/>
-            <a:t>Break:</a:t>
-          </a:r>
-        </a:p>
-        <a:p>
-          <a:pPr lvl="0" algn="ctr" defTabSz="1600200">
-            <a:lnSpc>
-              <a:spcPct val="90000"/>
-            </a:lnSpc>
-            <a:spcBef>
-              <a:spcPct val="0"/>
-            </a:spcBef>
-            <a:spcAft>
-              <a:spcPct val="35000"/>
-            </a:spcAft>
-          </a:pPr>
-          <a:r>
-            <a:rPr lang="en-US" sz="1800" b="1" kern="1200" dirty="0" smtClean="0"/>
-            <a:t>Breaks execution of outermost loop</a:t>
-          </a:r>
-        </a:p>
-        <a:p>
-          <a:pPr lvl="0" algn="ctr" defTabSz="1600200">
-            <a:lnSpc>
-              <a:spcPct val="90000"/>
-            </a:lnSpc>
-            <a:spcBef>
-              <a:spcPct val="0"/>
-            </a:spcBef>
-            <a:spcAft>
-              <a:spcPct val="35000"/>
-            </a:spcAft>
-          </a:pPr>
-          <a:r>
-            <a:rPr lang="en-US" sz="1800" b="1" kern="1200" dirty="0" smtClean="0"/>
-            <a:t>Statements below break are not executed</a:t>
-          </a:r>
-          <a:endParaRPr lang="en-US" sz="1800" b="1" kern="1200" dirty="0"/>
-        </a:p>
-      </dsp:txBody>
-      <dsp:txXfrm>
-        <a:off x="6359099" y="70515"/>
-        <a:ext cx="4167905" cy="2500743"/>
-      </dsp:txXfrm>
-    </dsp:sp>
-    <dsp:sp modelId="{134D37B6-B253-46F1-9A5D-9B00B8ED689B}">
-      <dsp:nvSpPr>
-        <dsp:cNvPr id="0" name=""/>
-        <dsp:cNvSpPr/>
-      </dsp:nvSpPr>
-      <dsp:spPr>
-        <a:xfrm>
-          <a:off x="3284519" y="2917728"/>
-          <a:ext cx="4167905" cy="2500743"/>
-        </a:xfrm>
-        <a:prstGeom prst="rect">
-          <a:avLst/>
-        </a:prstGeom>
-        <a:solidFill>
-          <a:schemeClr val="accent1">
-            <a:hueOff val="0"/>
-            <a:satOff val="0"/>
-            <a:lumOff val="0"/>
-            <a:alphaOff val="0"/>
-          </a:schemeClr>
-        </a:solidFill>
-        <a:ln w="19050" cap="rnd" cmpd="sng" algn="ctr">
-          <a:solidFill>
-            <a:schemeClr val="lt1">
-              <a:hueOff val="0"/>
-              <a:satOff val="0"/>
-              <a:lumOff val="0"/>
-              <a:alphaOff val="0"/>
-            </a:schemeClr>
-          </a:solidFill>
-          <a:prstDash val="solid"/>
-        </a:ln>
-        <a:effectLst/>
-      </dsp:spPr>
-      <dsp:style>
-        <a:lnRef idx="2">
-          <a:scrgbClr r="0" g="0" b="0"/>
-        </a:lnRef>
-        <a:fillRef idx="1">
-          <a:scrgbClr r="0" g="0" b="0"/>
-        </a:fillRef>
-        <a:effectRef idx="0">
-          <a:scrgbClr r="0" g="0" b="0"/>
-        </a:effectRef>
-        <a:fontRef idx="minor">
-          <a:schemeClr val="lt1"/>
-        </a:fontRef>
-      </dsp:style>
-      <dsp:txBody>
-        <a:bodyPr spcFirstLastPara="0" vert="horz" wrap="square" lIns="137160" tIns="137160" rIns="137160" bIns="137160" numCol="1" spcCol="1270" anchor="ctr" anchorCtr="0">
-          <a:noAutofit/>
-        </a:bodyPr>
-        <a:lstStyle/>
-        <a:p>
-          <a:pPr lvl="0" algn="ctr" defTabSz="1600200">
-            <a:lnSpc>
-              <a:spcPct val="90000"/>
-            </a:lnSpc>
-            <a:spcBef>
-              <a:spcPct val="0"/>
-            </a:spcBef>
-            <a:spcAft>
-              <a:spcPct val="35000"/>
-            </a:spcAft>
-          </a:pPr>
-          <a:r>
-            <a:rPr lang="en-US" sz="3600" kern="1200" dirty="0" smtClean="0"/>
-            <a:t>Else:</a:t>
-          </a:r>
-        </a:p>
-        <a:p>
-          <a:pPr lvl="0" algn="ctr" defTabSz="1600200">
-            <a:lnSpc>
-              <a:spcPct val="90000"/>
-            </a:lnSpc>
-            <a:spcBef>
-              <a:spcPct val="0"/>
-            </a:spcBef>
-            <a:spcAft>
-              <a:spcPct val="35000"/>
-            </a:spcAft>
-          </a:pPr>
-          <a:r>
-            <a:rPr lang="en-US" sz="1600" b="1" kern="1200" dirty="0" smtClean="0"/>
-            <a:t>Used along with loops(also used for IF) in case the condition evaluates false or the iterations are exhausted</a:t>
-          </a:r>
-        </a:p>
-        <a:p>
-          <a:pPr lvl="0" algn="ctr" defTabSz="1600200">
-            <a:lnSpc>
-              <a:spcPct val="90000"/>
-            </a:lnSpc>
-            <a:spcBef>
-              <a:spcPct val="0"/>
-            </a:spcBef>
-            <a:spcAft>
-              <a:spcPct val="35000"/>
-            </a:spcAft>
-          </a:pPr>
-          <a:r>
-            <a:rPr lang="en-US" sz="1600" b="1" kern="1200" dirty="0" smtClean="0"/>
-            <a:t>Statements in else do not execute in case of Break encountered in preceding loop</a:t>
-          </a:r>
-        </a:p>
-      </dsp:txBody>
-      <dsp:txXfrm>
-        <a:off x="3284519" y="2917728"/>
-        <a:ext cx="4167905" cy="2500743"/>
-      </dsp:txXfrm>
-    </dsp:sp>
   </dsp:spTree>
 </dsp:drawing>
 </file>
@@ -6583,734 +5615,6 @@
       <dsp:cNvGrpSpPr/>
     </dsp:nvGrpSpPr>
     <dsp:grpSpPr/>
-    <dsp:sp modelId="{8908FE56-C8EE-4D35-9A59-4AB7A191F657}">
-      <dsp:nvSpPr>
-        <dsp:cNvPr id="0" name=""/>
-        <dsp:cNvSpPr/>
-      </dsp:nvSpPr>
-      <dsp:spPr>
-        <a:xfrm>
-          <a:off x="0" y="281513"/>
-          <a:ext cx="1863725" cy="613800"/>
-        </a:xfrm>
-        <a:prstGeom prst="rect">
-          <a:avLst/>
-        </a:prstGeom>
-        <a:noFill/>
-        <a:ln>
-          <a:noFill/>
-        </a:ln>
-        <a:effectLst/>
-      </dsp:spPr>
-      <dsp:style>
-        <a:lnRef idx="0">
-          <a:scrgbClr r="0" g="0" b="0"/>
-        </a:lnRef>
-        <a:fillRef idx="0">
-          <a:scrgbClr r="0" g="0" b="0"/>
-        </a:fillRef>
-        <a:effectRef idx="0">
-          <a:scrgbClr r="0" g="0" b="0"/>
-        </a:effectRef>
-        <a:fontRef idx="minor"/>
-      </dsp:style>
-      <dsp:txBody>
-        <a:bodyPr spcFirstLastPara="0" vert="horz" wrap="square" lIns="220472" tIns="78740" rIns="220472" bIns="78740" numCol="1" spcCol="1270" anchor="ctr" anchorCtr="0">
-          <a:noAutofit/>
-        </a:bodyPr>
-        <a:lstStyle/>
-        <a:p>
-          <a:pPr lvl="0" algn="r" defTabSz="1377950">
-            <a:lnSpc>
-              <a:spcPct val="90000"/>
-            </a:lnSpc>
-            <a:spcBef>
-              <a:spcPct val="0"/>
-            </a:spcBef>
-            <a:spcAft>
-              <a:spcPct val="35000"/>
-            </a:spcAft>
-          </a:pPr>
-          <a:r>
-            <a:rPr lang="en-US" sz="3100" kern="1200" dirty="0" smtClean="0"/>
-            <a:t>Id()</a:t>
-          </a:r>
-          <a:endParaRPr lang="en-US" sz="3100" kern="1200" dirty="0"/>
-        </a:p>
-      </dsp:txBody>
-      <dsp:txXfrm>
-        <a:off x="0" y="281513"/>
-        <a:ext cx="1863725" cy="613800"/>
-      </dsp:txXfrm>
-    </dsp:sp>
-    <dsp:sp modelId="{DB868647-CC59-4561-A84F-B135ACC80967}">
-      <dsp:nvSpPr>
-        <dsp:cNvPr id="0" name=""/>
-        <dsp:cNvSpPr/>
-      </dsp:nvSpPr>
-      <dsp:spPr>
-        <a:xfrm>
-          <a:off x="1863724" y="51338"/>
-          <a:ext cx="372745" cy="1074150"/>
-        </a:xfrm>
-        <a:prstGeom prst="leftBrace">
-          <a:avLst>
-            <a:gd name="adj1" fmla="val 35000"/>
-            <a:gd name="adj2" fmla="val 50000"/>
-          </a:avLst>
-        </a:prstGeom>
-        <a:noFill/>
-        <a:ln w="19050" cap="rnd" cmpd="sng" algn="ctr">
-          <a:solidFill>
-            <a:schemeClr val="accent1">
-              <a:shade val="60000"/>
-              <a:hueOff val="0"/>
-              <a:satOff val="0"/>
-              <a:lumOff val="0"/>
-              <a:alphaOff val="0"/>
-            </a:schemeClr>
-          </a:solidFill>
-          <a:prstDash val="solid"/>
-        </a:ln>
-        <a:effectLst/>
-      </dsp:spPr>
-      <dsp:style>
-        <a:lnRef idx="2">
-          <a:scrgbClr r="0" g="0" b="0"/>
-        </a:lnRef>
-        <a:fillRef idx="0">
-          <a:scrgbClr r="0" g="0" b="0"/>
-        </a:fillRef>
-        <a:effectRef idx="0">
-          <a:scrgbClr r="0" g="0" b="0"/>
-        </a:effectRef>
-        <a:fontRef idx="minor"/>
-      </dsp:style>
-    </dsp:sp>
-    <dsp:sp modelId="{4648CA64-7A71-4EF7-982F-2264FAC4C70D}">
-      <dsp:nvSpPr>
-        <dsp:cNvPr id="0" name=""/>
-        <dsp:cNvSpPr/>
-      </dsp:nvSpPr>
-      <dsp:spPr>
-        <a:xfrm>
-          <a:off x="2385567" y="51338"/>
-          <a:ext cx="5069332" cy="1074150"/>
-        </a:xfrm>
-        <a:prstGeom prst="rect">
-          <a:avLst/>
-        </a:prstGeom>
-        <a:solidFill>
-          <a:schemeClr val="accent1">
-            <a:hueOff val="0"/>
-            <a:satOff val="0"/>
-            <a:lumOff val="0"/>
-            <a:alphaOff val="0"/>
-          </a:schemeClr>
-        </a:solidFill>
-        <a:ln w="19050" cap="rnd" cmpd="sng" algn="ctr">
-          <a:solidFill>
-            <a:schemeClr val="lt1">
-              <a:hueOff val="0"/>
-              <a:satOff val="0"/>
-              <a:lumOff val="0"/>
-              <a:alphaOff val="0"/>
-            </a:schemeClr>
-          </a:solidFill>
-          <a:prstDash val="solid"/>
-        </a:ln>
-        <a:effectLst/>
-      </dsp:spPr>
-      <dsp:style>
-        <a:lnRef idx="2">
-          <a:scrgbClr r="0" g="0" b="0"/>
-        </a:lnRef>
-        <a:fillRef idx="1">
-          <a:scrgbClr r="0" g="0" b="0"/>
-        </a:fillRef>
-        <a:effectRef idx="0">
-          <a:scrgbClr r="0" g="0" b="0"/>
-        </a:effectRef>
-        <a:fontRef idx="minor">
-          <a:schemeClr val="lt1"/>
-        </a:fontRef>
-      </dsp:style>
-      <dsp:txBody>
-        <a:bodyPr spcFirstLastPara="0" vert="horz" wrap="square" lIns="118110" tIns="118110" rIns="118110" bIns="118110" numCol="1" spcCol="1270" anchor="ctr" anchorCtr="0">
-          <a:noAutofit/>
-        </a:bodyPr>
-        <a:lstStyle/>
-        <a:p>
-          <a:pPr marL="285750" lvl="1" indent="-285750" algn="l" defTabSz="1377950">
-            <a:lnSpc>
-              <a:spcPct val="90000"/>
-            </a:lnSpc>
-            <a:spcBef>
-              <a:spcPct val="0"/>
-            </a:spcBef>
-            <a:spcAft>
-              <a:spcPct val="15000"/>
-            </a:spcAft>
-            <a:buChar char="••"/>
-          </a:pPr>
-          <a:r>
-            <a:rPr lang="en-US" sz="3100" kern="1200" dirty="0" smtClean="0"/>
-            <a:t>Returns address of object in Memory</a:t>
-          </a:r>
-          <a:endParaRPr lang="en-US" sz="3100" kern="1200" dirty="0"/>
-        </a:p>
-      </dsp:txBody>
-      <dsp:txXfrm>
-        <a:off x="2385567" y="51338"/>
-        <a:ext cx="5069332" cy="1074150"/>
-      </dsp:txXfrm>
-    </dsp:sp>
-    <dsp:sp modelId="{EF5D361A-30BB-41BD-A4AC-1EB793975834}">
-      <dsp:nvSpPr>
-        <dsp:cNvPr id="0" name=""/>
-        <dsp:cNvSpPr/>
-      </dsp:nvSpPr>
-      <dsp:spPr>
-        <a:xfrm>
-          <a:off x="0" y="1467263"/>
-          <a:ext cx="1863725" cy="613800"/>
-        </a:xfrm>
-        <a:prstGeom prst="rect">
-          <a:avLst/>
-        </a:prstGeom>
-        <a:noFill/>
-        <a:ln>
-          <a:noFill/>
-        </a:ln>
-        <a:effectLst/>
-      </dsp:spPr>
-      <dsp:style>
-        <a:lnRef idx="0">
-          <a:scrgbClr r="0" g="0" b="0"/>
-        </a:lnRef>
-        <a:fillRef idx="0">
-          <a:scrgbClr r="0" g="0" b="0"/>
-        </a:fillRef>
-        <a:effectRef idx="0">
-          <a:scrgbClr r="0" g="0" b="0"/>
-        </a:effectRef>
-        <a:fontRef idx="minor"/>
-      </dsp:style>
-      <dsp:txBody>
-        <a:bodyPr spcFirstLastPara="0" vert="horz" wrap="square" lIns="220472" tIns="78740" rIns="220472" bIns="78740" numCol="1" spcCol="1270" anchor="ctr" anchorCtr="0">
-          <a:noAutofit/>
-        </a:bodyPr>
-        <a:lstStyle/>
-        <a:p>
-          <a:pPr lvl="0" algn="r" defTabSz="1377950">
-            <a:lnSpc>
-              <a:spcPct val="90000"/>
-            </a:lnSpc>
-            <a:spcBef>
-              <a:spcPct val="0"/>
-            </a:spcBef>
-            <a:spcAft>
-              <a:spcPct val="35000"/>
-            </a:spcAft>
-          </a:pPr>
-          <a:r>
-            <a:rPr lang="en-US" sz="3100" kern="1200" dirty="0" smtClean="0"/>
-            <a:t>Type()</a:t>
-          </a:r>
-          <a:endParaRPr lang="en-US" sz="3100" kern="1200" dirty="0"/>
-        </a:p>
-      </dsp:txBody>
-      <dsp:txXfrm>
-        <a:off x="0" y="1467263"/>
-        <a:ext cx="1863725" cy="613800"/>
-      </dsp:txXfrm>
-    </dsp:sp>
-    <dsp:sp modelId="{E5BEE8DC-3E30-4C22-BA5D-FD8268AFF7C3}">
-      <dsp:nvSpPr>
-        <dsp:cNvPr id="0" name=""/>
-        <dsp:cNvSpPr/>
-      </dsp:nvSpPr>
-      <dsp:spPr>
-        <a:xfrm>
-          <a:off x="1863724" y="1237088"/>
-          <a:ext cx="372745" cy="1074150"/>
-        </a:xfrm>
-        <a:prstGeom prst="leftBrace">
-          <a:avLst>
-            <a:gd name="adj1" fmla="val 35000"/>
-            <a:gd name="adj2" fmla="val 50000"/>
-          </a:avLst>
-        </a:prstGeom>
-        <a:noFill/>
-        <a:ln w="19050" cap="rnd" cmpd="sng" algn="ctr">
-          <a:solidFill>
-            <a:schemeClr val="accent1">
-              <a:shade val="60000"/>
-              <a:hueOff val="0"/>
-              <a:satOff val="0"/>
-              <a:lumOff val="0"/>
-              <a:alphaOff val="0"/>
-            </a:schemeClr>
-          </a:solidFill>
-          <a:prstDash val="solid"/>
-        </a:ln>
-        <a:effectLst/>
-      </dsp:spPr>
-      <dsp:style>
-        <a:lnRef idx="2">
-          <a:scrgbClr r="0" g="0" b="0"/>
-        </a:lnRef>
-        <a:fillRef idx="0">
-          <a:scrgbClr r="0" g="0" b="0"/>
-        </a:fillRef>
-        <a:effectRef idx="0">
-          <a:scrgbClr r="0" g="0" b="0"/>
-        </a:effectRef>
-        <a:fontRef idx="minor"/>
-      </dsp:style>
-    </dsp:sp>
-    <dsp:sp modelId="{F6AF2FA4-A9DF-45DD-B499-B6EB02BC4417}">
-      <dsp:nvSpPr>
-        <dsp:cNvPr id="0" name=""/>
-        <dsp:cNvSpPr/>
-      </dsp:nvSpPr>
-      <dsp:spPr>
-        <a:xfrm>
-          <a:off x="2385567" y="1237088"/>
-          <a:ext cx="5069332" cy="1074150"/>
-        </a:xfrm>
-        <a:prstGeom prst="rect">
-          <a:avLst/>
-        </a:prstGeom>
-        <a:solidFill>
-          <a:schemeClr val="accent1">
-            <a:hueOff val="0"/>
-            <a:satOff val="0"/>
-            <a:lumOff val="0"/>
-            <a:alphaOff val="0"/>
-          </a:schemeClr>
-        </a:solidFill>
-        <a:ln w="19050" cap="rnd" cmpd="sng" algn="ctr">
-          <a:solidFill>
-            <a:schemeClr val="lt1">
-              <a:hueOff val="0"/>
-              <a:satOff val="0"/>
-              <a:lumOff val="0"/>
-              <a:alphaOff val="0"/>
-            </a:schemeClr>
-          </a:solidFill>
-          <a:prstDash val="solid"/>
-        </a:ln>
-        <a:effectLst/>
-      </dsp:spPr>
-      <dsp:style>
-        <a:lnRef idx="2">
-          <a:scrgbClr r="0" g="0" b="0"/>
-        </a:lnRef>
-        <a:fillRef idx="1">
-          <a:scrgbClr r="0" g="0" b="0"/>
-        </a:fillRef>
-        <a:effectRef idx="0">
-          <a:scrgbClr r="0" g="0" b="0"/>
-        </a:effectRef>
-        <a:fontRef idx="minor">
-          <a:schemeClr val="lt1"/>
-        </a:fontRef>
-      </dsp:style>
-      <dsp:txBody>
-        <a:bodyPr spcFirstLastPara="0" vert="horz" wrap="square" lIns="118110" tIns="118110" rIns="118110" bIns="118110" numCol="1" spcCol="1270" anchor="ctr" anchorCtr="0">
-          <a:noAutofit/>
-        </a:bodyPr>
-        <a:lstStyle/>
-        <a:p>
-          <a:pPr marL="285750" lvl="1" indent="-285750" algn="l" defTabSz="1377950">
-            <a:lnSpc>
-              <a:spcPct val="90000"/>
-            </a:lnSpc>
-            <a:spcBef>
-              <a:spcPct val="0"/>
-            </a:spcBef>
-            <a:spcAft>
-              <a:spcPct val="15000"/>
-            </a:spcAft>
-            <a:buChar char="••"/>
-          </a:pPr>
-          <a:r>
-            <a:rPr lang="en-US" sz="3100" kern="1200" dirty="0" smtClean="0"/>
-            <a:t>Returns the datatype of object</a:t>
-          </a:r>
-          <a:endParaRPr lang="en-US" sz="3100" kern="1200" dirty="0"/>
-        </a:p>
-      </dsp:txBody>
-      <dsp:txXfrm>
-        <a:off x="2385567" y="1237088"/>
-        <a:ext cx="5069332" cy="1074150"/>
-      </dsp:txXfrm>
-    </dsp:sp>
-    <dsp:sp modelId="{3400F948-7DE4-418C-8653-20B7A8563DD2}">
-      <dsp:nvSpPr>
-        <dsp:cNvPr id="0" name=""/>
-        <dsp:cNvSpPr/>
-      </dsp:nvSpPr>
-      <dsp:spPr>
-        <a:xfrm>
-          <a:off x="0" y="2653013"/>
-          <a:ext cx="1863725" cy="613800"/>
-        </a:xfrm>
-        <a:prstGeom prst="rect">
-          <a:avLst/>
-        </a:prstGeom>
-        <a:noFill/>
-        <a:ln>
-          <a:noFill/>
-        </a:ln>
-        <a:effectLst/>
-      </dsp:spPr>
-      <dsp:style>
-        <a:lnRef idx="0">
-          <a:scrgbClr r="0" g="0" b="0"/>
-        </a:lnRef>
-        <a:fillRef idx="0">
-          <a:scrgbClr r="0" g="0" b="0"/>
-        </a:fillRef>
-        <a:effectRef idx="0">
-          <a:scrgbClr r="0" g="0" b="0"/>
-        </a:effectRef>
-        <a:fontRef idx="minor"/>
-      </dsp:style>
-      <dsp:txBody>
-        <a:bodyPr spcFirstLastPara="0" vert="horz" wrap="square" lIns="220472" tIns="78740" rIns="220472" bIns="78740" numCol="1" spcCol="1270" anchor="ctr" anchorCtr="0">
-          <a:noAutofit/>
-        </a:bodyPr>
-        <a:lstStyle/>
-        <a:p>
-          <a:pPr lvl="0" algn="r" defTabSz="1377950">
-            <a:lnSpc>
-              <a:spcPct val="90000"/>
-            </a:lnSpc>
-            <a:spcBef>
-              <a:spcPct val="0"/>
-            </a:spcBef>
-            <a:spcAft>
-              <a:spcPct val="35000"/>
-            </a:spcAft>
-          </a:pPr>
-          <a:r>
-            <a:rPr lang="en-US" sz="3100" kern="1200" dirty="0" smtClean="0"/>
-            <a:t>Help()</a:t>
-          </a:r>
-          <a:endParaRPr lang="en-US" sz="3100" kern="1200" dirty="0"/>
-        </a:p>
-      </dsp:txBody>
-      <dsp:txXfrm>
-        <a:off x="0" y="2653013"/>
-        <a:ext cx="1863725" cy="613800"/>
-      </dsp:txXfrm>
-    </dsp:sp>
-    <dsp:sp modelId="{209E58FD-98E0-4623-82E4-6EC01401FA4F}">
-      <dsp:nvSpPr>
-        <dsp:cNvPr id="0" name=""/>
-        <dsp:cNvSpPr/>
-      </dsp:nvSpPr>
-      <dsp:spPr>
-        <a:xfrm>
-          <a:off x="1863724" y="2422838"/>
-          <a:ext cx="372745" cy="1074150"/>
-        </a:xfrm>
-        <a:prstGeom prst="leftBrace">
-          <a:avLst>
-            <a:gd name="adj1" fmla="val 35000"/>
-            <a:gd name="adj2" fmla="val 50000"/>
-          </a:avLst>
-        </a:prstGeom>
-        <a:noFill/>
-        <a:ln w="19050" cap="rnd" cmpd="sng" algn="ctr">
-          <a:solidFill>
-            <a:schemeClr val="accent1">
-              <a:shade val="60000"/>
-              <a:hueOff val="0"/>
-              <a:satOff val="0"/>
-              <a:lumOff val="0"/>
-              <a:alphaOff val="0"/>
-            </a:schemeClr>
-          </a:solidFill>
-          <a:prstDash val="solid"/>
-        </a:ln>
-        <a:effectLst/>
-      </dsp:spPr>
-      <dsp:style>
-        <a:lnRef idx="2">
-          <a:scrgbClr r="0" g="0" b="0"/>
-        </a:lnRef>
-        <a:fillRef idx="0">
-          <a:scrgbClr r="0" g="0" b="0"/>
-        </a:fillRef>
-        <a:effectRef idx="0">
-          <a:scrgbClr r="0" g="0" b="0"/>
-        </a:effectRef>
-        <a:fontRef idx="minor"/>
-      </dsp:style>
-    </dsp:sp>
-    <dsp:sp modelId="{D74AB3BB-0D19-48EC-8367-C6365A87F202}">
-      <dsp:nvSpPr>
-        <dsp:cNvPr id="0" name=""/>
-        <dsp:cNvSpPr/>
-      </dsp:nvSpPr>
-      <dsp:spPr>
-        <a:xfrm>
-          <a:off x="2385567" y="2422838"/>
-          <a:ext cx="5069332" cy="1074150"/>
-        </a:xfrm>
-        <a:prstGeom prst="rect">
-          <a:avLst/>
-        </a:prstGeom>
-        <a:solidFill>
-          <a:schemeClr val="accent1">
-            <a:hueOff val="0"/>
-            <a:satOff val="0"/>
-            <a:lumOff val="0"/>
-            <a:alphaOff val="0"/>
-          </a:schemeClr>
-        </a:solidFill>
-        <a:ln w="19050" cap="rnd" cmpd="sng" algn="ctr">
-          <a:solidFill>
-            <a:schemeClr val="lt1">
-              <a:hueOff val="0"/>
-              <a:satOff val="0"/>
-              <a:lumOff val="0"/>
-              <a:alphaOff val="0"/>
-            </a:schemeClr>
-          </a:solidFill>
-          <a:prstDash val="solid"/>
-        </a:ln>
-        <a:effectLst/>
-      </dsp:spPr>
-      <dsp:style>
-        <a:lnRef idx="2">
-          <a:scrgbClr r="0" g="0" b="0"/>
-        </a:lnRef>
-        <a:fillRef idx="1">
-          <a:scrgbClr r="0" g="0" b="0"/>
-        </a:fillRef>
-        <a:effectRef idx="0">
-          <a:scrgbClr r="0" g="0" b="0"/>
-        </a:effectRef>
-        <a:fontRef idx="minor">
-          <a:schemeClr val="lt1"/>
-        </a:fontRef>
-      </dsp:style>
-      <dsp:txBody>
-        <a:bodyPr spcFirstLastPara="0" vert="horz" wrap="square" lIns="118110" tIns="118110" rIns="118110" bIns="118110" numCol="1" spcCol="1270" anchor="ctr" anchorCtr="0">
-          <a:noAutofit/>
-        </a:bodyPr>
-        <a:lstStyle/>
-        <a:p>
-          <a:pPr marL="285750" lvl="1" indent="-285750" algn="l" defTabSz="1377950">
-            <a:lnSpc>
-              <a:spcPct val="90000"/>
-            </a:lnSpc>
-            <a:spcBef>
-              <a:spcPct val="0"/>
-            </a:spcBef>
-            <a:spcAft>
-              <a:spcPct val="15000"/>
-            </a:spcAft>
-            <a:buChar char="••"/>
-          </a:pPr>
-          <a:r>
-            <a:rPr lang="en-US" sz="3100" kern="1200" dirty="0" smtClean="0"/>
-            <a:t>Invokes built in system help</a:t>
-          </a:r>
-          <a:endParaRPr lang="en-US" sz="3100" kern="1200" dirty="0"/>
-        </a:p>
-      </dsp:txBody>
-      <dsp:txXfrm>
-        <a:off x="2385567" y="2422838"/>
-        <a:ext cx="5069332" cy="1074150"/>
-      </dsp:txXfrm>
-    </dsp:sp>
-    <dsp:sp modelId="{FC9A5F5C-95CD-444A-AEBE-6A183D56AA17}">
-      <dsp:nvSpPr>
-        <dsp:cNvPr id="0" name=""/>
-        <dsp:cNvSpPr/>
-      </dsp:nvSpPr>
-      <dsp:spPr>
-        <a:xfrm>
-          <a:off x="0" y="3838763"/>
-          <a:ext cx="1863725" cy="613800"/>
-        </a:xfrm>
-        <a:prstGeom prst="rect">
-          <a:avLst/>
-        </a:prstGeom>
-        <a:noFill/>
-        <a:ln>
-          <a:noFill/>
-        </a:ln>
-        <a:effectLst/>
-      </dsp:spPr>
-      <dsp:style>
-        <a:lnRef idx="0">
-          <a:scrgbClr r="0" g="0" b="0"/>
-        </a:lnRef>
-        <a:fillRef idx="0">
-          <a:scrgbClr r="0" g="0" b="0"/>
-        </a:fillRef>
-        <a:effectRef idx="0">
-          <a:scrgbClr r="0" g="0" b="0"/>
-        </a:effectRef>
-        <a:fontRef idx="minor"/>
-      </dsp:style>
-      <dsp:txBody>
-        <a:bodyPr spcFirstLastPara="0" vert="horz" wrap="square" lIns="220472" tIns="78740" rIns="220472" bIns="78740" numCol="1" spcCol="1270" anchor="ctr" anchorCtr="0">
-          <a:noAutofit/>
-        </a:bodyPr>
-        <a:lstStyle/>
-        <a:p>
-          <a:pPr lvl="0" algn="r" defTabSz="1377950">
-            <a:lnSpc>
-              <a:spcPct val="90000"/>
-            </a:lnSpc>
-            <a:spcBef>
-              <a:spcPct val="0"/>
-            </a:spcBef>
-            <a:spcAft>
-              <a:spcPct val="35000"/>
-            </a:spcAft>
-          </a:pPr>
-          <a:r>
-            <a:rPr lang="en-US" sz="3100" kern="1200" dirty="0" smtClean="0"/>
-            <a:t>Dir()</a:t>
-          </a:r>
-          <a:endParaRPr lang="en-US" sz="3100" kern="1200" dirty="0"/>
-        </a:p>
-      </dsp:txBody>
-      <dsp:txXfrm>
-        <a:off x="0" y="3838763"/>
-        <a:ext cx="1863725" cy="613800"/>
-      </dsp:txXfrm>
-    </dsp:sp>
-    <dsp:sp modelId="{C2C5969C-6A1F-4D73-BB00-AAEFC4A46C88}">
-      <dsp:nvSpPr>
-        <dsp:cNvPr id="0" name=""/>
-        <dsp:cNvSpPr/>
-      </dsp:nvSpPr>
-      <dsp:spPr>
-        <a:xfrm>
-          <a:off x="1863724" y="3608588"/>
-          <a:ext cx="372745" cy="1074150"/>
-        </a:xfrm>
-        <a:prstGeom prst="leftBrace">
-          <a:avLst>
-            <a:gd name="adj1" fmla="val 35000"/>
-            <a:gd name="adj2" fmla="val 50000"/>
-          </a:avLst>
-        </a:prstGeom>
-        <a:noFill/>
-        <a:ln w="19050" cap="rnd" cmpd="sng" algn="ctr">
-          <a:solidFill>
-            <a:schemeClr val="accent1">
-              <a:shade val="60000"/>
-              <a:hueOff val="0"/>
-              <a:satOff val="0"/>
-              <a:lumOff val="0"/>
-              <a:alphaOff val="0"/>
-            </a:schemeClr>
-          </a:solidFill>
-          <a:prstDash val="solid"/>
-        </a:ln>
-        <a:effectLst/>
-      </dsp:spPr>
-      <dsp:style>
-        <a:lnRef idx="2">
-          <a:scrgbClr r="0" g="0" b="0"/>
-        </a:lnRef>
-        <a:fillRef idx="0">
-          <a:scrgbClr r="0" g="0" b="0"/>
-        </a:fillRef>
-        <a:effectRef idx="0">
-          <a:scrgbClr r="0" g="0" b="0"/>
-        </a:effectRef>
-        <a:fontRef idx="minor"/>
-      </dsp:style>
-    </dsp:sp>
-    <dsp:sp modelId="{58A008E0-9F02-4ECA-85F8-90E4B86794D5}">
-      <dsp:nvSpPr>
-        <dsp:cNvPr id="0" name=""/>
-        <dsp:cNvSpPr/>
-      </dsp:nvSpPr>
-      <dsp:spPr>
-        <a:xfrm>
-          <a:off x="2385567" y="3608588"/>
-          <a:ext cx="5069332" cy="1074150"/>
-        </a:xfrm>
-        <a:prstGeom prst="rect">
-          <a:avLst/>
-        </a:prstGeom>
-        <a:solidFill>
-          <a:schemeClr val="accent1">
-            <a:hueOff val="0"/>
-            <a:satOff val="0"/>
-            <a:lumOff val="0"/>
-            <a:alphaOff val="0"/>
-          </a:schemeClr>
-        </a:solidFill>
-        <a:ln w="19050" cap="rnd" cmpd="sng" algn="ctr">
-          <a:solidFill>
-            <a:schemeClr val="lt1">
-              <a:hueOff val="0"/>
-              <a:satOff val="0"/>
-              <a:lumOff val="0"/>
-              <a:alphaOff val="0"/>
-            </a:schemeClr>
-          </a:solidFill>
-          <a:prstDash val="solid"/>
-        </a:ln>
-        <a:effectLst/>
-      </dsp:spPr>
-      <dsp:style>
-        <a:lnRef idx="2">
-          <a:scrgbClr r="0" g="0" b="0"/>
-        </a:lnRef>
-        <a:fillRef idx="1">
-          <a:scrgbClr r="0" g="0" b="0"/>
-        </a:fillRef>
-        <a:effectRef idx="0">
-          <a:scrgbClr r="0" g="0" b="0"/>
-        </a:effectRef>
-        <a:fontRef idx="minor">
-          <a:schemeClr val="lt1"/>
-        </a:fontRef>
-      </dsp:style>
-      <dsp:txBody>
-        <a:bodyPr spcFirstLastPara="0" vert="horz" wrap="square" lIns="118110" tIns="118110" rIns="118110" bIns="118110" numCol="1" spcCol="1270" anchor="ctr" anchorCtr="0">
-          <a:noAutofit/>
-        </a:bodyPr>
-        <a:lstStyle/>
-        <a:p>
-          <a:pPr marL="285750" lvl="1" indent="-285750" algn="l" defTabSz="1377950">
-            <a:lnSpc>
-              <a:spcPct val="90000"/>
-            </a:lnSpc>
-            <a:spcBef>
-              <a:spcPct val="0"/>
-            </a:spcBef>
-            <a:spcAft>
-              <a:spcPct val="15000"/>
-            </a:spcAft>
-            <a:buChar char="••"/>
-          </a:pPr>
-          <a:r>
-            <a:rPr lang="en-US" sz="3100" kern="1200" dirty="0" smtClean="0"/>
-            <a:t>Returns attributes of object</a:t>
-          </a:r>
-          <a:endParaRPr lang="en-US" sz="3100" kern="1200" dirty="0"/>
-        </a:p>
-      </dsp:txBody>
-      <dsp:txXfrm>
-        <a:off x="2385567" y="3608588"/>
-        <a:ext cx="5069332" cy="1074150"/>
-      </dsp:txXfrm>
-    </dsp:sp>
   </dsp:spTree>
 </dsp:drawing>
 </file>
@@ -12219,7 +10523,7 @@
           <a:p>
             <a:fld id="{B0296A55-1E20-4084-922D-703F4B5080EE}" type="datetimeFigureOut">
               <a:rPr lang="en-US" smtClean="0"/>
-              <a:t>7/7/2019</a:t>
+              <a:t>1/30/2022</a:t>
             </a:fld>
             <a:endParaRPr lang="en-US"/>
           </a:p>
@@ -13377,7 +11681,7 @@
           <a:p>
             <a:fld id="{74958FEA-78DF-4B0D-B9DB-EA4B7DAB7ECE}" type="datetimeFigureOut">
               <a:rPr lang="en-US" smtClean="0"/>
-              <a:t>7/7/2019</a:t>
+              <a:t>1/30/2022</a:t>
             </a:fld>
             <a:endParaRPr lang="en-US"/>
           </a:p>
@@ -13628,7 +11932,7 @@
           <a:p>
             <a:fld id="{74958FEA-78DF-4B0D-B9DB-EA4B7DAB7ECE}" type="datetimeFigureOut">
               <a:rPr lang="en-US" smtClean="0"/>
-              <a:t>7/7/2019</a:t>
+              <a:t>1/30/2022</a:t>
             </a:fld>
             <a:endParaRPr lang="en-US"/>
           </a:p>
@@ -13942,7 +12246,7 @@
           <a:p>
             <a:fld id="{74958FEA-78DF-4B0D-B9DB-EA4B7DAB7ECE}" type="datetimeFigureOut">
               <a:rPr lang="en-US" smtClean="0"/>
-              <a:t>7/7/2019</a:t>
+              <a:t>1/30/2022</a:t>
             </a:fld>
             <a:endParaRPr lang="en-US"/>
           </a:p>
@@ -14283,7 +12587,7 @@
           <a:p>
             <a:fld id="{74958FEA-78DF-4B0D-B9DB-EA4B7DAB7ECE}" type="datetimeFigureOut">
               <a:rPr lang="en-US" smtClean="0"/>
-              <a:t>7/7/2019</a:t>
+              <a:t>1/30/2022</a:t>
             </a:fld>
             <a:endParaRPr lang="en-US"/>
           </a:p>
@@ -14597,7 +12901,7 @@
           <a:p>
             <a:fld id="{74958FEA-78DF-4B0D-B9DB-EA4B7DAB7ECE}" type="datetimeFigureOut">
               <a:rPr lang="en-US" smtClean="0"/>
-              <a:t>7/7/2019</a:t>
+              <a:t>1/30/2022</a:t>
             </a:fld>
             <a:endParaRPr lang="en-US"/>
           </a:p>
@@ -14990,7 +13294,7 @@
           <a:p>
             <a:fld id="{74958FEA-78DF-4B0D-B9DB-EA4B7DAB7ECE}" type="datetimeFigureOut">
               <a:rPr lang="en-US" smtClean="0"/>
-              <a:t>7/7/2019</a:t>
+              <a:t>1/30/2022</a:t>
             </a:fld>
             <a:endParaRPr lang="en-US"/>
           </a:p>
@@ -15160,7 +13464,7 @@
           <a:p>
             <a:fld id="{74958FEA-78DF-4B0D-B9DB-EA4B7DAB7ECE}" type="datetimeFigureOut">
               <a:rPr lang="en-US" smtClean="0"/>
-              <a:t>7/7/2019</a:t>
+              <a:t>1/30/2022</a:t>
             </a:fld>
             <a:endParaRPr lang="en-US"/>
           </a:p>
@@ -15340,7 +13644,7 @@
           <a:p>
             <a:fld id="{74958FEA-78DF-4B0D-B9DB-EA4B7DAB7ECE}" type="datetimeFigureOut">
               <a:rPr lang="en-US" smtClean="0"/>
-              <a:t>7/7/2019</a:t>
+              <a:t>1/30/2022</a:t>
             </a:fld>
             <a:endParaRPr lang="en-US"/>
           </a:p>
@@ -15516,7 +13820,7 @@
           <a:p>
             <a:fld id="{74958FEA-78DF-4B0D-B9DB-EA4B7DAB7ECE}" type="datetimeFigureOut">
               <a:rPr lang="en-US" smtClean="0"/>
-              <a:t>7/7/2019</a:t>
+              <a:t>1/30/2022</a:t>
             </a:fld>
             <a:endParaRPr lang="en-US"/>
           </a:p>
@@ -15763,7 +14067,7 @@
           <a:p>
             <a:fld id="{74958FEA-78DF-4B0D-B9DB-EA4B7DAB7ECE}" type="datetimeFigureOut">
               <a:rPr lang="en-US" smtClean="0"/>
-              <a:t>7/7/2019</a:t>
+              <a:t>1/30/2022</a:t>
             </a:fld>
             <a:endParaRPr lang="en-US"/>
           </a:p>
@@ -15995,7 +14299,7 @@
           <a:p>
             <a:fld id="{74958FEA-78DF-4B0D-B9DB-EA4B7DAB7ECE}" type="datetimeFigureOut">
               <a:rPr lang="en-US" smtClean="0"/>
-              <a:t>7/7/2019</a:t>
+              <a:t>1/30/2022</a:t>
             </a:fld>
             <a:endParaRPr lang="en-US"/>
           </a:p>
@@ -16369,7 +14673,7 @@
           <a:p>
             <a:fld id="{74958FEA-78DF-4B0D-B9DB-EA4B7DAB7ECE}" type="datetimeFigureOut">
               <a:rPr lang="en-US" smtClean="0"/>
-              <a:t>7/7/2019</a:t>
+              <a:t>1/30/2022</a:t>
             </a:fld>
             <a:endParaRPr lang="en-US"/>
           </a:p>
@@ -16492,7 +14796,7 @@
           <a:p>
             <a:fld id="{74958FEA-78DF-4B0D-B9DB-EA4B7DAB7ECE}" type="datetimeFigureOut">
               <a:rPr lang="en-US" smtClean="0"/>
-              <a:t>7/7/2019</a:t>
+              <a:t>1/30/2022</a:t>
             </a:fld>
             <a:endParaRPr lang="en-US"/>
           </a:p>
@@ -16587,7 +14891,7 @@
           <a:p>
             <a:fld id="{74958FEA-78DF-4B0D-B9DB-EA4B7DAB7ECE}" type="datetimeFigureOut">
               <a:rPr lang="en-US" smtClean="0"/>
-              <a:t>7/7/2019</a:t>
+              <a:t>1/30/2022</a:t>
             </a:fld>
             <a:endParaRPr lang="en-US"/>
           </a:p>
@@ -16842,7 +15146,7 @@
           <a:p>
             <a:fld id="{74958FEA-78DF-4B0D-B9DB-EA4B7DAB7ECE}" type="datetimeFigureOut">
               <a:rPr lang="en-US" smtClean="0"/>
-              <a:t>7/7/2019</a:t>
+              <a:t>1/30/2022</a:t>
             </a:fld>
             <a:endParaRPr lang="en-US"/>
           </a:p>
@@ -17105,7 +15409,7 @@
           <a:p>
             <a:fld id="{74958FEA-78DF-4B0D-B9DB-EA4B7DAB7ECE}" type="datetimeFigureOut">
               <a:rPr lang="en-US" smtClean="0"/>
-              <a:t>7/7/2019</a:t>
+              <a:t>1/30/2022</a:t>
             </a:fld>
             <a:endParaRPr lang="en-US"/>
           </a:p>
@@ -17848,7 +16152,7 @@
           <a:p>
             <a:fld id="{74958FEA-78DF-4B0D-B9DB-EA4B7DAB7ECE}" type="datetimeFigureOut">
               <a:rPr lang="en-US" smtClean="0"/>
-              <a:t>7/7/2019</a:t>
+              <a:t>1/30/2022</a:t>
             </a:fld>
             <a:endParaRPr lang="en-US"/>
           </a:p>
@@ -18590,14 +16894,14 @@
                 <a:gridCol w="2032000">
                   <a:extLst>
                     <a:ext uri="{9D8B030D-6E8A-4147-A177-3AD203B41FA5}">
-                      <a16:colId xmlns:a16="http://schemas.microsoft.com/office/drawing/2014/main" val="4213896282"/>
+                      <a16:colId xmlns="" xmlns:a16="http://schemas.microsoft.com/office/drawing/2014/main" val="4213896282"/>
                     </a:ext>
                   </a:extLst>
                 </a:gridCol>
                 <a:gridCol w="2032000">
                   <a:extLst>
                     <a:ext uri="{9D8B030D-6E8A-4147-A177-3AD203B41FA5}">
-                      <a16:colId xmlns:a16="http://schemas.microsoft.com/office/drawing/2014/main" val="83866005"/>
+                      <a16:colId xmlns="" xmlns:a16="http://schemas.microsoft.com/office/drawing/2014/main" val="83866005"/>
                     </a:ext>
                   </a:extLst>
                 </a:gridCol>
@@ -18633,7 +16937,7 @@
                 </a:tc>
                 <a:extLst>
                   <a:ext uri="{0D108BD9-81ED-4DB2-BD59-A6C34878D82A}">
-                    <a16:rowId xmlns:a16="http://schemas.microsoft.com/office/drawing/2014/main" val="1350976778"/>
+                    <a16:rowId xmlns="" xmlns:a16="http://schemas.microsoft.com/office/drawing/2014/main" val="1350976778"/>
                   </a:ext>
                 </a:extLst>
               </a:tr>
@@ -18668,7 +16972,7 @@
                 </a:tc>
                 <a:extLst>
                   <a:ext uri="{0D108BD9-81ED-4DB2-BD59-A6C34878D82A}">
-                    <a16:rowId xmlns:a16="http://schemas.microsoft.com/office/drawing/2014/main" val="4269636529"/>
+                    <a16:rowId xmlns="" xmlns:a16="http://schemas.microsoft.com/office/drawing/2014/main" val="4269636529"/>
                   </a:ext>
                 </a:extLst>
               </a:tr>
@@ -18703,7 +17007,7 @@
                 </a:tc>
                 <a:extLst>
                   <a:ext uri="{0D108BD9-81ED-4DB2-BD59-A6C34878D82A}">
-                    <a16:rowId xmlns:a16="http://schemas.microsoft.com/office/drawing/2014/main" val="2426802635"/>
+                    <a16:rowId xmlns="" xmlns:a16="http://schemas.microsoft.com/office/drawing/2014/main" val="2426802635"/>
                   </a:ext>
                 </a:extLst>
               </a:tr>
@@ -18738,7 +17042,7 @@
                 </a:tc>
                 <a:extLst>
                   <a:ext uri="{0D108BD9-81ED-4DB2-BD59-A6C34878D82A}">
-                    <a16:rowId xmlns:a16="http://schemas.microsoft.com/office/drawing/2014/main" val="1142675093"/>
+                    <a16:rowId xmlns="" xmlns:a16="http://schemas.microsoft.com/office/drawing/2014/main" val="1142675093"/>
                   </a:ext>
                 </a:extLst>
               </a:tr>
@@ -18773,7 +17077,7 @@
                 </a:tc>
                 <a:extLst>
                   <a:ext uri="{0D108BD9-81ED-4DB2-BD59-A6C34878D82A}">
-                    <a16:rowId xmlns:a16="http://schemas.microsoft.com/office/drawing/2014/main" val="2459925319"/>
+                    <a16:rowId xmlns="" xmlns:a16="http://schemas.microsoft.com/office/drawing/2014/main" val="2459925319"/>
                   </a:ext>
                 </a:extLst>
               </a:tr>
@@ -18808,7 +17112,7 @@
                 </a:tc>
                 <a:extLst>
                   <a:ext uri="{0D108BD9-81ED-4DB2-BD59-A6C34878D82A}">
-                    <a16:rowId xmlns:a16="http://schemas.microsoft.com/office/drawing/2014/main" val="3207880339"/>
+                    <a16:rowId xmlns="" xmlns:a16="http://schemas.microsoft.com/office/drawing/2014/main" val="3207880339"/>
                   </a:ext>
                 </a:extLst>
               </a:tr>
@@ -19093,21 +17397,21 @@
                 <a:gridCol w="1384980">
                   <a:extLst>
                     <a:ext uri="{9D8B030D-6E8A-4147-A177-3AD203B41FA5}">
-                      <a16:colId xmlns:a16="http://schemas.microsoft.com/office/drawing/2014/main" val="3505426656"/>
+                      <a16:colId xmlns="" xmlns:a16="http://schemas.microsoft.com/office/drawing/2014/main" val="3505426656"/>
                     </a:ext>
                   </a:extLst>
                 </a:gridCol>
                 <a:gridCol w="5320620">
                   <a:extLst>
                     <a:ext uri="{9D8B030D-6E8A-4147-A177-3AD203B41FA5}">
-                      <a16:colId xmlns:a16="http://schemas.microsoft.com/office/drawing/2014/main" val="3680717657"/>
+                      <a16:colId xmlns="" xmlns:a16="http://schemas.microsoft.com/office/drawing/2014/main" val="3680717657"/>
                     </a:ext>
                   </a:extLst>
                 </a:gridCol>
                 <a:gridCol w="3352800">
                   <a:extLst>
                     <a:ext uri="{9D8B030D-6E8A-4147-A177-3AD203B41FA5}">
-                      <a16:colId xmlns:a16="http://schemas.microsoft.com/office/drawing/2014/main" val="2715844025"/>
+                      <a16:colId xmlns="" xmlns:a16="http://schemas.microsoft.com/office/drawing/2014/main" val="2715844025"/>
                     </a:ext>
                   </a:extLst>
                 </a:gridCol>
@@ -19157,7 +17461,7 @@
                 </a:tc>
                 <a:extLst>
                   <a:ext uri="{0D108BD9-81ED-4DB2-BD59-A6C34878D82A}">
-                    <a16:rowId xmlns:a16="http://schemas.microsoft.com/office/drawing/2014/main" val="3637086436"/>
+                    <a16:rowId xmlns="" xmlns:a16="http://schemas.microsoft.com/office/drawing/2014/main" val="3637086436"/>
                   </a:ext>
                 </a:extLst>
               </a:tr>
@@ -19222,7 +17526,7 @@
                 </a:tc>
                 <a:extLst>
                   <a:ext uri="{0D108BD9-81ED-4DB2-BD59-A6C34878D82A}">
-                    <a16:rowId xmlns:a16="http://schemas.microsoft.com/office/drawing/2014/main" val="2106560257"/>
+                    <a16:rowId xmlns="" xmlns:a16="http://schemas.microsoft.com/office/drawing/2014/main" val="2106560257"/>
                   </a:ext>
                 </a:extLst>
               </a:tr>
@@ -19271,7 +17575,7 @@
                 </a:tc>
                 <a:extLst>
                   <a:ext uri="{0D108BD9-81ED-4DB2-BD59-A6C34878D82A}">
-                    <a16:rowId xmlns:a16="http://schemas.microsoft.com/office/drawing/2014/main" val="1092993206"/>
+                    <a16:rowId xmlns="" xmlns:a16="http://schemas.microsoft.com/office/drawing/2014/main" val="1092993206"/>
                   </a:ext>
                 </a:extLst>
               </a:tr>
@@ -19324,7 +17628,7 @@
                 </a:tc>
                 <a:extLst>
                   <a:ext uri="{0D108BD9-81ED-4DB2-BD59-A6C34878D82A}">
-                    <a16:rowId xmlns:a16="http://schemas.microsoft.com/office/drawing/2014/main" val="2892156610"/>
+                    <a16:rowId xmlns="" xmlns:a16="http://schemas.microsoft.com/office/drawing/2014/main" val="2892156610"/>
                   </a:ext>
                 </a:extLst>
               </a:tr>
@@ -19373,7 +17677,7 @@
                 </a:tc>
                 <a:extLst>
                   <a:ext uri="{0D108BD9-81ED-4DB2-BD59-A6C34878D82A}">
-                    <a16:rowId xmlns:a16="http://schemas.microsoft.com/office/drawing/2014/main" val="2000040929"/>
+                    <a16:rowId xmlns="" xmlns:a16="http://schemas.microsoft.com/office/drawing/2014/main" val="2000040929"/>
                   </a:ext>
                 </a:extLst>
               </a:tr>
@@ -19426,7 +17730,7 @@
                 </a:tc>
                 <a:extLst>
                   <a:ext uri="{0D108BD9-81ED-4DB2-BD59-A6C34878D82A}">
-                    <a16:rowId xmlns:a16="http://schemas.microsoft.com/office/drawing/2014/main" val="2693235026"/>
+                    <a16:rowId xmlns="" xmlns:a16="http://schemas.microsoft.com/office/drawing/2014/main" val="2693235026"/>
                   </a:ext>
                 </a:extLst>
               </a:tr>
@@ -19475,7 +17779,7 @@
                 </a:tc>
                 <a:extLst>
                   <a:ext uri="{0D108BD9-81ED-4DB2-BD59-A6C34878D82A}">
-                    <a16:rowId xmlns:a16="http://schemas.microsoft.com/office/drawing/2014/main" val="3943216011"/>
+                    <a16:rowId xmlns="" xmlns:a16="http://schemas.microsoft.com/office/drawing/2014/main" val="3943216011"/>
                   </a:ext>
                 </a:extLst>
               </a:tr>
@@ -19524,7 +17828,7 @@
                 </a:tc>
                 <a:extLst>
                   <a:ext uri="{0D108BD9-81ED-4DB2-BD59-A6C34878D82A}">
-                    <a16:rowId xmlns:a16="http://schemas.microsoft.com/office/drawing/2014/main" val="4042558182"/>
+                    <a16:rowId xmlns="" xmlns:a16="http://schemas.microsoft.com/office/drawing/2014/main" val="4042558182"/>
                   </a:ext>
                 </a:extLst>
               </a:tr>
@@ -19594,7 +17898,7 @@
                 </a:tc>
                 <a:extLst>
                   <a:ext uri="{0D108BD9-81ED-4DB2-BD59-A6C34878D82A}">
-                    <a16:rowId xmlns:a16="http://schemas.microsoft.com/office/drawing/2014/main" val="1271498323"/>
+                    <a16:rowId xmlns="" xmlns:a16="http://schemas.microsoft.com/office/drawing/2014/main" val="1271498323"/>
                   </a:ext>
                 </a:extLst>
               </a:tr>
@@ -19651,7 +17955,7 @@
                 </a:tc>
                 <a:extLst>
                   <a:ext uri="{0D108BD9-81ED-4DB2-BD59-A6C34878D82A}">
-                    <a16:rowId xmlns:a16="http://schemas.microsoft.com/office/drawing/2014/main" val="2620889323"/>
+                    <a16:rowId xmlns="" xmlns:a16="http://schemas.microsoft.com/office/drawing/2014/main" val="2620889323"/>
                   </a:ext>
                 </a:extLst>
               </a:tr>
@@ -19708,7 +18012,7 @@
                 </a:tc>
                 <a:extLst>
                   <a:ext uri="{0D108BD9-81ED-4DB2-BD59-A6C34878D82A}">
-                    <a16:rowId xmlns:a16="http://schemas.microsoft.com/office/drawing/2014/main" val="805148016"/>
+                    <a16:rowId xmlns="" xmlns:a16="http://schemas.microsoft.com/office/drawing/2014/main" val="805148016"/>
                   </a:ext>
                 </a:extLst>
               </a:tr>
@@ -19765,7 +18069,7 @@
                 </a:tc>
                 <a:extLst>
                   <a:ext uri="{0D108BD9-81ED-4DB2-BD59-A6C34878D82A}">
-                    <a16:rowId xmlns:a16="http://schemas.microsoft.com/office/drawing/2014/main" val="3809420505"/>
+                    <a16:rowId xmlns="" xmlns:a16="http://schemas.microsoft.com/office/drawing/2014/main" val="3809420505"/>
                   </a:ext>
                 </a:extLst>
               </a:tr>
@@ -19822,7 +18126,7 @@
                 </a:tc>
                 <a:extLst>
                   <a:ext uri="{0D108BD9-81ED-4DB2-BD59-A6C34878D82A}">
-                    <a16:rowId xmlns:a16="http://schemas.microsoft.com/office/drawing/2014/main" val="235147297"/>
+                    <a16:rowId xmlns="" xmlns:a16="http://schemas.microsoft.com/office/drawing/2014/main" val="235147297"/>
                   </a:ext>
                 </a:extLst>
               </a:tr>
@@ -19875,7 +18179,7 @@
                 </a:tc>
                 <a:extLst>
                   <a:ext uri="{0D108BD9-81ED-4DB2-BD59-A6C34878D82A}">
-                    <a16:rowId xmlns:a16="http://schemas.microsoft.com/office/drawing/2014/main" val="172135768"/>
+                    <a16:rowId xmlns="" xmlns:a16="http://schemas.microsoft.com/office/drawing/2014/main" val="172135768"/>
                   </a:ext>
                 </a:extLst>
               </a:tr>
@@ -19977,21 +18281,21 @@
                 <a:gridCol w="1447527">
                   <a:extLst>
                     <a:ext uri="{9D8B030D-6E8A-4147-A177-3AD203B41FA5}">
-                      <a16:colId xmlns:a16="http://schemas.microsoft.com/office/drawing/2014/main" val="3505426656"/>
+                      <a16:colId xmlns="" xmlns:a16="http://schemas.microsoft.com/office/drawing/2014/main" val="3505426656"/>
                     </a:ext>
                   </a:extLst>
                 </a:gridCol>
                 <a:gridCol w="5560906">
                   <a:extLst>
                     <a:ext uri="{9D8B030D-6E8A-4147-A177-3AD203B41FA5}">
-                      <a16:colId xmlns:a16="http://schemas.microsoft.com/office/drawing/2014/main" val="3680717657"/>
+                      <a16:colId xmlns="" xmlns:a16="http://schemas.microsoft.com/office/drawing/2014/main" val="3680717657"/>
                     </a:ext>
                   </a:extLst>
                 </a:gridCol>
                 <a:gridCol w="3504217">
                   <a:extLst>
                     <a:ext uri="{9D8B030D-6E8A-4147-A177-3AD203B41FA5}">
-                      <a16:colId xmlns:a16="http://schemas.microsoft.com/office/drawing/2014/main" val="2715844025"/>
+                      <a16:colId xmlns="" xmlns:a16="http://schemas.microsoft.com/office/drawing/2014/main" val="2715844025"/>
                     </a:ext>
                   </a:extLst>
                 </a:gridCol>
@@ -20041,7 +18345,7 @@
                 </a:tc>
                 <a:extLst>
                   <a:ext uri="{0D108BD9-81ED-4DB2-BD59-A6C34878D82A}">
-                    <a16:rowId xmlns:a16="http://schemas.microsoft.com/office/drawing/2014/main" val="3637086436"/>
+                    <a16:rowId xmlns="" xmlns:a16="http://schemas.microsoft.com/office/drawing/2014/main" val="3637086436"/>
                   </a:ext>
                 </a:extLst>
               </a:tr>
@@ -20098,7 +18402,7 @@
                 </a:tc>
                 <a:extLst>
                   <a:ext uri="{0D108BD9-81ED-4DB2-BD59-A6C34878D82A}">
-                    <a16:rowId xmlns:a16="http://schemas.microsoft.com/office/drawing/2014/main" val="2106560257"/>
+                    <a16:rowId xmlns="" xmlns:a16="http://schemas.microsoft.com/office/drawing/2014/main" val="2106560257"/>
                   </a:ext>
                 </a:extLst>
               </a:tr>
@@ -20147,7 +18451,7 @@
                 </a:tc>
                 <a:extLst>
                   <a:ext uri="{0D108BD9-81ED-4DB2-BD59-A6C34878D82A}">
-                    <a16:rowId xmlns:a16="http://schemas.microsoft.com/office/drawing/2014/main" val="1092993206"/>
+                    <a16:rowId xmlns="" xmlns:a16="http://schemas.microsoft.com/office/drawing/2014/main" val="1092993206"/>
                   </a:ext>
                 </a:extLst>
               </a:tr>
@@ -20200,7 +18504,7 @@
                 </a:tc>
                 <a:extLst>
                   <a:ext uri="{0D108BD9-81ED-4DB2-BD59-A6C34878D82A}">
-                    <a16:rowId xmlns:a16="http://schemas.microsoft.com/office/drawing/2014/main" val="2892156610"/>
+                    <a16:rowId xmlns="" xmlns:a16="http://schemas.microsoft.com/office/drawing/2014/main" val="2892156610"/>
                   </a:ext>
                 </a:extLst>
               </a:tr>
@@ -20249,7 +18553,7 @@
                 </a:tc>
                 <a:extLst>
                   <a:ext uri="{0D108BD9-81ED-4DB2-BD59-A6C34878D82A}">
-                    <a16:rowId xmlns:a16="http://schemas.microsoft.com/office/drawing/2014/main" val="2000040929"/>
+                    <a16:rowId xmlns="" xmlns:a16="http://schemas.microsoft.com/office/drawing/2014/main" val="2000040929"/>
                   </a:ext>
                 </a:extLst>
               </a:tr>
@@ -20298,7 +18602,7 @@
                 </a:tc>
                 <a:extLst>
                   <a:ext uri="{0D108BD9-81ED-4DB2-BD59-A6C34878D82A}">
-                    <a16:rowId xmlns:a16="http://schemas.microsoft.com/office/drawing/2014/main" val="2693235026"/>
+                    <a16:rowId xmlns="" xmlns:a16="http://schemas.microsoft.com/office/drawing/2014/main" val="2693235026"/>
                   </a:ext>
                 </a:extLst>
               </a:tr>
@@ -20351,7 +18655,7 @@
                 </a:tc>
                 <a:extLst>
                   <a:ext uri="{0D108BD9-81ED-4DB2-BD59-A6C34878D82A}">
-                    <a16:rowId xmlns:a16="http://schemas.microsoft.com/office/drawing/2014/main" val="3943216011"/>
+                    <a16:rowId xmlns="" xmlns:a16="http://schemas.microsoft.com/office/drawing/2014/main" val="3943216011"/>
                   </a:ext>
                 </a:extLst>
               </a:tr>
@@ -20400,7 +18704,7 @@
                 </a:tc>
                 <a:extLst>
                   <a:ext uri="{0D108BD9-81ED-4DB2-BD59-A6C34878D82A}">
-                    <a16:rowId xmlns:a16="http://schemas.microsoft.com/office/drawing/2014/main" val="4042558182"/>
+                    <a16:rowId xmlns="" xmlns:a16="http://schemas.microsoft.com/office/drawing/2014/main" val="4042558182"/>
                   </a:ext>
                 </a:extLst>
               </a:tr>
@@ -20453,7 +18757,7 @@
                 </a:tc>
                 <a:extLst>
                   <a:ext uri="{0D108BD9-81ED-4DB2-BD59-A6C34878D82A}">
-                    <a16:rowId xmlns:a16="http://schemas.microsoft.com/office/drawing/2014/main" val="1271498323"/>
+                    <a16:rowId xmlns="" xmlns:a16="http://schemas.microsoft.com/office/drawing/2014/main" val="1271498323"/>
                   </a:ext>
                 </a:extLst>
               </a:tr>
@@ -20523,7 +18827,7 @@
                 </a:tc>
                 <a:extLst>
                   <a:ext uri="{0D108BD9-81ED-4DB2-BD59-A6C34878D82A}">
-                    <a16:rowId xmlns:a16="http://schemas.microsoft.com/office/drawing/2014/main" val="2620889323"/>
+                    <a16:rowId xmlns="" xmlns:a16="http://schemas.microsoft.com/office/drawing/2014/main" val="2620889323"/>
                   </a:ext>
                 </a:extLst>
               </a:tr>
@@ -20593,7 +18897,7 @@
                 </a:tc>
                 <a:extLst>
                   <a:ext uri="{0D108BD9-81ED-4DB2-BD59-A6C34878D82A}">
-                    <a16:rowId xmlns:a16="http://schemas.microsoft.com/office/drawing/2014/main" val="805148016"/>
+                    <a16:rowId xmlns="" xmlns:a16="http://schemas.microsoft.com/office/drawing/2014/main" val="805148016"/>
                   </a:ext>
                 </a:extLst>
               </a:tr>
@@ -20667,7 +18971,7 @@
                 </a:tc>
                 <a:extLst>
                   <a:ext uri="{0D108BD9-81ED-4DB2-BD59-A6C34878D82A}">
-                    <a16:rowId xmlns:a16="http://schemas.microsoft.com/office/drawing/2014/main" val="3809420505"/>
+                    <a16:rowId xmlns="" xmlns:a16="http://schemas.microsoft.com/office/drawing/2014/main" val="3809420505"/>
                   </a:ext>
                 </a:extLst>
               </a:tr>
@@ -20737,7 +19041,7 @@
                 </a:tc>
                 <a:extLst>
                   <a:ext uri="{0D108BD9-81ED-4DB2-BD59-A6C34878D82A}">
-                    <a16:rowId xmlns:a16="http://schemas.microsoft.com/office/drawing/2014/main" val="235147297"/>
+                    <a16:rowId xmlns="" xmlns:a16="http://schemas.microsoft.com/office/drawing/2014/main" val="235147297"/>
                   </a:ext>
                 </a:extLst>
               </a:tr>
@@ -20807,7 +19111,7 @@
                 </a:tc>
                 <a:extLst>
                   <a:ext uri="{0D108BD9-81ED-4DB2-BD59-A6C34878D82A}">
-                    <a16:rowId xmlns:a16="http://schemas.microsoft.com/office/drawing/2014/main" val="172135768"/>
+                    <a16:rowId xmlns="" xmlns:a16="http://schemas.microsoft.com/office/drawing/2014/main" val="172135768"/>
                   </a:ext>
                 </a:extLst>
               </a:tr>
@@ -20885,7 +19189,7 @@
                 </a:tc>
                 <a:extLst>
                   <a:ext uri="{0D108BD9-81ED-4DB2-BD59-A6C34878D82A}">
-                    <a16:rowId xmlns:a16="http://schemas.microsoft.com/office/drawing/2014/main" val="4023228976"/>
+                    <a16:rowId xmlns="" xmlns:a16="http://schemas.microsoft.com/office/drawing/2014/main" val="4023228976"/>
                   </a:ext>
                 </a:extLst>
               </a:tr>
@@ -20955,7 +19259,7 @@
                 </a:tc>
                 <a:extLst>
                   <a:ext uri="{0D108BD9-81ED-4DB2-BD59-A6C34878D82A}">
-                    <a16:rowId xmlns:a16="http://schemas.microsoft.com/office/drawing/2014/main" val="1010257875"/>
+                    <a16:rowId xmlns="" xmlns:a16="http://schemas.microsoft.com/office/drawing/2014/main" val="1010257875"/>
                   </a:ext>
                 </a:extLst>
               </a:tr>
@@ -21269,14 +19573,14 @@
                 <a:gridCol w="4535361">
                   <a:extLst>
                     <a:ext uri="{9D8B030D-6E8A-4147-A177-3AD203B41FA5}">
-                      <a16:colId xmlns:a16="http://schemas.microsoft.com/office/drawing/2014/main" val="20000"/>
+                      <a16:colId xmlns="" xmlns:a16="http://schemas.microsoft.com/office/drawing/2014/main" val="20000"/>
                     </a:ext>
                   </a:extLst>
                 </a:gridCol>
                 <a:gridCol w="4535361">
                   <a:extLst>
                     <a:ext uri="{9D8B030D-6E8A-4147-A177-3AD203B41FA5}">
-                      <a16:colId xmlns:a16="http://schemas.microsoft.com/office/drawing/2014/main" val="20001"/>
+                      <a16:colId xmlns="" xmlns:a16="http://schemas.microsoft.com/office/drawing/2014/main" val="20001"/>
                     </a:ext>
                   </a:extLst>
                 </a:gridCol>
@@ -21312,7 +19616,7 @@
                 </a:tc>
                 <a:extLst>
                   <a:ext uri="{0D108BD9-81ED-4DB2-BD59-A6C34878D82A}">
-                    <a16:rowId xmlns:a16="http://schemas.microsoft.com/office/drawing/2014/main" val="10000"/>
+                    <a16:rowId xmlns="" xmlns:a16="http://schemas.microsoft.com/office/drawing/2014/main" val="10000"/>
                   </a:ext>
                 </a:extLst>
               </a:tr>
@@ -21351,7 +19655,7 @@
                 </a:tc>
                 <a:extLst>
                   <a:ext uri="{0D108BD9-81ED-4DB2-BD59-A6C34878D82A}">
-                    <a16:rowId xmlns:a16="http://schemas.microsoft.com/office/drawing/2014/main" val="10001"/>
+                    <a16:rowId xmlns="" xmlns:a16="http://schemas.microsoft.com/office/drawing/2014/main" val="10001"/>
                   </a:ext>
                 </a:extLst>
               </a:tr>
@@ -21386,7 +19690,7 @@
                 </a:tc>
                 <a:extLst>
                   <a:ext uri="{0D108BD9-81ED-4DB2-BD59-A6C34878D82A}">
-                    <a16:rowId xmlns:a16="http://schemas.microsoft.com/office/drawing/2014/main" val="10002"/>
+                    <a16:rowId xmlns="" xmlns:a16="http://schemas.microsoft.com/office/drawing/2014/main" val="10002"/>
                   </a:ext>
                 </a:extLst>
               </a:tr>
@@ -21425,7 +19729,7 @@
                 </a:tc>
                 <a:extLst>
                   <a:ext uri="{0D108BD9-81ED-4DB2-BD59-A6C34878D82A}">
-                    <a16:rowId xmlns:a16="http://schemas.microsoft.com/office/drawing/2014/main" val="10003"/>
+                    <a16:rowId xmlns="" xmlns:a16="http://schemas.microsoft.com/office/drawing/2014/main" val="10003"/>
                   </a:ext>
                 </a:extLst>
               </a:tr>
@@ -21464,7 +19768,7 @@
                 </a:tc>
                 <a:extLst>
                   <a:ext uri="{0D108BD9-81ED-4DB2-BD59-A6C34878D82A}">
-                    <a16:rowId xmlns:a16="http://schemas.microsoft.com/office/drawing/2014/main" val="10004"/>
+                    <a16:rowId xmlns="" xmlns:a16="http://schemas.microsoft.com/office/drawing/2014/main" val="10004"/>
                   </a:ext>
                 </a:extLst>
               </a:tr>
@@ -21503,7 +19807,7 @@
                 </a:tc>
                 <a:extLst>
                   <a:ext uri="{0D108BD9-81ED-4DB2-BD59-A6C34878D82A}">
-                    <a16:rowId xmlns:a16="http://schemas.microsoft.com/office/drawing/2014/main" val="10005"/>
+                    <a16:rowId xmlns="" xmlns:a16="http://schemas.microsoft.com/office/drawing/2014/main" val="10005"/>
                   </a:ext>
                 </a:extLst>
               </a:tr>
@@ -21538,7 +19842,7 @@
                 </a:tc>
                 <a:extLst>
                   <a:ext uri="{0D108BD9-81ED-4DB2-BD59-A6C34878D82A}">
-                    <a16:rowId xmlns:a16="http://schemas.microsoft.com/office/drawing/2014/main" val="10006"/>
+                    <a16:rowId xmlns="" xmlns:a16="http://schemas.microsoft.com/office/drawing/2014/main" val="10006"/>
                   </a:ext>
                 </a:extLst>
               </a:tr>
@@ -21585,7 +19889,7 @@
                 </a:tc>
                 <a:extLst>
                   <a:ext uri="{0D108BD9-81ED-4DB2-BD59-A6C34878D82A}">
-                    <a16:rowId xmlns:a16="http://schemas.microsoft.com/office/drawing/2014/main" val="10007"/>
+                    <a16:rowId xmlns="" xmlns:a16="http://schemas.microsoft.com/office/drawing/2014/main" val="10007"/>
                   </a:ext>
                 </a:extLst>
               </a:tr>
@@ -22845,8 +21149,16 @@
               <a:buChar char="v"/>
             </a:pPr>
             <a:r>
+              <a:rPr lang="en-US" sz="2800" smtClean="0"/>
+              <a:t>Python </a:t>
+            </a:r>
+            <a:r>
+              <a:rPr lang="en-US" sz="2800" smtClean="0"/>
+              <a:t>3.10 being </a:t>
+            </a:r>
+            <a:r>
               <a:rPr lang="en-US" sz="2800" dirty="0" smtClean="0"/>
-              <a:t>Python 3.7.3 being the latest version</a:t>
+              <a:t>the latest version</a:t>
             </a:r>
           </a:p>
           <a:p>
@@ -23033,14 +21345,14 @@
                 <a:gridCol w="4064000">
                   <a:extLst>
                     <a:ext uri="{9D8B030D-6E8A-4147-A177-3AD203B41FA5}">
-                      <a16:colId xmlns:a16="http://schemas.microsoft.com/office/drawing/2014/main" val="4185674831"/>
+                      <a16:colId xmlns="" xmlns:a16="http://schemas.microsoft.com/office/drawing/2014/main" val="4185674831"/>
                     </a:ext>
                   </a:extLst>
                 </a:gridCol>
                 <a:gridCol w="4064000">
                   <a:extLst>
                     <a:ext uri="{9D8B030D-6E8A-4147-A177-3AD203B41FA5}">
-                      <a16:colId xmlns:a16="http://schemas.microsoft.com/office/drawing/2014/main" val="3457811982"/>
+                      <a16:colId xmlns="" xmlns:a16="http://schemas.microsoft.com/office/drawing/2014/main" val="3457811982"/>
                     </a:ext>
                   </a:extLst>
                 </a:gridCol>
@@ -23076,7 +21388,7 @@
                 </a:tc>
                 <a:extLst>
                   <a:ext uri="{0D108BD9-81ED-4DB2-BD59-A6C34878D82A}">
-                    <a16:rowId xmlns:a16="http://schemas.microsoft.com/office/drawing/2014/main" val="21305500"/>
+                    <a16:rowId xmlns="" xmlns:a16="http://schemas.microsoft.com/office/drawing/2014/main" val="21305500"/>
                   </a:ext>
                 </a:extLst>
               </a:tr>
@@ -23111,7 +21423,7 @@
                 </a:tc>
                 <a:extLst>
                   <a:ext uri="{0D108BD9-81ED-4DB2-BD59-A6C34878D82A}">
-                    <a16:rowId xmlns:a16="http://schemas.microsoft.com/office/drawing/2014/main" val="556931713"/>
+                    <a16:rowId xmlns="" xmlns:a16="http://schemas.microsoft.com/office/drawing/2014/main" val="556931713"/>
                   </a:ext>
                 </a:extLst>
               </a:tr>
@@ -23150,7 +21462,7 @@
                 </a:tc>
                 <a:extLst>
                   <a:ext uri="{0D108BD9-81ED-4DB2-BD59-A6C34878D82A}">
-                    <a16:rowId xmlns:a16="http://schemas.microsoft.com/office/drawing/2014/main" val="500124281"/>
+                    <a16:rowId xmlns="" xmlns:a16="http://schemas.microsoft.com/office/drawing/2014/main" val="500124281"/>
                   </a:ext>
                 </a:extLst>
               </a:tr>
@@ -23185,7 +21497,7 @@
                 </a:tc>
                 <a:extLst>
                   <a:ext uri="{0D108BD9-81ED-4DB2-BD59-A6C34878D82A}">
-                    <a16:rowId xmlns:a16="http://schemas.microsoft.com/office/drawing/2014/main" val="1719416032"/>
+                    <a16:rowId xmlns="" xmlns:a16="http://schemas.microsoft.com/office/drawing/2014/main" val="1719416032"/>
                   </a:ext>
                 </a:extLst>
               </a:tr>
@@ -23224,7 +21536,7 @@
                 </a:tc>
                 <a:extLst>
                   <a:ext uri="{0D108BD9-81ED-4DB2-BD59-A6C34878D82A}">
-                    <a16:rowId xmlns:a16="http://schemas.microsoft.com/office/drawing/2014/main" val="554582280"/>
+                    <a16:rowId xmlns="" xmlns:a16="http://schemas.microsoft.com/office/drawing/2014/main" val="554582280"/>
                   </a:ext>
                 </a:extLst>
               </a:tr>
@@ -23263,7 +21575,7 @@
                 </a:tc>
                 <a:extLst>
                   <a:ext uri="{0D108BD9-81ED-4DB2-BD59-A6C34878D82A}">
-                    <a16:rowId xmlns:a16="http://schemas.microsoft.com/office/drawing/2014/main" val="4044386005"/>
+                    <a16:rowId xmlns="" xmlns:a16="http://schemas.microsoft.com/office/drawing/2014/main" val="4044386005"/>
                   </a:ext>
                 </a:extLst>
               </a:tr>
@@ -23310,7 +21622,7 @@
                 </a:tc>
                 <a:extLst>
                   <a:ext uri="{0D108BD9-81ED-4DB2-BD59-A6C34878D82A}">
-                    <a16:rowId xmlns:a16="http://schemas.microsoft.com/office/drawing/2014/main" val="3420515704"/>
+                    <a16:rowId xmlns="" xmlns:a16="http://schemas.microsoft.com/office/drawing/2014/main" val="3420515704"/>
                   </a:ext>
                 </a:extLst>
               </a:tr>
@@ -23349,7 +21661,7 @@
                 </a:tc>
                 <a:extLst>
                   <a:ext uri="{0D108BD9-81ED-4DB2-BD59-A6C34878D82A}">
-                    <a16:rowId xmlns:a16="http://schemas.microsoft.com/office/drawing/2014/main" val="3609253396"/>
+                    <a16:rowId xmlns="" xmlns:a16="http://schemas.microsoft.com/office/drawing/2014/main" val="3609253396"/>
                   </a:ext>
                 </a:extLst>
               </a:tr>
@@ -23388,7 +21700,7 @@
                 </a:tc>
                 <a:extLst>
                   <a:ext uri="{0D108BD9-81ED-4DB2-BD59-A6C34878D82A}">
-                    <a16:rowId xmlns:a16="http://schemas.microsoft.com/office/drawing/2014/main" val="1821851117"/>
+                    <a16:rowId xmlns="" xmlns:a16="http://schemas.microsoft.com/office/drawing/2014/main" val="1821851117"/>
                   </a:ext>
                 </a:extLst>
               </a:tr>
@@ -23427,7 +21739,7 @@
                 </a:tc>
                 <a:extLst>
                   <a:ext uri="{0D108BD9-81ED-4DB2-BD59-A6C34878D82A}">
-                    <a16:rowId xmlns:a16="http://schemas.microsoft.com/office/drawing/2014/main" val="1832300161"/>
+                    <a16:rowId xmlns="" xmlns:a16="http://schemas.microsoft.com/office/drawing/2014/main" val="1832300161"/>
                   </a:ext>
                 </a:extLst>
               </a:tr>
@@ -23466,7 +21778,7 @@
                 </a:tc>
                 <a:extLst>
                   <a:ext uri="{0D108BD9-81ED-4DB2-BD59-A6C34878D82A}">
-                    <a16:rowId xmlns:a16="http://schemas.microsoft.com/office/drawing/2014/main" val="3034341144"/>
+                    <a16:rowId xmlns="" xmlns:a16="http://schemas.microsoft.com/office/drawing/2014/main" val="3034341144"/>
                   </a:ext>
                 </a:extLst>
               </a:tr>
@@ -23517,7 +21829,7 @@
                 </a:tc>
                 <a:extLst>
                   <a:ext uri="{0D108BD9-81ED-4DB2-BD59-A6C34878D82A}">
-                    <a16:rowId xmlns:a16="http://schemas.microsoft.com/office/drawing/2014/main" val="3393940464"/>
+                    <a16:rowId xmlns="" xmlns:a16="http://schemas.microsoft.com/office/drawing/2014/main" val="3393940464"/>
                   </a:ext>
                 </a:extLst>
               </a:tr>
@@ -23552,7 +21864,7 @@
                 </a:tc>
                 <a:extLst>
                   <a:ext uri="{0D108BD9-81ED-4DB2-BD59-A6C34878D82A}">
-                    <a16:rowId xmlns:a16="http://schemas.microsoft.com/office/drawing/2014/main" val="3410715699"/>
+                    <a16:rowId xmlns="" xmlns:a16="http://schemas.microsoft.com/office/drawing/2014/main" val="3410715699"/>
                   </a:ext>
                 </a:extLst>
               </a:tr>
@@ -23587,7 +21899,7 @@
                 </a:tc>
                 <a:extLst>
                   <a:ext uri="{0D108BD9-81ED-4DB2-BD59-A6C34878D82A}">
-                    <a16:rowId xmlns:a16="http://schemas.microsoft.com/office/drawing/2014/main" val="497416907"/>
+                    <a16:rowId xmlns="" xmlns:a16="http://schemas.microsoft.com/office/drawing/2014/main" val="497416907"/>
                   </a:ext>
                 </a:extLst>
               </a:tr>
@@ -23626,7 +21938,7 @@
                 </a:tc>
                 <a:extLst>
                   <a:ext uri="{0D108BD9-81ED-4DB2-BD59-A6C34878D82A}">
-                    <a16:rowId xmlns:a16="http://schemas.microsoft.com/office/drawing/2014/main" val="158688358"/>
+                    <a16:rowId xmlns="" xmlns:a16="http://schemas.microsoft.com/office/drawing/2014/main" val="158688358"/>
                   </a:ext>
                 </a:extLst>
               </a:tr>
@@ -23695,14 +22007,14 @@
                 <a:gridCol w="4310743">
                   <a:extLst>
                     <a:ext uri="{9D8B030D-6E8A-4147-A177-3AD203B41FA5}">
-                      <a16:colId xmlns:a16="http://schemas.microsoft.com/office/drawing/2014/main" val="2330253208"/>
+                      <a16:colId xmlns="" xmlns:a16="http://schemas.microsoft.com/office/drawing/2014/main" val="2330253208"/>
                     </a:ext>
                   </a:extLst>
                 </a:gridCol>
                 <a:gridCol w="4310743">
                   <a:extLst>
                     <a:ext uri="{9D8B030D-6E8A-4147-A177-3AD203B41FA5}">
-                      <a16:colId xmlns:a16="http://schemas.microsoft.com/office/drawing/2014/main" val="1677152985"/>
+                      <a16:colId xmlns="" xmlns:a16="http://schemas.microsoft.com/office/drawing/2014/main" val="1677152985"/>
                     </a:ext>
                   </a:extLst>
                 </a:gridCol>
@@ -23738,7 +22050,7 @@
                 </a:tc>
                 <a:extLst>
                   <a:ext uri="{0D108BD9-81ED-4DB2-BD59-A6C34878D82A}">
-                    <a16:rowId xmlns:a16="http://schemas.microsoft.com/office/drawing/2014/main" val="1386955443"/>
+                    <a16:rowId xmlns="" xmlns:a16="http://schemas.microsoft.com/office/drawing/2014/main" val="1386955443"/>
                   </a:ext>
                 </a:extLst>
               </a:tr>
@@ -23777,7 +22089,7 @@
                 </a:tc>
                 <a:extLst>
                   <a:ext uri="{0D108BD9-81ED-4DB2-BD59-A6C34878D82A}">
-                    <a16:rowId xmlns:a16="http://schemas.microsoft.com/office/drawing/2014/main" val="1296435960"/>
+                    <a16:rowId xmlns="" xmlns:a16="http://schemas.microsoft.com/office/drawing/2014/main" val="1296435960"/>
                   </a:ext>
                 </a:extLst>
               </a:tr>
@@ -23816,7 +22128,7 @@
                 </a:tc>
                 <a:extLst>
                   <a:ext uri="{0D108BD9-81ED-4DB2-BD59-A6C34878D82A}">
-                    <a16:rowId xmlns:a16="http://schemas.microsoft.com/office/drawing/2014/main" val="3982172748"/>
+                    <a16:rowId xmlns="" xmlns:a16="http://schemas.microsoft.com/office/drawing/2014/main" val="3982172748"/>
                   </a:ext>
                 </a:extLst>
               </a:tr>
@@ -23855,7 +22167,7 @@
                 </a:tc>
                 <a:extLst>
                   <a:ext uri="{0D108BD9-81ED-4DB2-BD59-A6C34878D82A}">
-                    <a16:rowId xmlns:a16="http://schemas.microsoft.com/office/drawing/2014/main" val="340388665"/>
+                    <a16:rowId xmlns="" xmlns:a16="http://schemas.microsoft.com/office/drawing/2014/main" val="340388665"/>
                   </a:ext>
                 </a:extLst>
               </a:tr>
@@ -23894,7 +22206,7 @@
                 </a:tc>
                 <a:extLst>
                   <a:ext uri="{0D108BD9-81ED-4DB2-BD59-A6C34878D82A}">
-                    <a16:rowId xmlns:a16="http://schemas.microsoft.com/office/drawing/2014/main" val="3489570174"/>
+                    <a16:rowId xmlns="" xmlns:a16="http://schemas.microsoft.com/office/drawing/2014/main" val="3489570174"/>
                   </a:ext>
                 </a:extLst>
               </a:tr>
@@ -23941,7 +22253,7 @@
                 </a:tc>
                 <a:extLst>
                   <a:ext uri="{0D108BD9-81ED-4DB2-BD59-A6C34878D82A}">
-                    <a16:rowId xmlns:a16="http://schemas.microsoft.com/office/drawing/2014/main" val="730423723"/>
+                    <a16:rowId xmlns="" xmlns:a16="http://schemas.microsoft.com/office/drawing/2014/main" val="730423723"/>
                   </a:ext>
                 </a:extLst>
               </a:tr>
@@ -23984,7 +22296,7 @@
                 </a:tc>
                 <a:extLst>
                   <a:ext uri="{0D108BD9-81ED-4DB2-BD59-A6C34878D82A}">
-                    <a16:rowId xmlns:a16="http://schemas.microsoft.com/office/drawing/2014/main" val="3023009798"/>
+                    <a16:rowId xmlns="" xmlns:a16="http://schemas.microsoft.com/office/drawing/2014/main" val="3023009798"/>
                   </a:ext>
                 </a:extLst>
               </a:tr>
@@ -24019,7 +22331,7 @@
                 </a:tc>
                 <a:extLst>
                   <a:ext uri="{0D108BD9-81ED-4DB2-BD59-A6C34878D82A}">
-                    <a16:rowId xmlns:a16="http://schemas.microsoft.com/office/drawing/2014/main" val="1749897529"/>
+                    <a16:rowId xmlns="" xmlns:a16="http://schemas.microsoft.com/office/drawing/2014/main" val="1749897529"/>
                   </a:ext>
                 </a:extLst>
               </a:tr>
@@ -24058,7 +22370,7 @@
                 </a:tc>
                 <a:extLst>
                   <a:ext uri="{0D108BD9-81ED-4DB2-BD59-A6C34878D82A}">
-                    <a16:rowId xmlns:a16="http://schemas.microsoft.com/office/drawing/2014/main" val="2730762864"/>
+                    <a16:rowId xmlns="" xmlns:a16="http://schemas.microsoft.com/office/drawing/2014/main" val="2730762864"/>
                   </a:ext>
                 </a:extLst>
               </a:tr>
@@ -24093,7 +22405,7 @@
                 </a:tc>
                 <a:extLst>
                   <a:ext uri="{0D108BD9-81ED-4DB2-BD59-A6C34878D82A}">
-                    <a16:rowId xmlns:a16="http://schemas.microsoft.com/office/drawing/2014/main" val="2995452917"/>
+                    <a16:rowId xmlns="" xmlns:a16="http://schemas.microsoft.com/office/drawing/2014/main" val="2995452917"/>
                   </a:ext>
                 </a:extLst>
               </a:tr>
@@ -24128,7 +22440,7 @@
                 </a:tc>
                 <a:extLst>
                   <a:ext uri="{0D108BD9-81ED-4DB2-BD59-A6C34878D82A}">
-                    <a16:rowId xmlns:a16="http://schemas.microsoft.com/office/drawing/2014/main" val="3671156940"/>
+                    <a16:rowId xmlns="" xmlns:a16="http://schemas.microsoft.com/office/drawing/2014/main" val="3671156940"/>
                   </a:ext>
                 </a:extLst>
               </a:tr>
@@ -26811,22 +25123,42 @@
           </a:p>
           <a:p>
             <a:r>
-              <a:rPr lang="en-US" dirty="0"/>
+              <a:rPr lang="en-US" dirty="0">
+                <a:solidFill>
+                  <a:schemeClr val="tx1"/>
+                </a:solidFill>
+              </a:rPr>
               <a:t>_ </a:t>
             </a:r>
             <a:r>
-              <a:rPr lang="en-US" dirty="0" smtClean="0"/>
+              <a:rPr lang="en-US" dirty="0" smtClean="0">
+                <a:solidFill>
+                  <a:schemeClr val="tx1"/>
+                </a:solidFill>
+              </a:rPr>
               <a:t>variable by default stores </a:t>
             </a:r>
             <a:r>
-              <a:rPr lang="en-US" dirty="0"/>
+              <a:rPr lang="en-US" dirty="0">
+                <a:solidFill>
+                  <a:schemeClr val="tx1"/>
+                </a:solidFill>
+              </a:rPr>
               <a:t>previous </a:t>
             </a:r>
             <a:r>
-              <a:rPr lang="en-US" dirty="0" smtClean="0"/>
+              <a:rPr lang="en-US" dirty="0" smtClean="0">
+                <a:solidFill>
+                  <a:schemeClr val="tx1"/>
+                </a:solidFill>
+              </a:rPr>
               <a:t>value printed on console</a:t>
             </a:r>
-            <a:endParaRPr lang="en-US" dirty="0"/>
+            <a:endParaRPr lang="en-US" dirty="0">
+              <a:solidFill>
+                <a:schemeClr val="tx1"/>
+              </a:solidFill>
+            </a:endParaRPr>
           </a:p>
         </p:txBody>
       </p:sp>

--- a/PythonBasics/PythonGenesis.pptx
+++ b/PythonBasics/PythonGenesis.pptx
@@ -4561,8 +4561,8 @@
     <dgm:cxn modelId="{DA1176DE-67CE-41B7-AE42-A3493F7C36F5}" type="presOf" srcId="{79D2D06C-C39D-4930-A774-BD2468BD05E5}" destId="{134D37B6-B253-46F1-9A5D-9B00B8ED689B}" srcOrd="0" destOrd="0" presId="urn:microsoft.com/office/officeart/2005/8/layout/default"/>
     <dgm:cxn modelId="{1203E6C9-BC16-4C9D-8C38-9B6F8CD6C908}" srcId="{7D26B4E5-0823-4210-BB86-284C8BA79671}" destId="{51333C7D-3D42-4121-A5BE-0751B5F86F51}" srcOrd="1" destOrd="0" parTransId="{C622EC16-01A9-4DBF-BD57-15808F8E0C42}" sibTransId="{4F862EEC-8E69-4279-8667-13AECC0B6E23}"/>
     <dgm:cxn modelId="{F2E1BF05-2730-415D-9E1B-CB193BF08C52}" srcId="{7D26B4E5-0823-4210-BB86-284C8BA79671}" destId="{79D2D06C-C39D-4930-A774-BD2468BD05E5}" srcOrd="2" destOrd="0" parTransId="{9D017E91-2E2A-41F4-878E-C02C1792F924}" sibTransId="{CCE543A3-E450-48FF-9979-C53244DA6725}"/>
+    <dgm:cxn modelId="{C7E5B860-4111-4AD5-B3FA-3E3A7563727D}" type="presOf" srcId="{51333C7D-3D42-4121-A5BE-0751B5F86F51}" destId="{54815A2C-EA9A-454E-A84F-E7AF58879A02}" srcOrd="0" destOrd="0" presId="urn:microsoft.com/office/officeart/2005/8/layout/default"/>
     <dgm:cxn modelId="{384EA75B-4850-4DAE-84D1-50FC08F45E12}" type="presOf" srcId="{30BC94D9-8313-49C4-B2AC-344D4A8CE470}" destId="{99462403-13B0-4D1A-A93C-F3E334087172}" srcOrd="0" destOrd="0" presId="urn:microsoft.com/office/officeart/2005/8/layout/default"/>
-    <dgm:cxn modelId="{C7E5B860-4111-4AD5-B3FA-3E3A7563727D}" type="presOf" srcId="{51333C7D-3D42-4121-A5BE-0751B5F86F51}" destId="{54815A2C-EA9A-454E-A84F-E7AF58879A02}" srcOrd="0" destOrd="0" presId="urn:microsoft.com/office/officeart/2005/8/layout/default"/>
     <dgm:cxn modelId="{B726A53C-7C96-4E77-BBC8-A68AC608043D}" srcId="{7D26B4E5-0823-4210-BB86-284C8BA79671}" destId="{30BC94D9-8313-49C4-B2AC-344D4A8CE470}" srcOrd="0" destOrd="0" parTransId="{ED9D062F-0928-40B6-B61E-F5256A30AB4E}" sibTransId="{F0862225-778C-4BB9-9D69-770C68EE05D8}"/>
     <dgm:cxn modelId="{12674B60-CBAB-4084-8718-2E3E75CA2C06}" type="presParOf" srcId="{3EF6E7B2-7F83-4AA7-9785-0F06FD51C1D2}" destId="{99462403-13B0-4D1A-A93C-F3E334087172}" srcOrd="0" destOrd="0" presId="urn:microsoft.com/office/officeart/2005/8/layout/default"/>
     <dgm:cxn modelId="{BD1A81FE-33D5-4184-83B9-9B8AE107FB5C}" type="presParOf" srcId="{3EF6E7B2-7F83-4AA7-9785-0F06FD51C1D2}" destId="{FFAEFB43-CE6D-4968-8420-7240A0CE22FB}" srcOrd="1" destOrd="0" presId="urn:microsoft.com/office/officeart/2005/8/layout/default"/>
@@ -5152,15 +5152,27 @@
       <dsp:cNvGrpSpPr/>
     </dsp:nvGrpSpPr>
     <dsp:grpSpPr/>
-    <dsp:sp modelId="{83599FEE-C020-40CE-9654-E639D5DEA2AD}">
+  </dsp:spTree>
+</dsp:drawing>
+</file>
+
+<file path=ppt/diagrams/drawing2.xml><?xml version="1.0" encoding="utf-8"?>
+<dsp:drawing xmlns:dgm="http://schemas.openxmlformats.org/drawingml/2006/diagram" xmlns:dsp="http://schemas.microsoft.com/office/drawing/2008/diagram" xmlns:a="http://schemas.openxmlformats.org/drawingml/2006/main">
+  <dsp:spTree>
+    <dsp:nvGrpSpPr>
+      <dsp:cNvPr id="0" name=""/>
+      <dsp:cNvGrpSpPr/>
+    </dsp:nvGrpSpPr>
+    <dsp:grpSpPr/>
+    <dsp:sp modelId="{42088DFD-6090-4685-B7AE-DFF8CABA46AE}">
       <dsp:nvSpPr>
         <dsp:cNvPr id="0" name=""/>
         <dsp:cNvSpPr/>
       </dsp:nvSpPr>
       <dsp:spPr>
         <a:xfrm>
-          <a:off x="0" y="298402"/>
-          <a:ext cx="8761185" cy="1216800"/>
+          <a:off x="308218" y="51138"/>
+          <a:ext cx="2127715" cy="450614"/>
         </a:xfrm>
         <a:prstGeom prst="roundRect">
           <a:avLst/>
@@ -5201,12 +5213,12 @@
         </a:fontRef>
       </dsp:style>
       <dsp:txBody>
-        <a:bodyPr spcFirstLastPara="0" vert="horz" wrap="square" lIns="106680" tIns="106680" rIns="106680" bIns="106680" numCol="1" spcCol="1270" anchor="ctr" anchorCtr="0">
+        <a:bodyPr spcFirstLastPara="0" vert="horz" wrap="square" lIns="72390" tIns="72390" rIns="72390" bIns="72390" numCol="1" spcCol="1270" anchor="ctr" anchorCtr="0">
           <a:noAutofit/>
         </a:bodyPr>
         <a:lstStyle/>
         <a:p>
-          <a:pPr lvl="0" algn="l" defTabSz="1244600">
+          <a:pPr lvl="0" algn="l" defTabSz="844550">
             <a:lnSpc>
               <a:spcPct val="90000"/>
             </a:lnSpc>
@@ -5218,30 +5230,26 @@
             </a:spcAft>
           </a:pPr>
           <a:r>
-            <a:rPr lang="en-US" sz="2800" b="1" kern="1200" dirty="0" smtClean="0"/>
-            <a:t>Print() </a:t>
+            <a:rPr lang="en-US" sz="1900" kern="1200" dirty="0" smtClean="0"/>
+            <a:t>Lists</a:t>
           </a:r>
-          <a:r>
-            <a:rPr lang="en-US" sz="2800" kern="1200" dirty="0" smtClean="0"/>
-            <a:t>: Print is used to output data to console</a:t>
-          </a:r>
-          <a:endParaRPr lang="en-US" sz="2800" kern="1200" dirty="0"/>
+          <a:endParaRPr lang="en-US" sz="1900" kern="1200" dirty="0"/>
         </a:p>
       </dsp:txBody>
       <dsp:txXfrm>
-        <a:off x="59399" y="357801"/>
-        <a:ext cx="8642387" cy="1098002"/>
+        <a:off x="330215" y="73135"/>
+        <a:ext cx="2083721" cy="406620"/>
       </dsp:txXfrm>
     </dsp:sp>
-    <dsp:sp modelId="{564EE38F-BC6E-4BB8-BA36-F8A851F86505}">
+    <dsp:sp modelId="{A6C87BEC-2A94-4607-8944-A58E05D9AFCB}">
       <dsp:nvSpPr>
         <dsp:cNvPr id="0" name=""/>
         <dsp:cNvSpPr/>
       </dsp:nvSpPr>
       <dsp:spPr>
         <a:xfrm>
-          <a:off x="0" y="1515202"/>
-          <a:ext cx="8761185" cy="1311862"/>
+          <a:off x="0" y="482468"/>
+          <a:ext cx="9104086" cy="671525"/>
         </a:xfrm>
         <a:prstGeom prst="rect">
           <a:avLst/>
@@ -5265,12 +5273,12 @@
         <a:fontRef idx="minor"/>
       </dsp:style>
       <dsp:txBody>
-        <a:bodyPr spcFirstLastPara="0" vert="horz" wrap="square" lIns="278168" tIns="20320" rIns="113792" bIns="20320" numCol="1" spcCol="1270" anchor="t" anchorCtr="0">
+        <a:bodyPr spcFirstLastPara="0" vert="horz" wrap="square" lIns="289055" tIns="24130" rIns="135128" bIns="24130" numCol="1" spcCol="1270" anchor="t" anchorCtr="0">
           <a:noAutofit/>
         </a:bodyPr>
         <a:lstStyle/>
         <a:p>
-          <a:pPr marL="171450" lvl="1" indent="-171450" algn="l" defTabSz="711200">
+          <a:pPr marL="114300" lvl="1" indent="-114300" algn="l" defTabSz="666750">
             <a:lnSpc>
               <a:spcPct val="90000"/>
             </a:lnSpc>
@@ -5283,13 +5291,13 @@
             <a:buChar char="••"/>
           </a:pPr>
           <a:r>
-            <a:rPr lang="en-US" sz="1600" kern="1200" dirty="0" smtClean="0"/>
-            <a:t>Eg: print(“Hello World”)</a:t>
+            <a:rPr lang="en-US" sz="1500" kern="1200" dirty="0" smtClean="0"/>
+            <a:t>List is collection of elements of multiple data types</a:t>
           </a:r>
-          <a:endParaRPr lang="en-US" sz="1600" kern="1200" dirty="0"/>
+          <a:endParaRPr lang="en-US" sz="1500" kern="1200" dirty="0"/>
         </a:p>
         <a:p>
-          <a:pPr marL="171450" lvl="1" indent="-171450" algn="l" defTabSz="711200">
+          <a:pPr marL="114300" lvl="1" indent="-114300" algn="l" defTabSz="666750">
             <a:lnSpc>
               <a:spcPct val="90000"/>
             </a:lnSpc>
@@ -5302,111 +5310,26 @@
             <a:buChar char="••"/>
           </a:pPr>
           <a:r>
-            <a:rPr lang="en-US" sz="1600" kern="1200" dirty="0" smtClean="0"/>
-            <a:t>Print(</a:t>
+            <a:rPr lang="en-US" sz="1500" kern="1200" dirty="0" smtClean="0"/>
+            <a:t>They are ordered, changeable and allow duplicate data</a:t>
           </a:r>
-          <a:r>
-            <a:rPr lang="en-US" sz="1600" kern="1200" dirty="0" err="1" smtClean="0"/>
-            <a:t>a+b</a:t>
-          </a:r>
-          <a:r>
-            <a:rPr lang="en-US" sz="1600" kern="1200" dirty="0" smtClean="0"/>
-            <a:t>+”variables”) or print(</a:t>
-          </a:r>
-          <a:r>
-            <a:rPr lang="en-US" sz="1600" kern="1200" dirty="0" err="1" smtClean="0"/>
-            <a:t>a,b,”Variables</a:t>
-          </a:r>
-          <a:r>
-            <a:rPr lang="en-US" sz="1600" kern="1200" dirty="0" smtClean="0"/>
-            <a:t>”)</a:t>
-          </a:r>
-          <a:endParaRPr lang="en-US" sz="1600" kern="1200" dirty="0"/>
-        </a:p>
-        <a:p>
-          <a:pPr marL="171450" lvl="1" indent="-171450" algn="l" defTabSz="711200">
-            <a:lnSpc>
-              <a:spcPct val="90000"/>
-            </a:lnSpc>
-            <a:spcBef>
-              <a:spcPct val="0"/>
-            </a:spcBef>
-            <a:spcAft>
-              <a:spcPct val="20000"/>
-            </a:spcAft>
-            <a:buChar char="••"/>
-          </a:pPr>
-          <a:r>
-            <a:rPr lang="en-US" sz="1600" kern="1200" dirty="0" smtClean="0"/>
-            <a:t>Print(“C style print %s”%</a:t>
-          </a:r>
-          <a:r>
-            <a:rPr lang="en-US" sz="1600" kern="1200" dirty="0" err="1" smtClean="0"/>
-            <a:t>var</a:t>
-          </a:r>
-          <a:r>
-            <a:rPr lang="en-US" sz="1600" kern="1200" dirty="0" smtClean="0"/>
-            <a:t>)</a:t>
-          </a:r>
-          <a:endParaRPr lang="en-US" sz="1600" kern="1200" dirty="0"/>
-        </a:p>
-        <a:p>
-          <a:pPr marL="171450" lvl="1" indent="-171450" algn="l" defTabSz="711200">
-            <a:lnSpc>
-              <a:spcPct val="90000"/>
-            </a:lnSpc>
-            <a:spcBef>
-              <a:spcPct val="0"/>
-            </a:spcBef>
-            <a:spcAft>
-              <a:spcPct val="20000"/>
-            </a:spcAft>
-            <a:buChar char="••"/>
-          </a:pPr>
-          <a:r>
-            <a:rPr lang="en-US" sz="1600" kern="1200" dirty="0" smtClean="0"/>
-            <a:t>Print(“</a:t>
-          </a:r>
-          <a:r>
-            <a:rPr lang="en-US" sz="1600" kern="1200" dirty="0" err="1" smtClean="0"/>
-            <a:t>toBePrinted</a:t>
-          </a:r>
-          <a:r>
-            <a:rPr lang="en-US" sz="1600" kern="1200" dirty="0" smtClean="0"/>
-            <a:t>”,end = “ ”) will add space instead of newline after every print</a:t>
-          </a:r>
-          <a:endParaRPr lang="en-US" sz="1600" kern="1200" dirty="0"/>
-        </a:p>
-        <a:p>
-          <a:pPr marL="171450" lvl="1" indent="-171450" algn="l" defTabSz="711200">
-            <a:lnSpc>
-              <a:spcPct val="90000"/>
-            </a:lnSpc>
-            <a:spcBef>
-              <a:spcPct val="0"/>
-            </a:spcBef>
-            <a:spcAft>
-              <a:spcPct val="20000"/>
-            </a:spcAft>
-            <a:buChar char="••"/>
-          </a:pPr>
-          <a:endParaRPr lang="en-US" sz="1600" kern="1200" dirty="0"/>
+          <a:endParaRPr lang="en-US" sz="1500" kern="1200" dirty="0"/>
         </a:p>
       </dsp:txBody>
       <dsp:txXfrm>
-        <a:off x="0" y="1515202"/>
-        <a:ext cx="8761185" cy="1311862"/>
+        <a:off x="0" y="482468"/>
+        <a:ext cx="9104086" cy="671525"/>
       </dsp:txXfrm>
     </dsp:sp>
-    <dsp:sp modelId="{0623EE68-79FB-4251-9FEC-C23E5069C361}">
+    <dsp:sp modelId="{2B7CC9F1-2236-4A70-90A5-DF4F4B2A7E32}">
       <dsp:nvSpPr>
         <dsp:cNvPr id="0" name=""/>
         <dsp:cNvSpPr/>
       </dsp:nvSpPr>
       <dsp:spPr>
         <a:xfrm>
-          <a:off x="0" y="2827064"/>
-          <a:ext cx="8761185" cy="1216800"/>
+          <a:off x="267842" y="1360908"/>
+          <a:ext cx="2402022" cy="451938"/>
         </a:xfrm>
         <a:prstGeom prst="roundRect">
           <a:avLst/>
@@ -5447,12 +5370,12 @@
         </a:fontRef>
       </dsp:style>
       <dsp:txBody>
-        <a:bodyPr spcFirstLastPara="0" vert="horz" wrap="square" lIns="91440" tIns="91440" rIns="91440" bIns="91440" numCol="1" spcCol="1270" anchor="ctr" anchorCtr="0">
+        <a:bodyPr spcFirstLastPara="0" vert="horz" wrap="square" lIns="72390" tIns="72390" rIns="72390" bIns="72390" numCol="1" spcCol="1270" anchor="ctr" anchorCtr="0">
           <a:noAutofit/>
         </a:bodyPr>
         <a:lstStyle/>
         <a:p>
-          <a:pPr lvl="0" algn="l" defTabSz="1066800">
+          <a:pPr lvl="0" algn="l" defTabSz="844550">
             <a:lnSpc>
               <a:spcPct val="90000"/>
             </a:lnSpc>
@@ -5464,30 +5387,26 @@
             </a:spcAft>
           </a:pPr>
           <a:r>
-            <a:rPr lang="en-US" sz="2400" b="1" kern="1200" dirty="0" smtClean="0"/>
-            <a:t>Input(): </a:t>
+            <a:rPr lang="en-US" sz="1900" kern="1200" dirty="0" smtClean="0"/>
+            <a:t>Dictionary</a:t>
           </a:r>
-          <a:r>
-            <a:rPr lang="en-US" sz="2400" kern="1200" dirty="0" smtClean="0"/>
-            <a:t>Input is used to take string input from the console</a:t>
-          </a:r>
-          <a:endParaRPr lang="en-US" sz="2400" kern="1200" dirty="0"/>
+          <a:endParaRPr lang="en-US" sz="1900" kern="1200" dirty="0"/>
         </a:p>
       </dsp:txBody>
       <dsp:txXfrm>
-        <a:off x="59399" y="2886463"/>
-        <a:ext cx="8642387" cy="1098002"/>
+        <a:off x="289904" y="1382970"/>
+        <a:ext cx="2357898" cy="407814"/>
       </dsp:txXfrm>
     </dsp:sp>
-    <dsp:sp modelId="{DDB2B987-A535-4A9F-B85A-5F52F6733F28}">
+    <dsp:sp modelId="{6624F5A8-0EA7-42FE-BFE9-23511CB9C4FF}">
       <dsp:nvSpPr>
         <dsp:cNvPr id="0" name=""/>
         <dsp:cNvSpPr/>
       </dsp:nvSpPr>
       <dsp:spPr>
         <a:xfrm>
-          <a:off x="0" y="4043864"/>
-          <a:ext cx="8761185" cy="1076400"/>
+          <a:off x="0" y="1787292"/>
+          <a:ext cx="9104086" cy="746746"/>
         </a:xfrm>
         <a:prstGeom prst="rect">
           <a:avLst/>
@@ -5511,12 +5430,12 @@
         <a:fontRef idx="minor"/>
       </dsp:style>
       <dsp:txBody>
-        <a:bodyPr spcFirstLastPara="0" vert="horz" wrap="square" lIns="278168" tIns="22860" rIns="128016" bIns="22860" numCol="1" spcCol="1270" anchor="t" anchorCtr="0">
+        <a:bodyPr spcFirstLastPara="0" vert="horz" wrap="square" lIns="289055" tIns="24130" rIns="135128" bIns="24130" numCol="1" spcCol="1270" anchor="t" anchorCtr="0">
           <a:noAutofit/>
         </a:bodyPr>
         <a:lstStyle/>
         <a:p>
-          <a:pPr marL="171450" lvl="1" indent="-171450" algn="l" defTabSz="800100">
+          <a:pPr marL="114300" lvl="1" indent="-114300" algn="l" defTabSz="666750">
             <a:lnSpc>
               <a:spcPct val="90000"/>
             </a:lnSpc>
@@ -5529,25 +5448,13 @@
             <a:buChar char="••"/>
           </a:pPr>
           <a:r>
-            <a:rPr lang="en-US" sz="1800" b="1" kern="1200" dirty="0" smtClean="0"/>
-            <a:t>Syntax</a:t>
+            <a:rPr lang="en-US" sz="1500" kern="1200" dirty="0" smtClean="0"/>
+            <a:t>Dictionary is collection of key value pairs of multiple datatypes</a:t>
           </a:r>
-          <a:r>
-            <a:rPr lang="en-US" sz="1800" kern="1200" dirty="0" smtClean="0"/>
-            <a:t>: </a:t>
-          </a:r>
-          <a:r>
-            <a:rPr lang="en-US" sz="1800" kern="1200" dirty="0" err="1" smtClean="0"/>
-            <a:t>myData</a:t>
-          </a:r>
-          <a:r>
-            <a:rPr lang="en-US" sz="1800" kern="1200" dirty="0" smtClean="0"/>
-            <a:t> = input(“prompt”)</a:t>
-          </a:r>
-          <a:endParaRPr lang="en-US" sz="1800" kern="1200" dirty="0"/>
+          <a:endParaRPr lang="en-US" sz="1500" kern="1200" dirty="0"/>
         </a:p>
         <a:p>
-          <a:pPr marL="171450" lvl="1" indent="-171450" algn="l" defTabSz="800100">
+          <a:pPr marL="114300" lvl="1" indent="-114300" algn="l" defTabSz="666750">
             <a:lnSpc>
               <a:spcPct val="90000"/>
             </a:lnSpc>
@@ -5560,37 +5467,339 @@
             <a:buChar char="••"/>
           </a:pPr>
           <a:r>
-            <a:rPr lang="en-US" sz="1800" kern="1200" dirty="0" smtClean="0"/>
-            <a:t>Eg: </a:t>
+            <a:rPr lang="en-US" sz="1500" kern="1200" dirty="0" smtClean="0"/>
+            <a:t>They are unordered, and do not allow duplication of data</a:t>
           </a:r>
-          <a:r>
-            <a:rPr lang="en-US" sz="1800" kern="1200" dirty="0" err="1" smtClean="0"/>
-            <a:t>myName</a:t>
-          </a:r>
-          <a:r>
-            <a:rPr lang="en-US" sz="1800" kern="1200" dirty="0" smtClean="0"/>
-            <a:t> = input(“Please enter your name”)</a:t>
-          </a:r>
-          <a:endParaRPr lang="en-US" sz="1800" kern="1200" dirty="0"/>
+          <a:endParaRPr lang="en-US" sz="1500" kern="1200" dirty="0"/>
         </a:p>
       </dsp:txBody>
       <dsp:txXfrm>
-        <a:off x="0" y="4043864"/>
-        <a:ext cx="8761185" cy="1076400"/>
+        <a:off x="0" y="1787292"/>
+        <a:ext cx="9104086" cy="746746"/>
       </dsp:txXfrm>
     </dsp:sp>
-  </dsp:spTree>
-</dsp:drawing>
-</file>
-
-<file path=ppt/diagrams/drawing2.xml><?xml version="1.0" encoding="utf-8"?>
-<dsp:drawing xmlns:dgm="http://schemas.openxmlformats.org/drawingml/2006/diagram" xmlns:dsp="http://schemas.microsoft.com/office/drawing/2008/diagram" xmlns:a="http://schemas.openxmlformats.org/drawingml/2006/main">
-  <dsp:spTree>
-    <dsp:nvGrpSpPr>
-      <dsp:cNvPr id="0" name=""/>
-      <dsp:cNvGrpSpPr/>
-    </dsp:nvGrpSpPr>
-    <dsp:grpSpPr/>
+    <dsp:sp modelId="{2392C761-2288-42F7-9971-A54F06445DD3}">
+      <dsp:nvSpPr>
+        <dsp:cNvPr id="0" name=""/>
+        <dsp:cNvSpPr/>
+      </dsp:nvSpPr>
+      <dsp:spPr>
+        <a:xfrm>
+          <a:off x="271074" y="2611282"/>
+          <a:ext cx="2373162" cy="537159"/>
+        </a:xfrm>
+        <a:prstGeom prst="roundRect">
+          <a:avLst/>
+        </a:prstGeom>
+        <a:solidFill>
+          <a:schemeClr val="accent1">
+            <a:hueOff val="0"/>
+            <a:satOff val="0"/>
+            <a:lumOff val="0"/>
+            <a:alphaOff val="0"/>
+          </a:schemeClr>
+        </a:solidFill>
+        <a:ln w="19050" cap="rnd" cmpd="sng" algn="ctr">
+          <a:solidFill>
+            <a:schemeClr val="lt1">
+              <a:hueOff val="0"/>
+              <a:satOff val="0"/>
+              <a:lumOff val="0"/>
+              <a:alphaOff val="0"/>
+            </a:schemeClr>
+          </a:solidFill>
+          <a:prstDash val="solid"/>
+        </a:ln>
+        <a:effectLst/>
+      </dsp:spPr>
+      <dsp:style>
+        <a:lnRef idx="2">
+          <a:scrgbClr r="0" g="0" b="0"/>
+        </a:lnRef>
+        <a:fillRef idx="1">
+          <a:scrgbClr r="0" g="0" b="0"/>
+        </a:fillRef>
+        <a:effectRef idx="0">
+          <a:scrgbClr r="0" g="0" b="0"/>
+        </a:effectRef>
+        <a:fontRef idx="minor">
+          <a:schemeClr val="lt1"/>
+        </a:fontRef>
+      </dsp:style>
+      <dsp:txBody>
+        <a:bodyPr spcFirstLastPara="0" vert="horz" wrap="square" lIns="72390" tIns="72390" rIns="72390" bIns="72390" numCol="1" spcCol="1270" anchor="ctr" anchorCtr="0">
+          <a:noAutofit/>
+        </a:bodyPr>
+        <a:lstStyle/>
+        <a:p>
+          <a:pPr lvl="0" algn="l" defTabSz="844550">
+            <a:lnSpc>
+              <a:spcPct val="90000"/>
+            </a:lnSpc>
+            <a:spcBef>
+              <a:spcPct val="0"/>
+            </a:spcBef>
+            <a:spcAft>
+              <a:spcPct val="35000"/>
+            </a:spcAft>
+          </a:pPr>
+          <a:r>
+            <a:rPr lang="en-US" sz="1900" kern="1200" dirty="0" smtClean="0"/>
+            <a:t>Set</a:t>
+          </a:r>
+          <a:endParaRPr lang="en-US" sz="1900" kern="1200" dirty="0"/>
+        </a:p>
+      </dsp:txBody>
+      <dsp:txXfrm>
+        <a:off x="297296" y="2637504"/>
+        <a:ext cx="2320718" cy="484715"/>
+      </dsp:txXfrm>
+    </dsp:sp>
+    <dsp:sp modelId="{1DE5BBB3-2273-4070-A0F7-4B026D925310}">
+      <dsp:nvSpPr>
+        <dsp:cNvPr id="0" name=""/>
+        <dsp:cNvSpPr/>
+      </dsp:nvSpPr>
+      <dsp:spPr>
+        <a:xfrm>
+          <a:off x="0" y="3136515"/>
+          <a:ext cx="9104086" cy="1340325"/>
+        </a:xfrm>
+        <a:prstGeom prst="rect">
+          <a:avLst/>
+        </a:prstGeom>
+        <a:noFill/>
+        <a:ln>
+          <a:noFill/>
+        </a:ln>
+        <a:effectLst/>
+      </dsp:spPr>
+      <dsp:style>
+        <a:lnRef idx="0">
+          <a:scrgbClr r="0" g="0" b="0"/>
+        </a:lnRef>
+        <a:fillRef idx="0">
+          <a:scrgbClr r="0" g="0" b="0"/>
+        </a:fillRef>
+        <a:effectRef idx="0">
+          <a:scrgbClr r="0" g="0" b="0"/>
+        </a:effectRef>
+        <a:fontRef idx="minor"/>
+      </dsp:style>
+      <dsp:txBody>
+        <a:bodyPr spcFirstLastPara="0" vert="horz" wrap="square" lIns="289055" tIns="24130" rIns="135128" bIns="24130" numCol="1" spcCol="1270" anchor="t" anchorCtr="0">
+          <a:noAutofit/>
+        </a:bodyPr>
+        <a:lstStyle/>
+        <a:p>
+          <a:pPr marL="114300" lvl="1" indent="-114300" algn="l" defTabSz="666750">
+            <a:lnSpc>
+              <a:spcPct val="90000"/>
+            </a:lnSpc>
+            <a:spcBef>
+              <a:spcPct val="0"/>
+            </a:spcBef>
+            <a:spcAft>
+              <a:spcPct val="20000"/>
+            </a:spcAft>
+            <a:buChar char="••"/>
+          </a:pPr>
+          <a:r>
+            <a:rPr lang="en-US" sz="1500" kern="1200" dirty="0" smtClean="0"/>
+            <a:t>Set is collection of unordered, unindexed elements</a:t>
+          </a:r>
+          <a:endParaRPr lang="en-US" sz="1500" kern="1200" dirty="0"/>
+        </a:p>
+        <a:p>
+          <a:pPr marL="114300" lvl="1" indent="-114300" algn="l" defTabSz="666750">
+            <a:lnSpc>
+              <a:spcPct val="90000"/>
+            </a:lnSpc>
+            <a:spcBef>
+              <a:spcPct val="0"/>
+            </a:spcBef>
+            <a:spcAft>
+              <a:spcPct val="20000"/>
+            </a:spcAft>
+            <a:buChar char="••"/>
+          </a:pPr>
+          <a:r>
+            <a:rPr lang="en-US" sz="1500" kern="1200" dirty="0" smtClean="0"/>
+            <a:t>It </a:t>
+          </a:r>
+          <a:r>
+            <a:rPr lang="en-US" sz="1500" kern="1200" dirty="0" err="1" smtClean="0"/>
+            <a:t>doesnot</a:t>
+          </a:r>
+          <a:r>
+            <a:rPr lang="en-US" sz="1500" kern="1200" dirty="0" smtClean="0"/>
+            <a:t> allow duplicate elements</a:t>
+          </a:r>
+          <a:endParaRPr lang="en-US" sz="1500" kern="1200" dirty="0"/>
+        </a:p>
+      </dsp:txBody>
+      <dsp:txXfrm>
+        <a:off x="0" y="3136515"/>
+        <a:ext cx="9104086" cy="1340325"/>
+      </dsp:txXfrm>
+    </dsp:sp>
+    <dsp:sp modelId="{C90E58D3-9CAD-4882-B1EA-B785BF6EF145}">
+      <dsp:nvSpPr>
+        <dsp:cNvPr id="0" name=""/>
+        <dsp:cNvSpPr/>
+      </dsp:nvSpPr>
+      <dsp:spPr>
+        <a:xfrm>
+          <a:off x="278129" y="4224870"/>
+          <a:ext cx="2055156" cy="478839"/>
+        </a:xfrm>
+        <a:prstGeom prst="roundRect">
+          <a:avLst/>
+        </a:prstGeom>
+        <a:solidFill>
+          <a:schemeClr val="accent1">
+            <a:hueOff val="0"/>
+            <a:satOff val="0"/>
+            <a:lumOff val="0"/>
+            <a:alphaOff val="0"/>
+          </a:schemeClr>
+        </a:solidFill>
+        <a:ln w="19050" cap="rnd" cmpd="sng" algn="ctr">
+          <a:solidFill>
+            <a:schemeClr val="lt1">
+              <a:hueOff val="0"/>
+              <a:satOff val="0"/>
+              <a:lumOff val="0"/>
+              <a:alphaOff val="0"/>
+            </a:schemeClr>
+          </a:solidFill>
+          <a:prstDash val="solid"/>
+        </a:ln>
+        <a:effectLst/>
+      </dsp:spPr>
+      <dsp:style>
+        <a:lnRef idx="2">
+          <a:scrgbClr r="0" g="0" b="0"/>
+        </a:lnRef>
+        <a:fillRef idx="1">
+          <a:scrgbClr r="0" g="0" b="0"/>
+        </a:fillRef>
+        <a:effectRef idx="0">
+          <a:scrgbClr r="0" g="0" b="0"/>
+        </a:effectRef>
+        <a:fontRef idx="minor">
+          <a:schemeClr val="lt1"/>
+        </a:fontRef>
+      </dsp:style>
+      <dsp:txBody>
+        <a:bodyPr spcFirstLastPara="0" vert="horz" wrap="square" lIns="72390" tIns="72390" rIns="72390" bIns="72390" numCol="1" spcCol="1270" anchor="ctr" anchorCtr="0">
+          <a:noAutofit/>
+        </a:bodyPr>
+        <a:lstStyle/>
+        <a:p>
+          <a:pPr lvl="0" algn="l" defTabSz="844550">
+            <a:lnSpc>
+              <a:spcPct val="90000"/>
+            </a:lnSpc>
+            <a:spcBef>
+              <a:spcPct val="0"/>
+            </a:spcBef>
+            <a:spcAft>
+              <a:spcPct val="35000"/>
+            </a:spcAft>
+          </a:pPr>
+          <a:r>
+            <a:rPr lang="en-US" sz="1900" kern="1200" dirty="0" smtClean="0"/>
+            <a:t>Tuple</a:t>
+          </a:r>
+          <a:endParaRPr lang="en-US" sz="1900" kern="1200" dirty="0"/>
+        </a:p>
+      </dsp:txBody>
+      <dsp:txXfrm>
+        <a:off x="301504" y="4248245"/>
+        <a:ext cx="2008406" cy="432089"/>
+      </dsp:txXfrm>
+    </dsp:sp>
+    <dsp:sp modelId="{9787CA5F-DD77-456B-B71C-5281F2ABC09F}">
+      <dsp:nvSpPr>
+        <dsp:cNvPr id="0" name=""/>
+        <dsp:cNvSpPr/>
+      </dsp:nvSpPr>
+      <dsp:spPr>
+        <a:xfrm>
+          <a:off x="0" y="4692372"/>
+          <a:ext cx="9104086" cy="1340325"/>
+        </a:xfrm>
+        <a:prstGeom prst="rect">
+          <a:avLst/>
+        </a:prstGeom>
+        <a:noFill/>
+        <a:ln>
+          <a:noFill/>
+        </a:ln>
+        <a:effectLst/>
+      </dsp:spPr>
+      <dsp:style>
+        <a:lnRef idx="0">
+          <a:scrgbClr r="0" g="0" b="0"/>
+        </a:lnRef>
+        <a:fillRef idx="0">
+          <a:scrgbClr r="0" g="0" b="0"/>
+        </a:fillRef>
+        <a:effectRef idx="0">
+          <a:scrgbClr r="0" g="0" b="0"/>
+        </a:effectRef>
+        <a:fontRef idx="minor"/>
+      </dsp:style>
+      <dsp:txBody>
+        <a:bodyPr spcFirstLastPara="0" vert="horz" wrap="square" lIns="289055" tIns="24130" rIns="135128" bIns="24130" numCol="1" spcCol="1270" anchor="t" anchorCtr="0">
+          <a:noAutofit/>
+        </a:bodyPr>
+        <a:lstStyle/>
+        <a:p>
+          <a:pPr marL="114300" lvl="1" indent="-114300" algn="l" defTabSz="666750">
+            <a:lnSpc>
+              <a:spcPct val="90000"/>
+            </a:lnSpc>
+            <a:spcBef>
+              <a:spcPct val="0"/>
+            </a:spcBef>
+            <a:spcAft>
+              <a:spcPct val="20000"/>
+            </a:spcAft>
+            <a:buChar char="••"/>
+          </a:pPr>
+          <a:r>
+            <a:rPr lang="en-US" sz="1500" kern="1200" dirty="0" smtClean="0"/>
+            <a:t>A tuple is ordered, allows duplicate members</a:t>
+          </a:r>
+          <a:endParaRPr lang="en-US" sz="1500" kern="1200" dirty="0"/>
+        </a:p>
+        <a:p>
+          <a:pPr marL="114300" lvl="1" indent="-114300" algn="l" defTabSz="666750">
+            <a:lnSpc>
+              <a:spcPct val="90000"/>
+            </a:lnSpc>
+            <a:spcBef>
+              <a:spcPct val="0"/>
+            </a:spcBef>
+            <a:spcAft>
+              <a:spcPct val="20000"/>
+            </a:spcAft>
+            <a:buChar char="••"/>
+          </a:pPr>
+          <a:r>
+            <a:rPr lang="en-US" sz="1500" kern="1200" dirty="0" smtClean="0"/>
+            <a:t>It is immutable, no elements can be added or modified</a:t>
+          </a:r>
+          <a:endParaRPr lang="en-US" sz="1500" kern="1200" dirty="0"/>
+        </a:p>
+      </dsp:txBody>
+      <dsp:txXfrm>
+        <a:off x="0" y="4692372"/>
+        <a:ext cx="9104086" cy="1340325"/>
+      </dsp:txXfrm>
+    </dsp:sp>
   </dsp:spTree>
 </dsp:drawing>
 </file>
@@ -5603,6 +5812,338 @@
       <dsp:cNvGrpSpPr/>
     </dsp:nvGrpSpPr>
     <dsp:grpSpPr/>
+    <dsp:sp modelId="{99462403-13B0-4D1A-A93C-F3E334087172}">
+      <dsp:nvSpPr>
+        <dsp:cNvPr id="0" name=""/>
+        <dsp:cNvSpPr/>
+      </dsp:nvSpPr>
+      <dsp:spPr>
+        <a:xfrm>
+          <a:off x="992171" y="194"/>
+          <a:ext cx="4167905" cy="2500743"/>
+        </a:xfrm>
+        <a:prstGeom prst="rect">
+          <a:avLst/>
+        </a:prstGeom>
+        <a:solidFill>
+          <a:schemeClr val="accent1">
+            <a:hueOff val="0"/>
+            <a:satOff val="0"/>
+            <a:lumOff val="0"/>
+            <a:alphaOff val="0"/>
+          </a:schemeClr>
+        </a:solidFill>
+        <a:ln w="19050" cap="rnd" cmpd="sng" algn="ctr">
+          <a:solidFill>
+            <a:schemeClr val="lt1">
+              <a:hueOff val="0"/>
+              <a:satOff val="0"/>
+              <a:lumOff val="0"/>
+              <a:alphaOff val="0"/>
+            </a:schemeClr>
+          </a:solidFill>
+          <a:prstDash val="solid"/>
+        </a:ln>
+        <a:effectLst/>
+      </dsp:spPr>
+      <dsp:style>
+        <a:lnRef idx="2">
+          <a:scrgbClr r="0" g="0" b="0"/>
+        </a:lnRef>
+        <a:fillRef idx="1">
+          <a:scrgbClr r="0" g="0" b="0"/>
+        </a:fillRef>
+        <a:effectRef idx="0">
+          <a:scrgbClr r="0" g="0" b="0"/>
+        </a:effectRef>
+        <a:fontRef idx="minor">
+          <a:schemeClr val="lt1"/>
+        </a:fontRef>
+      </dsp:style>
+      <dsp:txBody>
+        <a:bodyPr spcFirstLastPara="0" vert="horz" wrap="square" lIns="137160" tIns="137160" rIns="137160" bIns="137160" numCol="1" spcCol="1270" anchor="ctr" anchorCtr="0">
+          <a:noAutofit/>
+        </a:bodyPr>
+        <a:lstStyle/>
+        <a:p>
+          <a:pPr lvl="0" algn="ctr" defTabSz="1600200">
+            <a:lnSpc>
+              <a:spcPct val="90000"/>
+            </a:lnSpc>
+            <a:spcBef>
+              <a:spcPct val="0"/>
+            </a:spcBef>
+            <a:spcAft>
+              <a:spcPct val="35000"/>
+            </a:spcAft>
+          </a:pPr>
+          <a:r>
+            <a:rPr lang="en-US" sz="3600" kern="1200" dirty="0" smtClean="0"/>
+            <a:t>Continue:</a:t>
+          </a:r>
+        </a:p>
+        <a:p>
+          <a:pPr lvl="0" algn="ctr" defTabSz="1600200">
+            <a:lnSpc>
+              <a:spcPct val="90000"/>
+            </a:lnSpc>
+            <a:spcBef>
+              <a:spcPct val="0"/>
+            </a:spcBef>
+            <a:spcAft>
+              <a:spcPct val="35000"/>
+            </a:spcAft>
+          </a:pPr>
+          <a:r>
+            <a:rPr lang="en-US" sz="1800" b="1" kern="1200" dirty="0" smtClean="0"/>
+            <a:t>The execution continues from next iteration of outer most loop</a:t>
+          </a:r>
+        </a:p>
+        <a:p>
+          <a:pPr lvl="0" algn="ctr" defTabSz="1600200">
+            <a:lnSpc>
+              <a:spcPct val="90000"/>
+            </a:lnSpc>
+            <a:spcBef>
+              <a:spcPct val="0"/>
+            </a:spcBef>
+            <a:spcAft>
+              <a:spcPct val="35000"/>
+            </a:spcAft>
+          </a:pPr>
+          <a:r>
+            <a:rPr lang="en-US" sz="1800" b="1" kern="1200" dirty="0" smtClean="0"/>
+            <a:t>Statements below continue are not executed</a:t>
+          </a:r>
+          <a:endParaRPr lang="en-US" sz="1800" b="1" kern="1200" dirty="0"/>
+        </a:p>
+      </dsp:txBody>
+      <dsp:txXfrm>
+        <a:off x="992171" y="194"/>
+        <a:ext cx="4167905" cy="2500743"/>
+      </dsp:txXfrm>
+    </dsp:sp>
+    <dsp:sp modelId="{54815A2C-EA9A-454E-A84F-E7AF58879A02}">
+      <dsp:nvSpPr>
+        <dsp:cNvPr id="0" name=""/>
+        <dsp:cNvSpPr/>
+      </dsp:nvSpPr>
+      <dsp:spPr>
+        <a:xfrm>
+          <a:off x="6359099" y="70515"/>
+          <a:ext cx="4167905" cy="2500743"/>
+        </a:xfrm>
+        <a:prstGeom prst="rect">
+          <a:avLst/>
+        </a:prstGeom>
+        <a:solidFill>
+          <a:schemeClr val="accent1">
+            <a:hueOff val="0"/>
+            <a:satOff val="0"/>
+            <a:lumOff val="0"/>
+            <a:alphaOff val="0"/>
+          </a:schemeClr>
+        </a:solidFill>
+        <a:ln w="19050" cap="rnd" cmpd="sng" algn="ctr">
+          <a:solidFill>
+            <a:schemeClr val="lt1">
+              <a:hueOff val="0"/>
+              <a:satOff val="0"/>
+              <a:lumOff val="0"/>
+              <a:alphaOff val="0"/>
+            </a:schemeClr>
+          </a:solidFill>
+          <a:prstDash val="solid"/>
+        </a:ln>
+        <a:effectLst/>
+      </dsp:spPr>
+      <dsp:style>
+        <a:lnRef idx="2">
+          <a:scrgbClr r="0" g="0" b="0"/>
+        </a:lnRef>
+        <a:fillRef idx="1">
+          <a:scrgbClr r="0" g="0" b="0"/>
+        </a:fillRef>
+        <a:effectRef idx="0">
+          <a:scrgbClr r="0" g="0" b="0"/>
+        </a:effectRef>
+        <a:fontRef idx="minor">
+          <a:schemeClr val="lt1"/>
+        </a:fontRef>
+      </dsp:style>
+      <dsp:txBody>
+        <a:bodyPr spcFirstLastPara="0" vert="horz" wrap="square" lIns="137160" tIns="137160" rIns="137160" bIns="137160" numCol="1" spcCol="1270" anchor="ctr" anchorCtr="0">
+          <a:noAutofit/>
+        </a:bodyPr>
+        <a:lstStyle/>
+        <a:p>
+          <a:pPr lvl="0" algn="ctr" defTabSz="1600200">
+            <a:lnSpc>
+              <a:spcPct val="90000"/>
+            </a:lnSpc>
+            <a:spcBef>
+              <a:spcPct val="0"/>
+            </a:spcBef>
+            <a:spcAft>
+              <a:spcPct val="35000"/>
+            </a:spcAft>
+          </a:pPr>
+          <a:r>
+            <a:rPr lang="en-US" sz="3600" kern="1200" dirty="0" smtClean="0"/>
+            <a:t>Break:</a:t>
+          </a:r>
+        </a:p>
+        <a:p>
+          <a:pPr lvl="0" algn="ctr" defTabSz="1600200">
+            <a:lnSpc>
+              <a:spcPct val="90000"/>
+            </a:lnSpc>
+            <a:spcBef>
+              <a:spcPct val="0"/>
+            </a:spcBef>
+            <a:spcAft>
+              <a:spcPct val="35000"/>
+            </a:spcAft>
+          </a:pPr>
+          <a:r>
+            <a:rPr lang="en-US" sz="1800" b="1" kern="1200" dirty="0" smtClean="0"/>
+            <a:t>Breaks execution of outermost loop</a:t>
+          </a:r>
+        </a:p>
+        <a:p>
+          <a:pPr lvl="0" algn="ctr" defTabSz="1600200">
+            <a:lnSpc>
+              <a:spcPct val="90000"/>
+            </a:lnSpc>
+            <a:spcBef>
+              <a:spcPct val="0"/>
+            </a:spcBef>
+            <a:spcAft>
+              <a:spcPct val="35000"/>
+            </a:spcAft>
+          </a:pPr>
+          <a:r>
+            <a:rPr lang="en-US" sz="1800" b="1" kern="1200" dirty="0" smtClean="0"/>
+            <a:t>Statements below break are not executed</a:t>
+          </a:r>
+          <a:endParaRPr lang="en-US" sz="1800" b="1" kern="1200" dirty="0"/>
+        </a:p>
+      </dsp:txBody>
+      <dsp:txXfrm>
+        <a:off x="6359099" y="70515"/>
+        <a:ext cx="4167905" cy="2500743"/>
+      </dsp:txXfrm>
+    </dsp:sp>
+    <dsp:sp modelId="{134D37B6-B253-46F1-9A5D-9B00B8ED689B}">
+      <dsp:nvSpPr>
+        <dsp:cNvPr id="0" name=""/>
+        <dsp:cNvSpPr/>
+      </dsp:nvSpPr>
+      <dsp:spPr>
+        <a:xfrm>
+          <a:off x="3284519" y="2917728"/>
+          <a:ext cx="4167905" cy="2500743"/>
+        </a:xfrm>
+        <a:prstGeom prst="rect">
+          <a:avLst/>
+        </a:prstGeom>
+        <a:solidFill>
+          <a:schemeClr val="accent1">
+            <a:hueOff val="0"/>
+            <a:satOff val="0"/>
+            <a:lumOff val="0"/>
+            <a:alphaOff val="0"/>
+          </a:schemeClr>
+        </a:solidFill>
+        <a:ln w="19050" cap="rnd" cmpd="sng" algn="ctr">
+          <a:solidFill>
+            <a:schemeClr val="lt1">
+              <a:hueOff val="0"/>
+              <a:satOff val="0"/>
+              <a:lumOff val="0"/>
+              <a:alphaOff val="0"/>
+            </a:schemeClr>
+          </a:solidFill>
+          <a:prstDash val="solid"/>
+        </a:ln>
+        <a:effectLst/>
+      </dsp:spPr>
+      <dsp:style>
+        <a:lnRef idx="2">
+          <a:scrgbClr r="0" g="0" b="0"/>
+        </a:lnRef>
+        <a:fillRef idx="1">
+          <a:scrgbClr r="0" g="0" b="0"/>
+        </a:fillRef>
+        <a:effectRef idx="0">
+          <a:scrgbClr r="0" g="0" b="0"/>
+        </a:effectRef>
+        <a:fontRef idx="minor">
+          <a:schemeClr val="lt1"/>
+        </a:fontRef>
+      </dsp:style>
+      <dsp:txBody>
+        <a:bodyPr spcFirstLastPara="0" vert="horz" wrap="square" lIns="137160" tIns="137160" rIns="137160" bIns="137160" numCol="1" spcCol="1270" anchor="ctr" anchorCtr="0">
+          <a:noAutofit/>
+        </a:bodyPr>
+        <a:lstStyle/>
+        <a:p>
+          <a:pPr lvl="0" algn="ctr" defTabSz="1600200">
+            <a:lnSpc>
+              <a:spcPct val="90000"/>
+            </a:lnSpc>
+            <a:spcBef>
+              <a:spcPct val="0"/>
+            </a:spcBef>
+            <a:spcAft>
+              <a:spcPct val="35000"/>
+            </a:spcAft>
+          </a:pPr>
+          <a:r>
+            <a:rPr lang="en-US" sz="3600" kern="1200" dirty="0" smtClean="0"/>
+            <a:t>Else:</a:t>
+          </a:r>
+        </a:p>
+        <a:p>
+          <a:pPr lvl="0" algn="ctr" defTabSz="1600200">
+            <a:lnSpc>
+              <a:spcPct val="90000"/>
+            </a:lnSpc>
+            <a:spcBef>
+              <a:spcPct val="0"/>
+            </a:spcBef>
+            <a:spcAft>
+              <a:spcPct val="35000"/>
+            </a:spcAft>
+          </a:pPr>
+          <a:r>
+            <a:rPr lang="en-US" sz="1600" b="1" kern="1200" dirty="0" smtClean="0"/>
+            <a:t>Used along with loops(also used for IF) in case the condition evaluates false or the iterations are exhausted</a:t>
+          </a:r>
+        </a:p>
+        <a:p>
+          <a:pPr lvl="0" algn="ctr" defTabSz="1600200">
+            <a:lnSpc>
+              <a:spcPct val="90000"/>
+            </a:lnSpc>
+            <a:spcBef>
+              <a:spcPct val="0"/>
+            </a:spcBef>
+            <a:spcAft>
+              <a:spcPct val="35000"/>
+            </a:spcAft>
+          </a:pPr>
+          <a:r>
+            <a:rPr lang="en-US" sz="1600" b="1" kern="1200" dirty="0" smtClean="0"/>
+            <a:t>Statements in else do not execute in case of Break encountered in preceding loop</a:t>
+          </a:r>
+        </a:p>
+      </dsp:txBody>
+      <dsp:txXfrm>
+        <a:off x="3284519" y="2917728"/>
+        <a:ext cx="4167905" cy="2500743"/>
+      </dsp:txXfrm>
+    </dsp:sp>
   </dsp:spTree>
 </dsp:drawing>
 </file>
@@ -5615,6 +6156,734 @@
       <dsp:cNvGrpSpPr/>
     </dsp:nvGrpSpPr>
     <dsp:grpSpPr/>
+    <dsp:sp modelId="{8908FE56-C8EE-4D35-9A59-4AB7A191F657}">
+      <dsp:nvSpPr>
+        <dsp:cNvPr id="0" name=""/>
+        <dsp:cNvSpPr/>
+      </dsp:nvSpPr>
+      <dsp:spPr>
+        <a:xfrm>
+          <a:off x="0" y="281513"/>
+          <a:ext cx="1863725" cy="613800"/>
+        </a:xfrm>
+        <a:prstGeom prst="rect">
+          <a:avLst/>
+        </a:prstGeom>
+        <a:noFill/>
+        <a:ln>
+          <a:noFill/>
+        </a:ln>
+        <a:effectLst/>
+      </dsp:spPr>
+      <dsp:style>
+        <a:lnRef idx="0">
+          <a:scrgbClr r="0" g="0" b="0"/>
+        </a:lnRef>
+        <a:fillRef idx="0">
+          <a:scrgbClr r="0" g="0" b="0"/>
+        </a:fillRef>
+        <a:effectRef idx="0">
+          <a:scrgbClr r="0" g="0" b="0"/>
+        </a:effectRef>
+        <a:fontRef idx="minor"/>
+      </dsp:style>
+      <dsp:txBody>
+        <a:bodyPr spcFirstLastPara="0" vert="horz" wrap="square" lIns="220472" tIns="78740" rIns="220472" bIns="78740" numCol="1" spcCol="1270" anchor="ctr" anchorCtr="0">
+          <a:noAutofit/>
+        </a:bodyPr>
+        <a:lstStyle/>
+        <a:p>
+          <a:pPr lvl="0" algn="r" defTabSz="1377950">
+            <a:lnSpc>
+              <a:spcPct val="90000"/>
+            </a:lnSpc>
+            <a:spcBef>
+              <a:spcPct val="0"/>
+            </a:spcBef>
+            <a:spcAft>
+              <a:spcPct val="35000"/>
+            </a:spcAft>
+          </a:pPr>
+          <a:r>
+            <a:rPr lang="en-US" sz="3100" kern="1200" dirty="0" smtClean="0"/>
+            <a:t>Id()</a:t>
+          </a:r>
+          <a:endParaRPr lang="en-US" sz="3100" kern="1200" dirty="0"/>
+        </a:p>
+      </dsp:txBody>
+      <dsp:txXfrm>
+        <a:off x="0" y="281513"/>
+        <a:ext cx="1863725" cy="613800"/>
+      </dsp:txXfrm>
+    </dsp:sp>
+    <dsp:sp modelId="{DB868647-CC59-4561-A84F-B135ACC80967}">
+      <dsp:nvSpPr>
+        <dsp:cNvPr id="0" name=""/>
+        <dsp:cNvSpPr/>
+      </dsp:nvSpPr>
+      <dsp:spPr>
+        <a:xfrm>
+          <a:off x="1863724" y="51338"/>
+          <a:ext cx="372745" cy="1074150"/>
+        </a:xfrm>
+        <a:prstGeom prst="leftBrace">
+          <a:avLst>
+            <a:gd name="adj1" fmla="val 35000"/>
+            <a:gd name="adj2" fmla="val 50000"/>
+          </a:avLst>
+        </a:prstGeom>
+        <a:noFill/>
+        <a:ln w="19050" cap="rnd" cmpd="sng" algn="ctr">
+          <a:solidFill>
+            <a:schemeClr val="accent1">
+              <a:shade val="60000"/>
+              <a:hueOff val="0"/>
+              <a:satOff val="0"/>
+              <a:lumOff val="0"/>
+              <a:alphaOff val="0"/>
+            </a:schemeClr>
+          </a:solidFill>
+          <a:prstDash val="solid"/>
+        </a:ln>
+        <a:effectLst/>
+      </dsp:spPr>
+      <dsp:style>
+        <a:lnRef idx="2">
+          <a:scrgbClr r="0" g="0" b="0"/>
+        </a:lnRef>
+        <a:fillRef idx="0">
+          <a:scrgbClr r="0" g="0" b="0"/>
+        </a:fillRef>
+        <a:effectRef idx="0">
+          <a:scrgbClr r="0" g="0" b="0"/>
+        </a:effectRef>
+        <a:fontRef idx="minor"/>
+      </dsp:style>
+    </dsp:sp>
+    <dsp:sp modelId="{4648CA64-7A71-4EF7-982F-2264FAC4C70D}">
+      <dsp:nvSpPr>
+        <dsp:cNvPr id="0" name=""/>
+        <dsp:cNvSpPr/>
+      </dsp:nvSpPr>
+      <dsp:spPr>
+        <a:xfrm>
+          <a:off x="2385567" y="51338"/>
+          <a:ext cx="5069332" cy="1074150"/>
+        </a:xfrm>
+        <a:prstGeom prst="rect">
+          <a:avLst/>
+        </a:prstGeom>
+        <a:solidFill>
+          <a:schemeClr val="accent1">
+            <a:hueOff val="0"/>
+            <a:satOff val="0"/>
+            <a:lumOff val="0"/>
+            <a:alphaOff val="0"/>
+          </a:schemeClr>
+        </a:solidFill>
+        <a:ln w="19050" cap="rnd" cmpd="sng" algn="ctr">
+          <a:solidFill>
+            <a:schemeClr val="lt1">
+              <a:hueOff val="0"/>
+              <a:satOff val="0"/>
+              <a:lumOff val="0"/>
+              <a:alphaOff val="0"/>
+            </a:schemeClr>
+          </a:solidFill>
+          <a:prstDash val="solid"/>
+        </a:ln>
+        <a:effectLst/>
+      </dsp:spPr>
+      <dsp:style>
+        <a:lnRef idx="2">
+          <a:scrgbClr r="0" g="0" b="0"/>
+        </a:lnRef>
+        <a:fillRef idx="1">
+          <a:scrgbClr r="0" g="0" b="0"/>
+        </a:fillRef>
+        <a:effectRef idx="0">
+          <a:scrgbClr r="0" g="0" b="0"/>
+        </a:effectRef>
+        <a:fontRef idx="minor">
+          <a:schemeClr val="lt1"/>
+        </a:fontRef>
+      </dsp:style>
+      <dsp:txBody>
+        <a:bodyPr spcFirstLastPara="0" vert="horz" wrap="square" lIns="118110" tIns="118110" rIns="118110" bIns="118110" numCol="1" spcCol="1270" anchor="ctr" anchorCtr="0">
+          <a:noAutofit/>
+        </a:bodyPr>
+        <a:lstStyle/>
+        <a:p>
+          <a:pPr marL="285750" lvl="1" indent="-285750" algn="l" defTabSz="1377950">
+            <a:lnSpc>
+              <a:spcPct val="90000"/>
+            </a:lnSpc>
+            <a:spcBef>
+              <a:spcPct val="0"/>
+            </a:spcBef>
+            <a:spcAft>
+              <a:spcPct val="15000"/>
+            </a:spcAft>
+            <a:buChar char="••"/>
+          </a:pPr>
+          <a:r>
+            <a:rPr lang="en-US" sz="3100" kern="1200" dirty="0" smtClean="0"/>
+            <a:t>Returns address of object in Memory</a:t>
+          </a:r>
+          <a:endParaRPr lang="en-US" sz="3100" kern="1200" dirty="0"/>
+        </a:p>
+      </dsp:txBody>
+      <dsp:txXfrm>
+        <a:off x="2385567" y="51338"/>
+        <a:ext cx="5069332" cy="1074150"/>
+      </dsp:txXfrm>
+    </dsp:sp>
+    <dsp:sp modelId="{EF5D361A-30BB-41BD-A4AC-1EB793975834}">
+      <dsp:nvSpPr>
+        <dsp:cNvPr id="0" name=""/>
+        <dsp:cNvSpPr/>
+      </dsp:nvSpPr>
+      <dsp:spPr>
+        <a:xfrm>
+          <a:off x="0" y="1467263"/>
+          <a:ext cx="1863725" cy="613800"/>
+        </a:xfrm>
+        <a:prstGeom prst="rect">
+          <a:avLst/>
+        </a:prstGeom>
+        <a:noFill/>
+        <a:ln>
+          <a:noFill/>
+        </a:ln>
+        <a:effectLst/>
+      </dsp:spPr>
+      <dsp:style>
+        <a:lnRef idx="0">
+          <a:scrgbClr r="0" g="0" b="0"/>
+        </a:lnRef>
+        <a:fillRef idx="0">
+          <a:scrgbClr r="0" g="0" b="0"/>
+        </a:fillRef>
+        <a:effectRef idx="0">
+          <a:scrgbClr r="0" g="0" b="0"/>
+        </a:effectRef>
+        <a:fontRef idx="minor"/>
+      </dsp:style>
+      <dsp:txBody>
+        <a:bodyPr spcFirstLastPara="0" vert="horz" wrap="square" lIns="220472" tIns="78740" rIns="220472" bIns="78740" numCol="1" spcCol="1270" anchor="ctr" anchorCtr="0">
+          <a:noAutofit/>
+        </a:bodyPr>
+        <a:lstStyle/>
+        <a:p>
+          <a:pPr lvl="0" algn="r" defTabSz="1377950">
+            <a:lnSpc>
+              <a:spcPct val="90000"/>
+            </a:lnSpc>
+            <a:spcBef>
+              <a:spcPct val="0"/>
+            </a:spcBef>
+            <a:spcAft>
+              <a:spcPct val="35000"/>
+            </a:spcAft>
+          </a:pPr>
+          <a:r>
+            <a:rPr lang="en-US" sz="3100" kern="1200" dirty="0" smtClean="0"/>
+            <a:t>Type()</a:t>
+          </a:r>
+          <a:endParaRPr lang="en-US" sz="3100" kern="1200" dirty="0"/>
+        </a:p>
+      </dsp:txBody>
+      <dsp:txXfrm>
+        <a:off x="0" y="1467263"/>
+        <a:ext cx="1863725" cy="613800"/>
+      </dsp:txXfrm>
+    </dsp:sp>
+    <dsp:sp modelId="{E5BEE8DC-3E30-4C22-BA5D-FD8268AFF7C3}">
+      <dsp:nvSpPr>
+        <dsp:cNvPr id="0" name=""/>
+        <dsp:cNvSpPr/>
+      </dsp:nvSpPr>
+      <dsp:spPr>
+        <a:xfrm>
+          <a:off x="1863724" y="1237088"/>
+          <a:ext cx="372745" cy="1074150"/>
+        </a:xfrm>
+        <a:prstGeom prst="leftBrace">
+          <a:avLst>
+            <a:gd name="adj1" fmla="val 35000"/>
+            <a:gd name="adj2" fmla="val 50000"/>
+          </a:avLst>
+        </a:prstGeom>
+        <a:noFill/>
+        <a:ln w="19050" cap="rnd" cmpd="sng" algn="ctr">
+          <a:solidFill>
+            <a:schemeClr val="accent1">
+              <a:shade val="60000"/>
+              <a:hueOff val="0"/>
+              <a:satOff val="0"/>
+              <a:lumOff val="0"/>
+              <a:alphaOff val="0"/>
+            </a:schemeClr>
+          </a:solidFill>
+          <a:prstDash val="solid"/>
+        </a:ln>
+        <a:effectLst/>
+      </dsp:spPr>
+      <dsp:style>
+        <a:lnRef idx="2">
+          <a:scrgbClr r="0" g="0" b="0"/>
+        </a:lnRef>
+        <a:fillRef idx="0">
+          <a:scrgbClr r="0" g="0" b="0"/>
+        </a:fillRef>
+        <a:effectRef idx="0">
+          <a:scrgbClr r="0" g="0" b="0"/>
+        </a:effectRef>
+        <a:fontRef idx="minor"/>
+      </dsp:style>
+    </dsp:sp>
+    <dsp:sp modelId="{F6AF2FA4-A9DF-45DD-B499-B6EB02BC4417}">
+      <dsp:nvSpPr>
+        <dsp:cNvPr id="0" name=""/>
+        <dsp:cNvSpPr/>
+      </dsp:nvSpPr>
+      <dsp:spPr>
+        <a:xfrm>
+          <a:off x="2385567" y="1237088"/>
+          <a:ext cx="5069332" cy="1074150"/>
+        </a:xfrm>
+        <a:prstGeom prst="rect">
+          <a:avLst/>
+        </a:prstGeom>
+        <a:solidFill>
+          <a:schemeClr val="accent1">
+            <a:hueOff val="0"/>
+            <a:satOff val="0"/>
+            <a:lumOff val="0"/>
+            <a:alphaOff val="0"/>
+          </a:schemeClr>
+        </a:solidFill>
+        <a:ln w="19050" cap="rnd" cmpd="sng" algn="ctr">
+          <a:solidFill>
+            <a:schemeClr val="lt1">
+              <a:hueOff val="0"/>
+              <a:satOff val="0"/>
+              <a:lumOff val="0"/>
+              <a:alphaOff val="0"/>
+            </a:schemeClr>
+          </a:solidFill>
+          <a:prstDash val="solid"/>
+        </a:ln>
+        <a:effectLst/>
+      </dsp:spPr>
+      <dsp:style>
+        <a:lnRef idx="2">
+          <a:scrgbClr r="0" g="0" b="0"/>
+        </a:lnRef>
+        <a:fillRef idx="1">
+          <a:scrgbClr r="0" g="0" b="0"/>
+        </a:fillRef>
+        <a:effectRef idx="0">
+          <a:scrgbClr r="0" g="0" b="0"/>
+        </a:effectRef>
+        <a:fontRef idx="minor">
+          <a:schemeClr val="lt1"/>
+        </a:fontRef>
+      </dsp:style>
+      <dsp:txBody>
+        <a:bodyPr spcFirstLastPara="0" vert="horz" wrap="square" lIns="118110" tIns="118110" rIns="118110" bIns="118110" numCol="1" spcCol="1270" anchor="ctr" anchorCtr="0">
+          <a:noAutofit/>
+        </a:bodyPr>
+        <a:lstStyle/>
+        <a:p>
+          <a:pPr marL="285750" lvl="1" indent="-285750" algn="l" defTabSz="1377950">
+            <a:lnSpc>
+              <a:spcPct val="90000"/>
+            </a:lnSpc>
+            <a:spcBef>
+              <a:spcPct val="0"/>
+            </a:spcBef>
+            <a:spcAft>
+              <a:spcPct val="15000"/>
+            </a:spcAft>
+            <a:buChar char="••"/>
+          </a:pPr>
+          <a:r>
+            <a:rPr lang="en-US" sz="3100" kern="1200" dirty="0" smtClean="0"/>
+            <a:t>Returns the datatype of object</a:t>
+          </a:r>
+          <a:endParaRPr lang="en-US" sz="3100" kern="1200" dirty="0"/>
+        </a:p>
+      </dsp:txBody>
+      <dsp:txXfrm>
+        <a:off x="2385567" y="1237088"/>
+        <a:ext cx="5069332" cy="1074150"/>
+      </dsp:txXfrm>
+    </dsp:sp>
+    <dsp:sp modelId="{3400F948-7DE4-418C-8653-20B7A8563DD2}">
+      <dsp:nvSpPr>
+        <dsp:cNvPr id="0" name=""/>
+        <dsp:cNvSpPr/>
+      </dsp:nvSpPr>
+      <dsp:spPr>
+        <a:xfrm>
+          <a:off x="0" y="2653013"/>
+          <a:ext cx="1863725" cy="613800"/>
+        </a:xfrm>
+        <a:prstGeom prst="rect">
+          <a:avLst/>
+        </a:prstGeom>
+        <a:noFill/>
+        <a:ln>
+          <a:noFill/>
+        </a:ln>
+        <a:effectLst/>
+      </dsp:spPr>
+      <dsp:style>
+        <a:lnRef idx="0">
+          <a:scrgbClr r="0" g="0" b="0"/>
+        </a:lnRef>
+        <a:fillRef idx="0">
+          <a:scrgbClr r="0" g="0" b="0"/>
+        </a:fillRef>
+        <a:effectRef idx="0">
+          <a:scrgbClr r="0" g="0" b="0"/>
+        </a:effectRef>
+        <a:fontRef idx="minor"/>
+      </dsp:style>
+      <dsp:txBody>
+        <a:bodyPr spcFirstLastPara="0" vert="horz" wrap="square" lIns="220472" tIns="78740" rIns="220472" bIns="78740" numCol="1" spcCol="1270" anchor="ctr" anchorCtr="0">
+          <a:noAutofit/>
+        </a:bodyPr>
+        <a:lstStyle/>
+        <a:p>
+          <a:pPr lvl="0" algn="r" defTabSz="1377950">
+            <a:lnSpc>
+              <a:spcPct val="90000"/>
+            </a:lnSpc>
+            <a:spcBef>
+              <a:spcPct val="0"/>
+            </a:spcBef>
+            <a:spcAft>
+              <a:spcPct val="35000"/>
+            </a:spcAft>
+          </a:pPr>
+          <a:r>
+            <a:rPr lang="en-US" sz="3100" kern="1200" dirty="0" smtClean="0"/>
+            <a:t>Help()</a:t>
+          </a:r>
+          <a:endParaRPr lang="en-US" sz="3100" kern="1200" dirty="0"/>
+        </a:p>
+      </dsp:txBody>
+      <dsp:txXfrm>
+        <a:off x="0" y="2653013"/>
+        <a:ext cx="1863725" cy="613800"/>
+      </dsp:txXfrm>
+    </dsp:sp>
+    <dsp:sp modelId="{209E58FD-98E0-4623-82E4-6EC01401FA4F}">
+      <dsp:nvSpPr>
+        <dsp:cNvPr id="0" name=""/>
+        <dsp:cNvSpPr/>
+      </dsp:nvSpPr>
+      <dsp:spPr>
+        <a:xfrm>
+          <a:off x="1863724" y="2422838"/>
+          <a:ext cx="372745" cy="1074150"/>
+        </a:xfrm>
+        <a:prstGeom prst="leftBrace">
+          <a:avLst>
+            <a:gd name="adj1" fmla="val 35000"/>
+            <a:gd name="adj2" fmla="val 50000"/>
+          </a:avLst>
+        </a:prstGeom>
+        <a:noFill/>
+        <a:ln w="19050" cap="rnd" cmpd="sng" algn="ctr">
+          <a:solidFill>
+            <a:schemeClr val="accent1">
+              <a:shade val="60000"/>
+              <a:hueOff val="0"/>
+              <a:satOff val="0"/>
+              <a:lumOff val="0"/>
+              <a:alphaOff val="0"/>
+            </a:schemeClr>
+          </a:solidFill>
+          <a:prstDash val="solid"/>
+        </a:ln>
+        <a:effectLst/>
+      </dsp:spPr>
+      <dsp:style>
+        <a:lnRef idx="2">
+          <a:scrgbClr r="0" g="0" b="0"/>
+        </a:lnRef>
+        <a:fillRef idx="0">
+          <a:scrgbClr r="0" g="0" b="0"/>
+        </a:fillRef>
+        <a:effectRef idx="0">
+          <a:scrgbClr r="0" g="0" b="0"/>
+        </a:effectRef>
+        <a:fontRef idx="minor"/>
+      </dsp:style>
+    </dsp:sp>
+    <dsp:sp modelId="{D74AB3BB-0D19-48EC-8367-C6365A87F202}">
+      <dsp:nvSpPr>
+        <dsp:cNvPr id="0" name=""/>
+        <dsp:cNvSpPr/>
+      </dsp:nvSpPr>
+      <dsp:spPr>
+        <a:xfrm>
+          <a:off x="2385567" y="2422838"/>
+          <a:ext cx="5069332" cy="1074150"/>
+        </a:xfrm>
+        <a:prstGeom prst="rect">
+          <a:avLst/>
+        </a:prstGeom>
+        <a:solidFill>
+          <a:schemeClr val="accent1">
+            <a:hueOff val="0"/>
+            <a:satOff val="0"/>
+            <a:lumOff val="0"/>
+            <a:alphaOff val="0"/>
+          </a:schemeClr>
+        </a:solidFill>
+        <a:ln w="19050" cap="rnd" cmpd="sng" algn="ctr">
+          <a:solidFill>
+            <a:schemeClr val="lt1">
+              <a:hueOff val="0"/>
+              <a:satOff val="0"/>
+              <a:lumOff val="0"/>
+              <a:alphaOff val="0"/>
+            </a:schemeClr>
+          </a:solidFill>
+          <a:prstDash val="solid"/>
+        </a:ln>
+        <a:effectLst/>
+      </dsp:spPr>
+      <dsp:style>
+        <a:lnRef idx="2">
+          <a:scrgbClr r="0" g="0" b="0"/>
+        </a:lnRef>
+        <a:fillRef idx="1">
+          <a:scrgbClr r="0" g="0" b="0"/>
+        </a:fillRef>
+        <a:effectRef idx="0">
+          <a:scrgbClr r="0" g="0" b="0"/>
+        </a:effectRef>
+        <a:fontRef idx="minor">
+          <a:schemeClr val="lt1"/>
+        </a:fontRef>
+      </dsp:style>
+      <dsp:txBody>
+        <a:bodyPr spcFirstLastPara="0" vert="horz" wrap="square" lIns="118110" tIns="118110" rIns="118110" bIns="118110" numCol="1" spcCol="1270" anchor="ctr" anchorCtr="0">
+          <a:noAutofit/>
+        </a:bodyPr>
+        <a:lstStyle/>
+        <a:p>
+          <a:pPr marL="285750" lvl="1" indent="-285750" algn="l" defTabSz="1377950">
+            <a:lnSpc>
+              <a:spcPct val="90000"/>
+            </a:lnSpc>
+            <a:spcBef>
+              <a:spcPct val="0"/>
+            </a:spcBef>
+            <a:spcAft>
+              <a:spcPct val="15000"/>
+            </a:spcAft>
+            <a:buChar char="••"/>
+          </a:pPr>
+          <a:r>
+            <a:rPr lang="en-US" sz="3100" kern="1200" dirty="0" smtClean="0"/>
+            <a:t>Invokes built in system help</a:t>
+          </a:r>
+          <a:endParaRPr lang="en-US" sz="3100" kern="1200" dirty="0"/>
+        </a:p>
+      </dsp:txBody>
+      <dsp:txXfrm>
+        <a:off x="2385567" y="2422838"/>
+        <a:ext cx="5069332" cy="1074150"/>
+      </dsp:txXfrm>
+    </dsp:sp>
+    <dsp:sp modelId="{FC9A5F5C-95CD-444A-AEBE-6A183D56AA17}">
+      <dsp:nvSpPr>
+        <dsp:cNvPr id="0" name=""/>
+        <dsp:cNvSpPr/>
+      </dsp:nvSpPr>
+      <dsp:spPr>
+        <a:xfrm>
+          <a:off x="0" y="3838763"/>
+          <a:ext cx="1863725" cy="613800"/>
+        </a:xfrm>
+        <a:prstGeom prst="rect">
+          <a:avLst/>
+        </a:prstGeom>
+        <a:noFill/>
+        <a:ln>
+          <a:noFill/>
+        </a:ln>
+        <a:effectLst/>
+      </dsp:spPr>
+      <dsp:style>
+        <a:lnRef idx="0">
+          <a:scrgbClr r="0" g="0" b="0"/>
+        </a:lnRef>
+        <a:fillRef idx="0">
+          <a:scrgbClr r="0" g="0" b="0"/>
+        </a:fillRef>
+        <a:effectRef idx="0">
+          <a:scrgbClr r="0" g="0" b="0"/>
+        </a:effectRef>
+        <a:fontRef idx="minor"/>
+      </dsp:style>
+      <dsp:txBody>
+        <a:bodyPr spcFirstLastPara="0" vert="horz" wrap="square" lIns="220472" tIns="78740" rIns="220472" bIns="78740" numCol="1" spcCol="1270" anchor="ctr" anchorCtr="0">
+          <a:noAutofit/>
+        </a:bodyPr>
+        <a:lstStyle/>
+        <a:p>
+          <a:pPr lvl="0" algn="r" defTabSz="1377950">
+            <a:lnSpc>
+              <a:spcPct val="90000"/>
+            </a:lnSpc>
+            <a:spcBef>
+              <a:spcPct val="0"/>
+            </a:spcBef>
+            <a:spcAft>
+              <a:spcPct val="35000"/>
+            </a:spcAft>
+          </a:pPr>
+          <a:r>
+            <a:rPr lang="en-US" sz="3100" kern="1200" dirty="0" smtClean="0"/>
+            <a:t>Dir()</a:t>
+          </a:r>
+          <a:endParaRPr lang="en-US" sz="3100" kern="1200" dirty="0"/>
+        </a:p>
+      </dsp:txBody>
+      <dsp:txXfrm>
+        <a:off x="0" y="3838763"/>
+        <a:ext cx="1863725" cy="613800"/>
+      </dsp:txXfrm>
+    </dsp:sp>
+    <dsp:sp modelId="{C2C5969C-6A1F-4D73-BB00-AAEFC4A46C88}">
+      <dsp:nvSpPr>
+        <dsp:cNvPr id="0" name=""/>
+        <dsp:cNvSpPr/>
+      </dsp:nvSpPr>
+      <dsp:spPr>
+        <a:xfrm>
+          <a:off x="1863724" y="3608588"/>
+          <a:ext cx="372745" cy="1074150"/>
+        </a:xfrm>
+        <a:prstGeom prst="leftBrace">
+          <a:avLst>
+            <a:gd name="adj1" fmla="val 35000"/>
+            <a:gd name="adj2" fmla="val 50000"/>
+          </a:avLst>
+        </a:prstGeom>
+        <a:noFill/>
+        <a:ln w="19050" cap="rnd" cmpd="sng" algn="ctr">
+          <a:solidFill>
+            <a:schemeClr val="accent1">
+              <a:shade val="60000"/>
+              <a:hueOff val="0"/>
+              <a:satOff val="0"/>
+              <a:lumOff val="0"/>
+              <a:alphaOff val="0"/>
+            </a:schemeClr>
+          </a:solidFill>
+          <a:prstDash val="solid"/>
+        </a:ln>
+        <a:effectLst/>
+      </dsp:spPr>
+      <dsp:style>
+        <a:lnRef idx="2">
+          <a:scrgbClr r="0" g="0" b="0"/>
+        </a:lnRef>
+        <a:fillRef idx="0">
+          <a:scrgbClr r="0" g="0" b="0"/>
+        </a:fillRef>
+        <a:effectRef idx="0">
+          <a:scrgbClr r="0" g="0" b="0"/>
+        </a:effectRef>
+        <a:fontRef idx="minor"/>
+      </dsp:style>
+    </dsp:sp>
+    <dsp:sp modelId="{58A008E0-9F02-4ECA-85F8-90E4B86794D5}">
+      <dsp:nvSpPr>
+        <dsp:cNvPr id="0" name=""/>
+        <dsp:cNvSpPr/>
+      </dsp:nvSpPr>
+      <dsp:spPr>
+        <a:xfrm>
+          <a:off x="2385567" y="3608588"/>
+          <a:ext cx="5069332" cy="1074150"/>
+        </a:xfrm>
+        <a:prstGeom prst="rect">
+          <a:avLst/>
+        </a:prstGeom>
+        <a:solidFill>
+          <a:schemeClr val="accent1">
+            <a:hueOff val="0"/>
+            <a:satOff val="0"/>
+            <a:lumOff val="0"/>
+            <a:alphaOff val="0"/>
+          </a:schemeClr>
+        </a:solidFill>
+        <a:ln w="19050" cap="rnd" cmpd="sng" algn="ctr">
+          <a:solidFill>
+            <a:schemeClr val="lt1">
+              <a:hueOff val="0"/>
+              <a:satOff val="0"/>
+              <a:lumOff val="0"/>
+              <a:alphaOff val="0"/>
+            </a:schemeClr>
+          </a:solidFill>
+          <a:prstDash val="solid"/>
+        </a:ln>
+        <a:effectLst/>
+      </dsp:spPr>
+      <dsp:style>
+        <a:lnRef idx="2">
+          <a:scrgbClr r="0" g="0" b="0"/>
+        </a:lnRef>
+        <a:fillRef idx="1">
+          <a:scrgbClr r="0" g="0" b="0"/>
+        </a:fillRef>
+        <a:effectRef idx="0">
+          <a:scrgbClr r="0" g="0" b="0"/>
+        </a:effectRef>
+        <a:fontRef idx="minor">
+          <a:schemeClr val="lt1"/>
+        </a:fontRef>
+      </dsp:style>
+      <dsp:txBody>
+        <a:bodyPr spcFirstLastPara="0" vert="horz" wrap="square" lIns="118110" tIns="118110" rIns="118110" bIns="118110" numCol="1" spcCol="1270" anchor="ctr" anchorCtr="0">
+          <a:noAutofit/>
+        </a:bodyPr>
+        <a:lstStyle/>
+        <a:p>
+          <a:pPr marL="285750" lvl="1" indent="-285750" algn="l" defTabSz="1377950">
+            <a:lnSpc>
+              <a:spcPct val="90000"/>
+            </a:lnSpc>
+            <a:spcBef>
+              <a:spcPct val="0"/>
+            </a:spcBef>
+            <a:spcAft>
+              <a:spcPct val="15000"/>
+            </a:spcAft>
+            <a:buChar char="••"/>
+          </a:pPr>
+          <a:r>
+            <a:rPr lang="en-US" sz="3100" kern="1200" dirty="0" smtClean="0"/>
+            <a:t>Returns attributes of object</a:t>
+          </a:r>
+          <a:endParaRPr lang="en-US" sz="3100" kern="1200" dirty="0"/>
+        </a:p>
+      </dsp:txBody>
+      <dsp:txXfrm>
+        <a:off x="2385567" y="3608588"/>
+        <a:ext cx="5069332" cy="1074150"/>
+      </dsp:txXfrm>
+    </dsp:sp>
   </dsp:spTree>
 </dsp:drawing>
 </file>
@@ -10523,7 +11792,7 @@
           <a:p>
             <a:fld id="{B0296A55-1E20-4084-922D-703F4B5080EE}" type="datetimeFigureOut">
               <a:rPr lang="en-US" smtClean="0"/>
-              <a:t>1/30/2022</a:t>
+              <a:t>1/31/2022</a:t>
             </a:fld>
             <a:endParaRPr lang="en-US"/>
           </a:p>
@@ -11681,7 +12950,7 @@
           <a:p>
             <a:fld id="{74958FEA-78DF-4B0D-B9DB-EA4B7DAB7ECE}" type="datetimeFigureOut">
               <a:rPr lang="en-US" smtClean="0"/>
-              <a:t>1/30/2022</a:t>
+              <a:t>1/31/2022</a:t>
             </a:fld>
             <a:endParaRPr lang="en-US"/>
           </a:p>
@@ -11932,7 +13201,7 @@
           <a:p>
             <a:fld id="{74958FEA-78DF-4B0D-B9DB-EA4B7DAB7ECE}" type="datetimeFigureOut">
               <a:rPr lang="en-US" smtClean="0"/>
-              <a:t>1/30/2022</a:t>
+              <a:t>1/31/2022</a:t>
             </a:fld>
             <a:endParaRPr lang="en-US"/>
           </a:p>
@@ -12246,7 +13515,7 @@
           <a:p>
             <a:fld id="{74958FEA-78DF-4B0D-B9DB-EA4B7DAB7ECE}" type="datetimeFigureOut">
               <a:rPr lang="en-US" smtClean="0"/>
-              <a:t>1/30/2022</a:t>
+              <a:t>1/31/2022</a:t>
             </a:fld>
             <a:endParaRPr lang="en-US"/>
           </a:p>
@@ -12587,7 +13856,7 @@
           <a:p>
             <a:fld id="{74958FEA-78DF-4B0D-B9DB-EA4B7DAB7ECE}" type="datetimeFigureOut">
               <a:rPr lang="en-US" smtClean="0"/>
-              <a:t>1/30/2022</a:t>
+              <a:t>1/31/2022</a:t>
             </a:fld>
             <a:endParaRPr lang="en-US"/>
           </a:p>
@@ -12901,7 +14170,7 @@
           <a:p>
             <a:fld id="{74958FEA-78DF-4B0D-B9DB-EA4B7DAB7ECE}" type="datetimeFigureOut">
               <a:rPr lang="en-US" smtClean="0"/>
-              <a:t>1/30/2022</a:t>
+              <a:t>1/31/2022</a:t>
             </a:fld>
             <a:endParaRPr lang="en-US"/>
           </a:p>
@@ -13294,7 +14563,7 @@
           <a:p>
             <a:fld id="{74958FEA-78DF-4B0D-B9DB-EA4B7DAB7ECE}" type="datetimeFigureOut">
               <a:rPr lang="en-US" smtClean="0"/>
-              <a:t>1/30/2022</a:t>
+              <a:t>1/31/2022</a:t>
             </a:fld>
             <a:endParaRPr lang="en-US"/>
           </a:p>
@@ -13464,7 +14733,7 @@
           <a:p>
             <a:fld id="{74958FEA-78DF-4B0D-B9DB-EA4B7DAB7ECE}" type="datetimeFigureOut">
               <a:rPr lang="en-US" smtClean="0"/>
-              <a:t>1/30/2022</a:t>
+              <a:t>1/31/2022</a:t>
             </a:fld>
             <a:endParaRPr lang="en-US"/>
           </a:p>
@@ -13644,7 +14913,7 @@
           <a:p>
             <a:fld id="{74958FEA-78DF-4B0D-B9DB-EA4B7DAB7ECE}" type="datetimeFigureOut">
               <a:rPr lang="en-US" smtClean="0"/>
-              <a:t>1/30/2022</a:t>
+              <a:t>1/31/2022</a:t>
             </a:fld>
             <a:endParaRPr lang="en-US"/>
           </a:p>
@@ -13820,7 +15089,7 @@
           <a:p>
             <a:fld id="{74958FEA-78DF-4B0D-B9DB-EA4B7DAB7ECE}" type="datetimeFigureOut">
               <a:rPr lang="en-US" smtClean="0"/>
-              <a:t>1/30/2022</a:t>
+              <a:t>1/31/2022</a:t>
             </a:fld>
             <a:endParaRPr lang="en-US"/>
           </a:p>
@@ -14067,7 +15336,7 @@
           <a:p>
             <a:fld id="{74958FEA-78DF-4B0D-B9DB-EA4B7DAB7ECE}" type="datetimeFigureOut">
               <a:rPr lang="en-US" smtClean="0"/>
-              <a:t>1/30/2022</a:t>
+              <a:t>1/31/2022</a:t>
             </a:fld>
             <a:endParaRPr lang="en-US"/>
           </a:p>
@@ -14299,7 +15568,7 @@
           <a:p>
             <a:fld id="{74958FEA-78DF-4B0D-B9DB-EA4B7DAB7ECE}" type="datetimeFigureOut">
               <a:rPr lang="en-US" smtClean="0"/>
-              <a:t>1/30/2022</a:t>
+              <a:t>1/31/2022</a:t>
             </a:fld>
             <a:endParaRPr lang="en-US"/>
           </a:p>
@@ -14673,7 +15942,7 @@
           <a:p>
             <a:fld id="{74958FEA-78DF-4B0D-B9DB-EA4B7DAB7ECE}" type="datetimeFigureOut">
               <a:rPr lang="en-US" smtClean="0"/>
-              <a:t>1/30/2022</a:t>
+              <a:t>1/31/2022</a:t>
             </a:fld>
             <a:endParaRPr lang="en-US"/>
           </a:p>
@@ -14796,7 +16065,7 @@
           <a:p>
             <a:fld id="{74958FEA-78DF-4B0D-B9DB-EA4B7DAB7ECE}" type="datetimeFigureOut">
               <a:rPr lang="en-US" smtClean="0"/>
-              <a:t>1/30/2022</a:t>
+              <a:t>1/31/2022</a:t>
             </a:fld>
             <a:endParaRPr lang="en-US"/>
           </a:p>
@@ -14891,7 +16160,7 @@
           <a:p>
             <a:fld id="{74958FEA-78DF-4B0D-B9DB-EA4B7DAB7ECE}" type="datetimeFigureOut">
               <a:rPr lang="en-US" smtClean="0"/>
-              <a:t>1/30/2022</a:t>
+              <a:t>1/31/2022</a:t>
             </a:fld>
             <a:endParaRPr lang="en-US"/>
           </a:p>
@@ -15146,7 +16415,7 @@
           <a:p>
             <a:fld id="{74958FEA-78DF-4B0D-B9DB-EA4B7DAB7ECE}" type="datetimeFigureOut">
               <a:rPr lang="en-US" smtClean="0"/>
-              <a:t>1/30/2022</a:t>
+              <a:t>1/31/2022</a:t>
             </a:fld>
             <a:endParaRPr lang="en-US"/>
           </a:p>
@@ -15409,7 +16678,7 @@
           <a:p>
             <a:fld id="{74958FEA-78DF-4B0D-B9DB-EA4B7DAB7ECE}" type="datetimeFigureOut">
               <a:rPr lang="en-US" smtClean="0"/>
-              <a:t>1/30/2022</a:t>
+              <a:t>1/31/2022</a:t>
             </a:fld>
             <a:endParaRPr lang="en-US"/>
           </a:p>
@@ -16152,7 +17421,7 @@
           <a:p>
             <a:fld id="{74958FEA-78DF-4B0D-B9DB-EA4B7DAB7ECE}" type="datetimeFigureOut">
               <a:rPr lang="en-US" smtClean="0"/>
-              <a:t>1/30/2022</a:t>
+              <a:t>1/31/2022</a:t>
             </a:fld>
             <a:endParaRPr lang="en-US"/>
           </a:p>
@@ -16875,7 +18144,7 @@
           <p:nvPr>
             <p:extLst>
               <p:ext uri="{D42A27DB-BD31-4B8C-83A1-F6EECF244321}">
-                <p14:modId xmlns:p14="http://schemas.microsoft.com/office/powerpoint/2010/main" val="1569517151"/>
+                <p14:modId xmlns:p14="http://schemas.microsoft.com/office/powerpoint/2010/main" val="2153684553"/>
               </p:ext>
             </p:extLst>
           </p:nvPr>
@@ -16894,14 +18163,14 @@
                 <a:gridCol w="2032000">
                   <a:extLst>
                     <a:ext uri="{9D8B030D-6E8A-4147-A177-3AD203B41FA5}">
-                      <a16:colId xmlns="" xmlns:a16="http://schemas.microsoft.com/office/drawing/2014/main" val="4213896282"/>
+                      <a16:colId xmlns:a16="http://schemas.microsoft.com/office/drawing/2014/main" xmlns="" val="4213896282"/>
                     </a:ext>
                   </a:extLst>
                 </a:gridCol>
                 <a:gridCol w="2032000">
                   <a:extLst>
                     <a:ext uri="{9D8B030D-6E8A-4147-A177-3AD203B41FA5}">
-                      <a16:colId xmlns="" xmlns:a16="http://schemas.microsoft.com/office/drawing/2014/main" val="83866005"/>
+                      <a16:colId xmlns:a16="http://schemas.microsoft.com/office/drawing/2014/main" xmlns="" val="83866005"/>
                     </a:ext>
                   </a:extLst>
                 </a:gridCol>
@@ -16937,7 +18206,7 @@
                 </a:tc>
                 <a:extLst>
                   <a:ext uri="{0D108BD9-81ED-4DB2-BD59-A6C34878D82A}">
-                    <a16:rowId xmlns="" xmlns:a16="http://schemas.microsoft.com/office/drawing/2014/main" val="1350976778"/>
+                    <a16:rowId xmlns:a16="http://schemas.microsoft.com/office/drawing/2014/main" xmlns="" val="1350976778"/>
                   </a:ext>
                 </a:extLst>
               </a:tr>
@@ -16948,8 +18217,8 @@
                     <a:lstStyle/>
                     <a:p>
                       <a:r>
-                        <a:rPr lang="en-US" dirty="0" err="1" smtClean="0"/>
-                        <a:t>Int</a:t>
+                        <a:rPr lang="en-US" dirty="0" smtClean="0"/>
+                        <a:t>Integer</a:t>
                       </a:r>
                       <a:endParaRPr lang="en-US" dirty="0"/>
                     </a:p>
@@ -16972,7 +18241,7 @@
                 </a:tc>
                 <a:extLst>
                   <a:ext uri="{0D108BD9-81ED-4DB2-BD59-A6C34878D82A}">
-                    <a16:rowId xmlns="" xmlns:a16="http://schemas.microsoft.com/office/drawing/2014/main" val="4269636529"/>
+                    <a16:rowId xmlns:a16="http://schemas.microsoft.com/office/drawing/2014/main" xmlns="" val="4269636529"/>
                   </a:ext>
                 </a:extLst>
               </a:tr>
@@ -17007,7 +18276,7 @@
                 </a:tc>
                 <a:extLst>
                   <a:ext uri="{0D108BD9-81ED-4DB2-BD59-A6C34878D82A}">
-                    <a16:rowId xmlns="" xmlns:a16="http://schemas.microsoft.com/office/drawing/2014/main" val="2426802635"/>
+                    <a16:rowId xmlns:a16="http://schemas.microsoft.com/office/drawing/2014/main" xmlns="" val="2426802635"/>
                   </a:ext>
                 </a:extLst>
               </a:tr>
@@ -17042,7 +18311,7 @@
                 </a:tc>
                 <a:extLst>
                   <a:ext uri="{0D108BD9-81ED-4DB2-BD59-A6C34878D82A}">
-                    <a16:rowId xmlns="" xmlns:a16="http://schemas.microsoft.com/office/drawing/2014/main" val="1142675093"/>
+                    <a16:rowId xmlns:a16="http://schemas.microsoft.com/office/drawing/2014/main" xmlns="" val="1142675093"/>
                   </a:ext>
                 </a:extLst>
               </a:tr>
@@ -17077,7 +18346,7 @@
                 </a:tc>
                 <a:extLst>
                   <a:ext uri="{0D108BD9-81ED-4DB2-BD59-A6C34878D82A}">
-                    <a16:rowId xmlns="" xmlns:a16="http://schemas.microsoft.com/office/drawing/2014/main" val="2459925319"/>
+                    <a16:rowId xmlns:a16="http://schemas.microsoft.com/office/drawing/2014/main" xmlns="" val="2459925319"/>
                   </a:ext>
                 </a:extLst>
               </a:tr>
@@ -17112,7 +18381,7 @@
                 </a:tc>
                 <a:extLst>
                   <a:ext uri="{0D108BD9-81ED-4DB2-BD59-A6C34878D82A}">
-                    <a16:rowId xmlns="" xmlns:a16="http://schemas.microsoft.com/office/drawing/2014/main" val="3207880339"/>
+                    <a16:rowId xmlns:a16="http://schemas.microsoft.com/office/drawing/2014/main" xmlns="" val="3207880339"/>
                   </a:ext>
                 </a:extLst>
               </a:tr>
@@ -17378,7 +18647,7 @@
             <p:ph idx="1"/>
             <p:extLst>
               <p:ext uri="{D42A27DB-BD31-4B8C-83A1-F6EECF244321}">
-                <p14:modId xmlns:p14="http://schemas.microsoft.com/office/powerpoint/2010/main" val="2110650418"/>
+                <p14:modId xmlns:p14="http://schemas.microsoft.com/office/powerpoint/2010/main" val="1294422330"/>
               </p:ext>
             </p:extLst>
           </p:nvPr>
@@ -17397,21 +18666,21 @@
                 <a:gridCol w="1384980">
                   <a:extLst>
                     <a:ext uri="{9D8B030D-6E8A-4147-A177-3AD203B41FA5}">
-                      <a16:colId xmlns="" xmlns:a16="http://schemas.microsoft.com/office/drawing/2014/main" val="3505426656"/>
+                      <a16:colId xmlns:a16="http://schemas.microsoft.com/office/drawing/2014/main" xmlns="" val="3505426656"/>
                     </a:ext>
                   </a:extLst>
                 </a:gridCol>
                 <a:gridCol w="5320620">
                   <a:extLst>
                     <a:ext uri="{9D8B030D-6E8A-4147-A177-3AD203B41FA5}">
-                      <a16:colId xmlns="" xmlns:a16="http://schemas.microsoft.com/office/drawing/2014/main" val="3680717657"/>
+                      <a16:colId xmlns:a16="http://schemas.microsoft.com/office/drawing/2014/main" xmlns="" val="3680717657"/>
                     </a:ext>
                   </a:extLst>
                 </a:gridCol>
                 <a:gridCol w="3352800">
                   <a:extLst>
                     <a:ext uri="{9D8B030D-6E8A-4147-A177-3AD203B41FA5}">
-                      <a16:colId xmlns="" xmlns:a16="http://schemas.microsoft.com/office/drawing/2014/main" val="2715844025"/>
+                      <a16:colId xmlns:a16="http://schemas.microsoft.com/office/drawing/2014/main" xmlns="" val="2715844025"/>
                     </a:ext>
                   </a:extLst>
                 </a:gridCol>
@@ -17461,7 +18730,7 @@
                 </a:tc>
                 <a:extLst>
                   <a:ext uri="{0D108BD9-81ED-4DB2-BD59-A6C34878D82A}">
-                    <a16:rowId xmlns="" xmlns:a16="http://schemas.microsoft.com/office/drawing/2014/main" val="3637086436"/>
+                    <a16:rowId xmlns:a16="http://schemas.microsoft.com/office/drawing/2014/main" xmlns="" val="3637086436"/>
                   </a:ext>
                 </a:extLst>
               </a:tr>
@@ -17491,7 +18760,11 @@
                       </a:r>
                       <a:r>
                         <a:rPr lang="en-US" b="1" baseline="0" dirty="0" smtClean="0"/>
-                        <a:t> (can be used for string)</a:t>
+                        <a:t> (can be used for </a:t>
+                      </a:r>
+                      <a:r>
+                        <a:rPr lang="en-US" b="1" baseline="0" dirty="0" smtClean="0"/>
+                        <a:t>string also)</a:t>
                       </a:r>
                       <a:endParaRPr lang="en-US" b="1" dirty="0"/>
                     </a:p>
@@ -17526,7 +18799,7 @@
                 </a:tc>
                 <a:extLst>
                   <a:ext uri="{0D108BD9-81ED-4DB2-BD59-A6C34878D82A}">
-                    <a16:rowId xmlns="" xmlns:a16="http://schemas.microsoft.com/office/drawing/2014/main" val="2106560257"/>
+                    <a16:rowId xmlns:a16="http://schemas.microsoft.com/office/drawing/2014/main" xmlns="" val="2106560257"/>
                   </a:ext>
                 </a:extLst>
               </a:tr>
@@ -17575,7 +18848,7 @@
                 </a:tc>
                 <a:extLst>
                   <a:ext uri="{0D108BD9-81ED-4DB2-BD59-A6C34878D82A}">
-                    <a16:rowId xmlns="" xmlns:a16="http://schemas.microsoft.com/office/drawing/2014/main" val="1092993206"/>
+                    <a16:rowId xmlns:a16="http://schemas.microsoft.com/office/drawing/2014/main" xmlns="" val="1092993206"/>
                   </a:ext>
                 </a:extLst>
               </a:tr>
@@ -17605,7 +18878,11 @@
                       </a:r>
                       <a:r>
                         <a:rPr lang="en-US" b="1" baseline="0" dirty="0" smtClean="0"/>
-                        <a:t> for string)</a:t>
+                        <a:t> for </a:t>
+                      </a:r>
+                      <a:r>
+                        <a:rPr lang="en-US" b="1" baseline="0" dirty="0" smtClean="0"/>
+                        <a:t>string also)</a:t>
                       </a:r>
                       <a:endParaRPr lang="en-US" b="1" dirty="0"/>
                     </a:p>
@@ -17628,7 +18905,7 @@
                 </a:tc>
                 <a:extLst>
                   <a:ext uri="{0D108BD9-81ED-4DB2-BD59-A6C34878D82A}">
-                    <a16:rowId xmlns="" xmlns:a16="http://schemas.microsoft.com/office/drawing/2014/main" val="2892156610"/>
+                    <a16:rowId xmlns:a16="http://schemas.microsoft.com/office/drawing/2014/main" xmlns="" val="2892156610"/>
                   </a:ext>
                 </a:extLst>
               </a:tr>
@@ -17677,7 +18954,7 @@
                 </a:tc>
                 <a:extLst>
                   <a:ext uri="{0D108BD9-81ED-4DB2-BD59-A6C34878D82A}">
-                    <a16:rowId xmlns="" xmlns:a16="http://schemas.microsoft.com/office/drawing/2014/main" val="2000040929"/>
+                    <a16:rowId xmlns:a16="http://schemas.microsoft.com/office/drawing/2014/main" xmlns="" val="2000040929"/>
                   </a:ext>
                 </a:extLst>
               </a:tr>
@@ -17730,7 +19007,7 @@
                 </a:tc>
                 <a:extLst>
                   <a:ext uri="{0D108BD9-81ED-4DB2-BD59-A6C34878D82A}">
-                    <a16:rowId xmlns="" xmlns:a16="http://schemas.microsoft.com/office/drawing/2014/main" val="2693235026"/>
+                    <a16:rowId xmlns:a16="http://schemas.microsoft.com/office/drawing/2014/main" xmlns="" val="2693235026"/>
                   </a:ext>
                 </a:extLst>
               </a:tr>
@@ -17779,7 +19056,7 @@
                 </a:tc>
                 <a:extLst>
                   <a:ext uri="{0D108BD9-81ED-4DB2-BD59-A6C34878D82A}">
-                    <a16:rowId xmlns="" xmlns:a16="http://schemas.microsoft.com/office/drawing/2014/main" val="3943216011"/>
+                    <a16:rowId xmlns:a16="http://schemas.microsoft.com/office/drawing/2014/main" xmlns="" val="3943216011"/>
                   </a:ext>
                 </a:extLst>
               </a:tr>
@@ -17828,7 +19105,7 @@
                 </a:tc>
                 <a:extLst>
                   <a:ext uri="{0D108BD9-81ED-4DB2-BD59-A6C34878D82A}">
-                    <a16:rowId xmlns="" xmlns:a16="http://schemas.microsoft.com/office/drawing/2014/main" val="4042558182"/>
+                    <a16:rowId xmlns:a16="http://schemas.microsoft.com/office/drawing/2014/main" xmlns="" val="4042558182"/>
                   </a:ext>
                 </a:extLst>
               </a:tr>
@@ -17898,7 +19175,7 @@
                 </a:tc>
                 <a:extLst>
                   <a:ext uri="{0D108BD9-81ED-4DB2-BD59-A6C34878D82A}">
-                    <a16:rowId xmlns="" xmlns:a16="http://schemas.microsoft.com/office/drawing/2014/main" val="1271498323"/>
+                    <a16:rowId xmlns:a16="http://schemas.microsoft.com/office/drawing/2014/main" xmlns="" val="1271498323"/>
                   </a:ext>
                 </a:extLst>
               </a:tr>
@@ -17955,7 +19232,7 @@
                 </a:tc>
                 <a:extLst>
                   <a:ext uri="{0D108BD9-81ED-4DB2-BD59-A6C34878D82A}">
-                    <a16:rowId xmlns="" xmlns:a16="http://schemas.microsoft.com/office/drawing/2014/main" val="2620889323"/>
+                    <a16:rowId xmlns:a16="http://schemas.microsoft.com/office/drawing/2014/main" xmlns="" val="2620889323"/>
                   </a:ext>
                 </a:extLst>
               </a:tr>
@@ -18012,7 +19289,7 @@
                 </a:tc>
                 <a:extLst>
                   <a:ext uri="{0D108BD9-81ED-4DB2-BD59-A6C34878D82A}">
-                    <a16:rowId xmlns="" xmlns:a16="http://schemas.microsoft.com/office/drawing/2014/main" val="805148016"/>
+                    <a16:rowId xmlns:a16="http://schemas.microsoft.com/office/drawing/2014/main" xmlns="" val="805148016"/>
                   </a:ext>
                 </a:extLst>
               </a:tr>
@@ -18069,7 +19346,7 @@
                 </a:tc>
                 <a:extLst>
                   <a:ext uri="{0D108BD9-81ED-4DB2-BD59-A6C34878D82A}">
-                    <a16:rowId xmlns="" xmlns:a16="http://schemas.microsoft.com/office/drawing/2014/main" val="3809420505"/>
+                    <a16:rowId xmlns:a16="http://schemas.microsoft.com/office/drawing/2014/main" xmlns="" val="3809420505"/>
                   </a:ext>
                 </a:extLst>
               </a:tr>
@@ -18126,7 +19403,7 @@
                 </a:tc>
                 <a:extLst>
                   <a:ext uri="{0D108BD9-81ED-4DB2-BD59-A6C34878D82A}">
-                    <a16:rowId xmlns="" xmlns:a16="http://schemas.microsoft.com/office/drawing/2014/main" val="235147297"/>
+                    <a16:rowId xmlns:a16="http://schemas.microsoft.com/office/drawing/2014/main" xmlns="" val="235147297"/>
                   </a:ext>
                 </a:extLst>
               </a:tr>
@@ -18179,7 +19456,7 @@
                 </a:tc>
                 <a:extLst>
                   <a:ext uri="{0D108BD9-81ED-4DB2-BD59-A6C34878D82A}">
-                    <a16:rowId xmlns="" xmlns:a16="http://schemas.microsoft.com/office/drawing/2014/main" val="172135768"/>
+                    <a16:rowId xmlns:a16="http://schemas.microsoft.com/office/drawing/2014/main" xmlns="" val="172135768"/>
                   </a:ext>
                 </a:extLst>
               </a:tr>
@@ -18262,7 +19539,7 @@
             <p:ph idx="1"/>
             <p:extLst>
               <p:ext uri="{D42A27DB-BD31-4B8C-83A1-F6EECF244321}">
-                <p14:modId xmlns:p14="http://schemas.microsoft.com/office/powerpoint/2010/main" val="2281710432"/>
+                <p14:modId xmlns:p14="http://schemas.microsoft.com/office/powerpoint/2010/main" val="763303179"/>
               </p:ext>
             </p:extLst>
           </p:nvPr>
@@ -18281,21 +19558,21 @@
                 <a:gridCol w="1447527">
                   <a:extLst>
                     <a:ext uri="{9D8B030D-6E8A-4147-A177-3AD203B41FA5}">
-                      <a16:colId xmlns="" xmlns:a16="http://schemas.microsoft.com/office/drawing/2014/main" val="3505426656"/>
+                      <a16:colId xmlns:a16="http://schemas.microsoft.com/office/drawing/2014/main" xmlns="" val="3505426656"/>
                     </a:ext>
                   </a:extLst>
                 </a:gridCol>
                 <a:gridCol w="5560906">
                   <a:extLst>
                     <a:ext uri="{9D8B030D-6E8A-4147-A177-3AD203B41FA5}">
-                      <a16:colId xmlns="" xmlns:a16="http://schemas.microsoft.com/office/drawing/2014/main" val="3680717657"/>
+                      <a16:colId xmlns:a16="http://schemas.microsoft.com/office/drawing/2014/main" xmlns="" val="3680717657"/>
                     </a:ext>
                   </a:extLst>
                 </a:gridCol>
                 <a:gridCol w="3504217">
                   <a:extLst>
                     <a:ext uri="{9D8B030D-6E8A-4147-A177-3AD203B41FA5}">
-                      <a16:colId xmlns="" xmlns:a16="http://schemas.microsoft.com/office/drawing/2014/main" val="2715844025"/>
+                      <a16:colId xmlns:a16="http://schemas.microsoft.com/office/drawing/2014/main" xmlns="" val="2715844025"/>
                     </a:ext>
                   </a:extLst>
                 </a:gridCol>
@@ -18345,7 +19622,7 @@
                 </a:tc>
                 <a:extLst>
                   <a:ext uri="{0D108BD9-81ED-4DB2-BD59-A6C34878D82A}">
-                    <a16:rowId xmlns="" xmlns:a16="http://schemas.microsoft.com/office/drawing/2014/main" val="3637086436"/>
+                    <a16:rowId xmlns:a16="http://schemas.microsoft.com/office/drawing/2014/main" xmlns="" val="3637086436"/>
                   </a:ext>
                 </a:extLst>
               </a:tr>
@@ -18402,7 +19679,7 @@
                 </a:tc>
                 <a:extLst>
                   <a:ext uri="{0D108BD9-81ED-4DB2-BD59-A6C34878D82A}">
-                    <a16:rowId xmlns="" xmlns:a16="http://schemas.microsoft.com/office/drawing/2014/main" val="2106560257"/>
+                    <a16:rowId xmlns:a16="http://schemas.microsoft.com/office/drawing/2014/main" xmlns="" val="2106560257"/>
                   </a:ext>
                 </a:extLst>
               </a:tr>
@@ -18451,7 +19728,7 @@
                 </a:tc>
                 <a:extLst>
                   <a:ext uri="{0D108BD9-81ED-4DB2-BD59-A6C34878D82A}">
-                    <a16:rowId xmlns="" xmlns:a16="http://schemas.microsoft.com/office/drawing/2014/main" val="1092993206"/>
+                    <a16:rowId xmlns:a16="http://schemas.microsoft.com/office/drawing/2014/main" xmlns="" val="1092993206"/>
                   </a:ext>
                 </a:extLst>
               </a:tr>
@@ -18504,7 +19781,7 @@
                 </a:tc>
                 <a:extLst>
                   <a:ext uri="{0D108BD9-81ED-4DB2-BD59-A6C34878D82A}">
-                    <a16:rowId xmlns="" xmlns:a16="http://schemas.microsoft.com/office/drawing/2014/main" val="2892156610"/>
+                    <a16:rowId xmlns:a16="http://schemas.microsoft.com/office/drawing/2014/main" xmlns="" val="2892156610"/>
                   </a:ext>
                 </a:extLst>
               </a:tr>
@@ -18553,7 +19830,7 @@
                 </a:tc>
                 <a:extLst>
                   <a:ext uri="{0D108BD9-81ED-4DB2-BD59-A6C34878D82A}">
-                    <a16:rowId xmlns="" xmlns:a16="http://schemas.microsoft.com/office/drawing/2014/main" val="2000040929"/>
+                    <a16:rowId xmlns:a16="http://schemas.microsoft.com/office/drawing/2014/main" xmlns="" val="2000040929"/>
                   </a:ext>
                 </a:extLst>
               </a:tr>
@@ -18602,7 +19879,7 @@
                 </a:tc>
                 <a:extLst>
                   <a:ext uri="{0D108BD9-81ED-4DB2-BD59-A6C34878D82A}">
-                    <a16:rowId xmlns="" xmlns:a16="http://schemas.microsoft.com/office/drawing/2014/main" val="2693235026"/>
+                    <a16:rowId xmlns:a16="http://schemas.microsoft.com/office/drawing/2014/main" xmlns="" val="2693235026"/>
                   </a:ext>
                 </a:extLst>
               </a:tr>
@@ -18655,7 +19932,7 @@
                 </a:tc>
                 <a:extLst>
                   <a:ext uri="{0D108BD9-81ED-4DB2-BD59-A6C34878D82A}">
-                    <a16:rowId xmlns="" xmlns:a16="http://schemas.microsoft.com/office/drawing/2014/main" val="3943216011"/>
+                    <a16:rowId xmlns:a16="http://schemas.microsoft.com/office/drawing/2014/main" xmlns="" val="3943216011"/>
                   </a:ext>
                 </a:extLst>
               </a:tr>
@@ -18704,7 +19981,7 @@
                 </a:tc>
                 <a:extLst>
                   <a:ext uri="{0D108BD9-81ED-4DB2-BD59-A6C34878D82A}">
-                    <a16:rowId xmlns="" xmlns:a16="http://schemas.microsoft.com/office/drawing/2014/main" val="4042558182"/>
+                    <a16:rowId xmlns:a16="http://schemas.microsoft.com/office/drawing/2014/main" xmlns="" val="4042558182"/>
                   </a:ext>
                 </a:extLst>
               </a:tr>
@@ -18716,7 +19993,7 @@
                     <a:p>
                       <a:r>
                         <a:rPr lang="en-US" sz="1400" b="1" dirty="0" smtClean="0"/>
-                        <a:t>AND</a:t>
+                        <a:t>and</a:t>
                       </a:r>
                       <a:endParaRPr lang="en-US" sz="1400" b="1" dirty="0"/>
                     </a:p>
@@ -18757,7 +20034,7 @@
                 </a:tc>
                 <a:extLst>
                   <a:ext uri="{0D108BD9-81ED-4DB2-BD59-A6C34878D82A}">
-                    <a16:rowId xmlns="" xmlns:a16="http://schemas.microsoft.com/office/drawing/2014/main" val="1271498323"/>
+                    <a16:rowId xmlns:a16="http://schemas.microsoft.com/office/drawing/2014/main" xmlns="" val="1271498323"/>
                   </a:ext>
                 </a:extLst>
               </a:tr>
@@ -18769,7 +20046,7 @@
                     <a:p>
                       <a:r>
                         <a:rPr lang="en-US" sz="1400" b="1" dirty="0" smtClean="0"/>
-                        <a:t>OR</a:t>
+                        <a:t>or</a:t>
                       </a:r>
                       <a:endParaRPr lang="en-US" sz="1400" b="1" dirty="0"/>
                     </a:p>
@@ -18827,7 +20104,7 @@
                 </a:tc>
                 <a:extLst>
                   <a:ext uri="{0D108BD9-81ED-4DB2-BD59-A6C34878D82A}">
-                    <a16:rowId xmlns="" xmlns:a16="http://schemas.microsoft.com/office/drawing/2014/main" val="2620889323"/>
+                    <a16:rowId xmlns:a16="http://schemas.microsoft.com/office/drawing/2014/main" xmlns="" val="2620889323"/>
                   </a:ext>
                 </a:extLst>
               </a:tr>
@@ -18839,7 +20116,7 @@
                     <a:p>
                       <a:r>
                         <a:rPr lang="en-US" sz="1400" b="1" dirty="0" smtClean="0"/>
-                        <a:t>Not</a:t>
+                        <a:t>not</a:t>
                       </a:r>
                       <a:endParaRPr lang="en-US" sz="1400" b="1" dirty="0"/>
                     </a:p>
@@ -18897,7 +20174,7 @@
                 </a:tc>
                 <a:extLst>
                   <a:ext uri="{0D108BD9-81ED-4DB2-BD59-A6C34878D82A}">
-                    <a16:rowId xmlns="" xmlns:a16="http://schemas.microsoft.com/office/drawing/2014/main" val="805148016"/>
+                    <a16:rowId xmlns:a16="http://schemas.microsoft.com/office/drawing/2014/main" xmlns="" val="805148016"/>
                   </a:ext>
                 </a:extLst>
               </a:tr>
@@ -18909,7 +20186,7 @@
                     <a:p>
                       <a:r>
                         <a:rPr lang="en-US" sz="1400" b="1" dirty="0" smtClean="0"/>
-                        <a:t>In</a:t>
+                        <a:t>in</a:t>
                       </a:r>
                       <a:endParaRPr lang="en-US" sz="1400" b="1" dirty="0"/>
                     </a:p>
@@ -18971,7 +20248,7 @@
                 </a:tc>
                 <a:extLst>
                   <a:ext uri="{0D108BD9-81ED-4DB2-BD59-A6C34878D82A}">
-                    <a16:rowId xmlns="" xmlns:a16="http://schemas.microsoft.com/office/drawing/2014/main" val="3809420505"/>
+                    <a16:rowId xmlns:a16="http://schemas.microsoft.com/office/drawing/2014/main" xmlns="" val="3809420505"/>
                   </a:ext>
                 </a:extLst>
               </a:tr>
@@ -18983,7 +20260,7 @@
                     <a:p>
                       <a:r>
                         <a:rPr lang="en-US" sz="1400" b="1" dirty="0" smtClean="0"/>
-                        <a:t>Not in</a:t>
+                        <a:t>not in</a:t>
                       </a:r>
                       <a:endParaRPr lang="en-US" sz="1400" b="1" dirty="0"/>
                     </a:p>
@@ -19041,7 +20318,7 @@
                 </a:tc>
                 <a:extLst>
                   <a:ext uri="{0D108BD9-81ED-4DB2-BD59-A6C34878D82A}">
-                    <a16:rowId xmlns="" xmlns:a16="http://schemas.microsoft.com/office/drawing/2014/main" val="235147297"/>
+                    <a16:rowId xmlns:a16="http://schemas.microsoft.com/office/drawing/2014/main" xmlns="" val="235147297"/>
                   </a:ext>
                 </a:extLst>
               </a:tr>
@@ -19111,7 +20388,7 @@
                 </a:tc>
                 <a:extLst>
                   <a:ext uri="{0D108BD9-81ED-4DB2-BD59-A6C34878D82A}">
-                    <a16:rowId xmlns="" xmlns:a16="http://schemas.microsoft.com/office/drawing/2014/main" val="172135768"/>
+                    <a16:rowId xmlns:a16="http://schemas.microsoft.com/office/drawing/2014/main" xmlns="" val="172135768"/>
                   </a:ext>
                 </a:extLst>
               </a:tr>
@@ -19123,11 +20400,7 @@
                     <a:p>
                       <a:r>
                         <a:rPr lang="en-US" sz="1400" b="1" dirty="0" smtClean="0"/>
-                        <a:t>Is</a:t>
-                      </a:r>
-                      <a:r>
-                        <a:rPr lang="en-US" sz="1400" b="1" baseline="0" dirty="0" smtClean="0"/>
-                        <a:t> </a:t>
+                        <a:t>is</a:t>
                       </a:r>
                       <a:endParaRPr lang="en-US" sz="1400" b="1" dirty="0"/>
                     </a:p>
@@ -19189,7 +20462,7 @@
                 </a:tc>
                 <a:extLst>
                   <a:ext uri="{0D108BD9-81ED-4DB2-BD59-A6C34878D82A}">
-                    <a16:rowId xmlns="" xmlns:a16="http://schemas.microsoft.com/office/drawing/2014/main" val="4023228976"/>
+                    <a16:rowId xmlns:a16="http://schemas.microsoft.com/office/drawing/2014/main" xmlns="" val="4023228976"/>
                   </a:ext>
                 </a:extLst>
               </a:tr>
@@ -19259,7 +20532,7 @@
                 </a:tc>
                 <a:extLst>
                   <a:ext uri="{0D108BD9-81ED-4DB2-BD59-A6C34878D82A}">
-                    <a16:rowId xmlns="" xmlns:a16="http://schemas.microsoft.com/office/drawing/2014/main" val="1010257875"/>
+                    <a16:rowId xmlns:a16="http://schemas.microsoft.com/office/drawing/2014/main" xmlns="" val="1010257875"/>
                   </a:ext>
                 </a:extLst>
               </a:tr>
@@ -19573,14 +20846,14 @@
                 <a:gridCol w="4535361">
                   <a:extLst>
                     <a:ext uri="{9D8B030D-6E8A-4147-A177-3AD203B41FA5}">
-                      <a16:colId xmlns="" xmlns:a16="http://schemas.microsoft.com/office/drawing/2014/main" val="20000"/>
+                      <a16:colId xmlns:a16="http://schemas.microsoft.com/office/drawing/2014/main" xmlns="" val="20000"/>
                     </a:ext>
                   </a:extLst>
                 </a:gridCol>
                 <a:gridCol w="4535361">
                   <a:extLst>
                     <a:ext uri="{9D8B030D-6E8A-4147-A177-3AD203B41FA5}">
-                      <a16:colId xmlns="" xmlns:a16="http://schemas.microsoft.com/office/drawing/2014/main" val="20001"/>
+                      <a16:colId xmlns:a16="http://schemas.microsoft.com/office/drawing/2014/main" xmlns="" val="20001"/>
                     </a:ext>
                   </a:extLst>
                 </a:gridCol>
@@ -19616,7 +20889,7 @@
                 </a:tc>
                 <a:extLst>
                   <a:ext uri="{0D108BD9-81ED-4DB2-BD59-A6C34878D82A}">
-                    <a16:rowId xmlns="" xmlns:a16="http://schemas.microsoft.com/office/drawing/2014/main" val="10000"/>
+                    <a16:rowId xmlns:a16="http://schemas.microsoft.com/office/drawing/2014/main" xmlns="" val="10000"/>
                   </a:ext>
                 </a:extLst>
               </a:tr>
@@ -19655,7 +20928,7 @@
                 </a:tc>
                 <a:extLst>
                   <a:ext uri="{0D108BD9-81ED-4DB2-BD59-A6C34878D82A}">
-                    <a16:rowId xmlns="" xmlns:a16="http://schemas.microsoft.com/office/drawing/2014/main" val="10001"/>
+                    <a16:rowId xmlns:a16="http://schemas.microsoft.com/office/drawing/2014/main" xmlns="" val="10001"/>
                   </a:ext>
                 </a:extLst>
               </a:tr>
@@ -19690,7 +20963,7 @@
                 </a:tc>
                 <a:extLst>
                   <a:ext uri="{0D108BD9-81ED-4DB2-BD59-A6C34878D82A}">
-                    <a16:rowId xmlns="" xmlns:a16="http://schemas.microsoft.com/office/drawing/2014/main" val="10002"/>
+                    <a16:rowId xmlns:a16="http://schemas.microsoft.com/office/drawing/2014/main" xmlns="" val="10002"/>
                   </a:ext>
                 </a:extLst>
               </a:tr>
@@ -19729,7 +21002,7 @@
                 </a:tc>
                 <a:extLst>
                   <a:ext uri="{0D108BD9-81ED-4DB2-BD59-A6C34878D82A}">
-                    <a16:rowId xmlns="" xmlns:a16="http://schemas.microsoft.com/office/drawing/2014/main" val="10003"/>
+                    <a16:rowId xmlns:a16="http://schemas.microsoft.com/office/drawing/2014/main" xmlns="" val="10003"/>
                   </a:ext>
                 </a:extLst>
               </a:tr>
@@ -19768,7 +21041,7 @@
                 </a:tc>
                 <a:extLst>
                   <a:ext uri="{0D108BD9-81ED-4DB2-BD59-A6C34878D82A}">
-                    <a16:rowId xmlns="" xmlns:a16="http://schemas.microsoft.com/office/drawing/2014/main" val="10004"/>
+                    <a16:rowId xmlns:a16="http://schemas.microsoft.com/office/drawing/2014/main" xmlns="" val="10004"/>
                   </a:ext>
                 </a:extLst>
               </a:tr>
@@ -19807,7 +21080,7 @@
                 </a:tc>
                 <a:extLst>
                   <a:ext uri="{0D108BD9-81ED-4DB2-BD59-A6C34878D82A}">
-                    <a16:rowId xmlns="" xmlns:a16="http://schemas.microsoft.com/office/drawing/2014/main" val="10005"/>
+                    <a16:rowId xmlns:a16="http://schemas.microsoft.com/office/drawing/2014/main" xmlns="" val="10005"/>
                   </a:ext>
                 </a:extLst>
               </a:tr>
@@ -19842,7 +21115,7 @@
                 </a:tc>
                 <a:extLst>
                   <a:ext uri="{0D108BD9-81ED-4DB2-BD59-A6C34878D82A}">
-                    <a16:rowId xmlns="" xmlns:a16="http://schemas.microsoft.com/office/drawing/2014/main" val="10006"/>
+                    <a16:rowId xmlns:a16="http://schemas.microsoft.com/office/drawing/2014/main" xmlns="" val="10006"/>
                   </a:ext>
                 </a:extLst>
               </a:tr>
@@ -19889,7 +21162,7 @@
                 </a:tc>
                 <a:extLst>
                   <a:ext uri="{0D108BD9-81ED-4DB2-BD59-A6C34878D82A}">
-                    <a16:rowId xmlns="" xmlns:a16="http://schemas.microsoft.com/office/drawing/2014/main" val="10007"/>
+                    <a16:rowId xmlns:a16="http://schemas.microsoft.com/office/drawing/2014/main" xmlns="" val="10007"/>
                   </a:ext>
                 </a:extLst>
               </a:tr>
@@ -21150,11 +22423,7 @@
             </a:pPr>
             <a:r>
               <a:rPr lang="en-US" sz="2800" smtClean="0"/>
-              <a:t>Python </a:t>
-            </a:r>
-            <a:r>
-              <a:rPr lang="en-US" sz="2800" smtClean="0"/>
-              <a:t>3.10 being </a:t>
+              <a:t>Python 3.10 being </a:t>
             </a:r>
             <a:r>
               <a:rPr lang="en-US" sz="2800" dirty="0" smtClean="0"/>
@@ -21345,14 +22614,14 @@
                 <a:gridCol w="4064000">
                   <a:extLst>
                     <a:ext uri="{9D8B030D-6E8A-4147-A177-3AD203B41FA5}">
-                      <a16:colId xmlns="" xmlns:a16="http://schemas.microsoft.com/office/drawing/2014/main" val="4185674831"/>
+                      <a16:colId xmlns:a16="http://schemas.microsoft.com/office/drawing/2014/main" xmlns="" val="4185674831"/>
                     </a:ext>
                   </a:extLst>
                 </a:gridCol>
                 <a:gridCol w="4064000">
                   <a:extLst>
                     <a:ext uri="{9D8B030D-6E8A-4147-A177-3AD203B41FA5}">
-                      <a16:colId xmlns="" xmlns:a16="http://schemas.microsoft.com/office/drawing/2014/main" val="3457811982"/>
+                      <a16:colId xmlns:a16="http://schemas.microsoft.com/office/drawing/2014/main" xmlns="" val="3457811982"/>
                     </a:ext>
                   </a:extLst>
                 </a:gridCol>
@@ -21388,7 +22657,7 @@
                 </a:tc>
                 <a:extLst>
                   <a:ext uri="{0D108BD9-81ED-4DB2-BD59-A6C34878D82A}">
-                    <a16:rowId xmlns="" xmlns:a16="http://schemas.microsoft.com/office/drawing/2014/main" val="21305500"/>
+                    <a16:rowId xmlns:a16="http://schemas.microsoft.com/office/drawing/2014/main" xmlns="" val="21305500"/>
                   </a:ext>
                 </a:extLst>
               </a:tr>
@@ -21423,7 +22692,7 @@
                 </a:tc>
                 <a:extLst>
                   <a:ext uri="{0D108BD9-81ED-4DB2-BD59-A6C34878D82A}">
-                    <a16:rowId xmlns="" xmlns:a16="http://schemas.microsoft.com/office/drawing/2014/main" val="556931713"/>
+                    <a16:rowId xmlns:a16="http://schemas.microsoft.com/office/drawing/2014/main" xmlns="" val="556931713"/>
                   </a:ext>
                 </a:extLst>
               </a:tr>
@@ -21462,7 +22731,7 @@
                 </a:tc>
                 <a:extLst>
                   <a:ext uri="{0D108BD9-81ED-4DB2-BD59-A6C34878D82A}">
-                    <a16:rowId xmlns="" xmlns:a16="http://schemas.microsoft.com/office/drawing/2014/main" val="500124281"/>
+                    <a16:rowId xmlns:a16="http://schemas.microsoft.com/office/drawing/2014/main" xmlns="" val="500124281"/>
                   </a:ext>
                 </a:extLst>
               </a:tr>
@@ -21497,7 +22766,7 @@
                 </a:tc>
                 <a:extLst>
                   <a:ext uri="{0D108BD9-81ED-4DB2-BD59-A6C34878D82A}">
-                    <a16:rowId xmlns="" xmlns:a16="http://schemas.microsoft.com/office/drawing/2014/main" val="1719416032"/>
+                    <a16:rowId xmlns:a16="http://schemas.microsoft.com/office/drawing/2014/main" xmlns="" val="1719416032"/>
                   </a:ext>
                 </a:extLst>
               </a:tr>
@@ -21536,7 +22805,7 @@
                 </a:tc>
                 <a:extLst>
                   <a:ext uri="{0D108BD9-81ED-4DB2-BD59-A6C34878D82A}">
-                    <a16:rowId xmlns="" xmlns:a16="http://schemas.microsoft.com/office/drawing/2014/main" val="554582280"/>
+                    <a16:rowId xmlns:a16="http://schemas.microsoft.com/office/drawing/2014/main" xmlns="" val="554582280"/>
                   </a:ext>
                 </a:extLst>
               </a:tr>
@@ -21575,7 +22844,7 @@
                 </a:tc>
                 <a:extLst>
                   <a:ext uri="{0D108BD9-81ED-4DB2-BD59-A6C34878D82A}">
-                    <a16:rowId xmlns="" xmlns:a16="http://schemas.microsoft.com/office/drawing/2014/main" val="4044386005"/>
+                    <a16:rowId xmlns:a16="http://schemas.microsoft.com/office/drawing/2014/main" xmlns="" val="4044386005"/>
                   </a:ext>
                 </a:extLst>
               </a:tr>
@@ -21622,7 +22891,7 @@
                 </a:tc>
                 <a:extLst>
                   <a:ext uri="{0D108BD9-81ED-4DB2-BD59-A6C34878D82A}">
-                    <a16:rowId xmlns="" xmlns:a16="http://schemas.microsoft.com/office/drawing/2014/main" val="3420515704"/>
+                    <a16:rowId xmlns:a16="http://schemas.microsoft.com/office/drawing/2014/main" xmlns="" val="3420515704"/>
                   </a:ext>
                 </a:extLst>
               </a:tr>
@@ -21661,7 +22930,7 @@
                 </a:tc>
                 <a:extLst>
                   <a:ext uri="{0D108BD9-81ED-4DB2-BD59-A6C34878D82A}">
-                    <a16:rowId xmlns="" xmlns:a16="http://schemas.microsoft.com/office/drawing/2014/main" val="3609253396"/>
+                    <a16:rowId xmlns:a16="http://schemas.microsoft.com/office/drawing/2014/main" xmlns="" val="3609253396"/>
                   </a:ext>
                 </a:extLst>
               </a:tr>
@@ -21700,7 +22969,7 @@
                 </a:tc>
                 <a:extLst>
                   <a:ext uri="{0D108BD9-81ED-4DB2-BD59-A6C34878D82A}">
-                    <a16:rowId xmlns="" xmlns:a16="http://schemas.microsoft.com/office/drawing/2014/main" val="1821851117"/>
+                    <a16:rowId xmlns:a16="http://schemas.microsoft.com/office/drawing/2014/main" xmlns="" val="1821851117"/>
                   </a:ext>
                 </a:extLst>
               </a:tr>
@@ -21739,7 +23008,7 @@
                 </a:tc>
                 <a:extLst>
                   <a:ext uri="{0D108BD9-81ED-4DB2-BD59-A6C34878D82A}">
-                    <a16:rowId xmlns="" xmlns:a16="http://schemas.microsoft.com/office/drawing/2014/main" val="1832300161"/>
+                    <a16:rowId xmlns:a16="http://schemas.microsoft.com/office/drawing/2014/main" xmlns="" val="1832300161"/>
                   </a:ext>
                 </a:extLst>
               </a:tr>
@@ -21778,7 +23047,7 @@
                 </a:tc>
                 <a:extLst>
                   <a:ext uri="{0D108BD9-81ED-4DB2-BD59-A6C34878D82A}">
-                    <a16:rowId xmlns="" xmlns:a16="http://schemas.microsoft.com/office/drawing/2014/main" val="3034341144"/>
+                    <a16:rowId xmlns:a16="http://schemas.microsoft.com/office/drawing/2014/main" xmlns="" val="3034341144"/>
                   </a:ext>
                 </a:extLst>
               </a:tr>
@@ -21829,7 +23098,7 @@
                 </a:tc>
                 <a:extLst>
                   <a:ext uri="{0D108BD9-81ED-4DB2-BD59-A6C34878D82A}">
-                    <a16:rowId xmlns="" xmlns:a16="http://schemas.microsoft.com/office/drawing/2014/main" val="3393940464"/>
+                    <a16:rowId xmlns:a16="http://schemas.microsoft.com/office/drawing/2014/main" xmlns="" val="3393940464"/>
                   </a:ext>
                 </a:extLst>
               </a:tr>
@@ -21864,7 +23133,7 @@
                 </a:tc>
                 <a:extLst>
                   <a:ext uri="{0D108BD9-81ED-4DB2-BD59-A6C34878D82A}">
-                    <a16:rowId xmlns="" xmlns:a16="http://schemas.microsoft.com/office/drawing/2014/main" val="3410715699"/>
+                    <a16:rowId xmlns:a16="http://schemas.microsoft.com/office/drawing/2014/main" xmlns="" val="3410715699"/>
                   </a:ext>
                 </a:extLst>
               </a:tr>
@@ -21899,7 +23168,7 @@
                 </a:tc>
                 <a:extLst>
                   <a:ext uri="{0D108BD9-81ED-4DB2-BD59-A6C34878D82A}">
-                    <a16:rowId xmlns="" xmlns:a16="http://schemas.microsoft.com/office/drawing/2014/main" val="497416907"/>
+                    <a16:rowId xmlns:a16="http://schemas.microsoft.com/office/drawing/2014/main" xmlns="" val="497416907"/>
                   </a:ext>
                 </a:extLst>
               </a:tr>
@@ -21938,7 +23207,7 @@
                 </a:tc>
                 <a:extLst>
                   <a:ext uri="{0D108BD9-81ED-4DB2-BD59-A6C34878D82A}">
-                    <a16:rowId xmlns="" xmlns:a16="http://schemas.microsoft.com/office/drawing/2014/main" val="158688358"/>
+                    <a16:rowId xmlns:a16="http://schemas.microsoft.com/office/drawing/2014/main" xmlns="" val="158688358"/>
                   </a:ext>
                 </a:extLst>
               </a:tr>
@@ -22007,14 +23276,14 @@
                 <a:gridCol w="4310743">
                   <a:extLst>
                     <a:ext uri="{9D8B030D-6E8A-4147-A177-3AD203B41FA5}">
-                      <a16:colId xmlns="" xmlns:a16="http://schemas.microsoft.com/office/drawing/2014/main" val="2330253208"/>
+                      <a16:colId xmlns:a16="http://schemas.microsoft.com/office/drawing/2014/main" xmlns="" val="2330253208"/>
                     </a:ext>
                   </a:extLst>
                 </a:gridCol>
                 <a:gridCol w="4310743">
                   <a:extLst>
                     <a:ext uri="{9D8B030D-6E8A-4147-A177-3AD203B41FA5}">
-                      <a16:colId xmlns="" xmlns:a16="http://schemas.microsoft.com/office/drawing/2014/main" val="1677152985"/>
+                      <a16:colId xmlns:a16="http://schemas.microsoft.com/office/drawing/2014/main" xmlns="" val="1677152985"/>
                     </a:ext>
                   </a:extLst>
                 </a:gridCol>
@@ -22050,7 +23319,7 @@
                 </a:tc>
                 <a:extLst>
                   <a:ext uri="{0D108BD9-81ED-4DB2-BD59-A6C34878D82A}">
-                    <a16:rowId xmlns="" xmlns:a16="http://schemas.microsoft.com/office/drawing/2014/main" val="1386955443"/>
+                    <a16:rowId xmlns:a16="http://schemas.microsoft.com/office/drawing/2014/main" xmlns="" val="1386955443"/>
                   </a:ext>
                 </a:extLst>
               </a:tr>
@@ -22089,7 +23358,7 @@
                 </a:tc>
                 <a:extLst>
                   <a:ext uri="{0D108BD9-81ED-4DB2-BD59-A6C34878D82A}">
-                    <a16:rowId xmlns="" xmlns:a16="http://schemas.microsoft.com/office/drawing/2014/main" val="1296435960"/>
+                    <a16:rowId xmlns:a16="http://schemas.microsoft.com/office/drawing/2014/main" xmlns="" val="1296435960"/>
                   </a:ext>
                 </a:extLst>
               </a:tr>
@@ -22128,7 +23397,7 @@
                 </a:tc>
                 <a:extLst>
                   <a:ext uri="{0D108BD9-81ED-4DB2-BD59-A6C34878D82A}">
-                    <a16:rowId xmlns="" xmlns:a16="http://schemas.microsoft.com/office/drawing/2014/main" val="3982172748"/>
+                    <a16:rowId xmlns:a16="http://schemas.microsoft.com/office/drawing/2014/main" xmlns="" val="3982172748"/>
                   </a:ext>
                 </a:extLst>
               </a:tr>
@@ -22167,7 +23436,7 @@
                 </a:tc>
                 <a:extLst>
                   <a:ext uri="{0D108BD9-81ED-4DB2-BD59-A6C34878D82A}">
-                    <a16:rowId xmlns="" xmlns:a16="http://schemas.microsoft.com/office/drawing/2014/main" val="340388665"/>
+                    <a16:rowId xmlns:a16="http://schemas.microsoft.com/office/drawing/2014/main" xmlns="" val="340388665"/>
                   </a:ext>
                 </a:extLst>
               </a:tr>
@@ -22206,7 +23475,7 @@
                 </a:tc>
                 <a:extLst>
                   <a:ext uri="{0D108BD9-81ED-4DB2-BD59-A6C34878D82A}">
-                    <a16:rowId xmlns="" xmlns:a16="http://schemas.microsoft.com/office/drawing/2014/main" val="3489570174"/>
+                    <a16:rowId xmlns:a16="http://schemas.microsoft.com/office/drawing/2014/main" xmlns="" val="3489570174"/>
                   </a:ext>
                 </a:extLst>
               </a:tr>
@@ -22253,7 +23522,7 @@
                 </a:tc>
                 <a:extLst>
                   <a:ext uri="{0D108BD9-81ED-4DB2-BD59-A6C34878D82A}">
-                    <a16:rowId xmlns="" xmlns:a16="http://schemas.microsoft.com/office/drawing/2014/main" val="730423723"/>
+                    <a16:rowId xmlns:a16="http://schemas.microsoft.com/office/drawing/2014/main" xmlns="" val="730423723"/>
                   </a:ext>
                 </a:extLst>
               </a:tr>
@@ -22296,7 +23565,7 @@
                 </a:tc>
                 <a:extLst>
                   <a:ext uri="{0D108BD9-81ED-4DB2-BD59-A6C34878D82A}">
-                    <a16:rowId xmlns="" xmlns:a16="http://schemas.microsoft.com/office/drawing/2014/main" val="3023009798"/>
+                    <a16:rowId xmlns:a16="http://schemas.microsoft.com/office/drawing/2014/main" xmlns="" val="3023009798"/>
                   </a:ext>
                 </a:extLst>
               </a:tr>
@@ -22331,7 +23600,7 @@
                 </a:tc>
                 <a:extLst>
                   <a:ext uri="{0D108BD9-81ED-4DB2-BD59-A6C34878D82A}">
-                    <a16:rowId xmlns="" xmlns:a16="http://schemas.microsoft.com/office/drawing/2014/main" val="1749897529"/>
+                    <a16:rowId xmlns:a16="http://schemas.microsoft.com/office/drawing/2014/main" xmlns="" val="1749897529"/>
                   </a:ext>
                 </a:extLst>
               </a:tr>
@@ -22370,7 +23639,7 @@
                 </a:tc>
                 <a:extLst>
                   <a:ext uri="{0D108BD9-81ED-4DB2-BD59-A6C34878D82A}">
-                    <a16:rowId xmlns="" xmlns:a16="http://schemas.microsoft.com/office/drawing/2014/main" val="2730762864"/>
+                    <a16:rowId xmlns:a16="http://schemas.microsoft.com/office/drawing/2014/main" xmlns="" val="2730762864"/>
                   </a:ext>
                 </a:extLst>
               </a:tr>
@@ -22405,7 +23674,7 @@
                 </a:tc>
                 <a:extLst>
                   <a:ext uri="{0D108BD9-81ED-4DB2-BD59-A6C34878D82A}">
-                    <a16:rowId xmlns="" xmlns:a16="http://schemas.microsoft.com/office/drawing/2014/main" val="2995452917"/>
+                    <a16:rowId xmlns:a16="http://schemas.microsoft.com/office/drawing/2014/main" xmlns="" val="2995452917"/>
                   </a:ext>
                 </a:extLst>
               </a:tr>
@@ -22440,7 +23709,7 @@
                 </a:tc>
                 <a:extLst>
                   <a:ext uri="{0D108BD9-81ED-4DB2-BD59-A6C34878D82A}">
-                    <a16:rowId xmlns="" xmlns:a16="http://schemas.microsoft.com/office/drawing/2014/main" val="3671156940"/>
+                    <a16:rowId xmlns:a16="http://schemas.microsoft.com/office/drawing/2014/main" xmlns="" val="3671156940"/>
                   </a:ext>
                 </a:extLst>
               </a:tr>
